--- a/נעמה גרשוני.pptx
+++ b/נעמה גרשוני.pptx
@@ -4,6 +4,9 @@
   <p:sldMasterIdLst>
     <p:sldMasterId id="2147483838" r:id="rId1"/>
   </p:sldMasterIdLst>
+  <p:notesMasterIdLst>
+    <p:notesMasterId r:id="rId34"/>
+  </p:notesMasterIdLst>
   <p:sldIdLst>
     <p:sldId id="274" r:id="rId2"/>
     <p:sldId id="275" r:id="rId3"/>
@@ -18,14 +21,14 @@
     <p:sldId id="283" r:id="rId12"/>
     <p:sldId id="308" r:id="rId13"/>
     <p:sldId id="302" r:id="rId14"/>
-    <p:sldId id="268" r:id="rId15"/>
-    <p:sldId id="271" r:id="rId16"/>
-    <p:sldId id="273" r:id="rId17"/>
-    <p:sldId id="299" r:id="rId18"/>
-    <p:sldId id="301" r:id="rId19"/>
-    <p:sldId id="300" r:id="rId20"/>
-    <p:sldId id="309" r:id="rId21"/>
-    <p:sldId id="310" r:id="rId22"/>
+    <p:sldId id="271" r:id="rId15"/>
+    <p:sldId id="273" r:id="rId16"/>
+    <p:sldId id="299" r:id="rId17"/>
+    <p:sldId id="301" r:id="rId18"/>
+    <p:sldId id="300" r:id="rId19"/>
+    <p:sldId id="309" r:id="rId20"/>
+    <p:sldId id="310" r:id="rId21"/>
+    <p:sldId id="312" r:id="rId22"/>
     <p:sldId id="311" r:id="rId23"/>
     <p:sldId id="298" r:id="rId24"/>
     <p:sldId id="306" r:id="rId25"/>
@@ -34,8 +37,9 @@
     <p:sldId id="303" r:id="rId28"/>
     <p:sldId id="270" r:id="rId29"/>
     <p:sldId id="269" r:id="rId30"/>
-    <p:sldId id="272" r:id="rId31"/>
+    <p:sldId id="265" r:id="rId31"/>
     <p:sldId id="266" r:id="rId32"/>
+    <p:sldId id="313" r:id="rId33"/>
   </p:sldIdLst>
   <p:sldSz cx="12192000" cy="6858000"/>
   <p:notesSz cx="6858000" cy="9144000"/>
@@ -140,6 +144,355 @@
     </p:ext>
   </p:extLst>
 </p:presentation>
+</file>
+
+<file path=ppt/notesMasters/notesMaster1.xml><?xml version="1.0" encoding="utf-8"?>
+<p:notesMaster xmlns:a="http://schemas.openxmlformats.org/drawingml/2006/main" xmlns:r="http://schemas.openxmlformats.org/officeDocument/2006/relationships" xmlns:p="http://schemas.openxmlformats.org/presentationml/2006/main">
+  <p:cSld>
+    <p:bg>
+      <p:bgRef idx="1001">
+        <a:schemeClr val="bg1"/>
+      </p:bgRef>
+    </p:bg>
+    <p:spTree>
+      <p:nvGrpSpPr>
+        <p:cNvPr id="1" name=""/>
+        <p:cNvGrpSpPr/>
+        <p:nvPr/>
+      </p:nvGrpSpPr>
+      <p:grpSpPr>
+        <a:xfrm>
+          <a:off x="0" y="0"/>
+          <a:ext cx="0" cy="0"/>
+          <a:chOff x="0" y="0"/>
+          <a:chExt cx="0" cy="0"/>
+        </a:xfrm>
+      </p:grpSpPr>
+      <p:sp>
+        <p:nvSpPr>
+          <p:cNvPr id="2" name="מציין מיקום של כותרת עליונה 1"/>
+          <p:cNvSpPr>
+            <a:spLocks noGrp="1"/>
+          </p:cNvSpPr>
+          <p:nvPr>
+            <p:ph type="hdr" sz="quarter"/>
+          </p:nvPr>
+        </p:nvSpPr>
+        <p:spPr>
+          <a:xfrm>
+            <a:off x="3886200" y="0"/>
+            <a:ext cx="2971800" cy="458788"/>
+          </a:xfrm>
+          <a:prstGeom prst="rect">
+            <a:avLst/>
+          </a:prstGeom>
+        </p:spPr>
+        <p:txBody>
+          <a:bodyPr vert="horz" lIns="91440" tIns="45720" rIns="91440" bIns="45720" rtlCol="1"/>
+          <a:lstStyle>
+            <a:lvl1pPr algn="r">
+              <a:defRPr sz="1200"/>
+            </a:lvl1pPr>
+          </a:lstStyle>
+          <a:p>
+            <a:endParaRPr lang="he-IL"/>
+          </a:p>
+        </p:txBody>
+      </p:sp>
+      <p:sp>
+        <p:nvSpPr>
+          <p:cNvPr id="3" name="מציין מיקום של תאריך 2"/>
+          <p:cNvSpPr>
+            <a:spLocks noGrp="1"/>
+          </p:cNvSpPr>
+          <p:nvPr>
+            <p:ph type="dt" idx="1"/>
+          </p:nvPr>
+        </p:nvSpPr>
+        <p:spPr>
+          <a:xfrm>
+            <a:off x="1588" y="0"/>
+            <a:ext cx="2971800" cy="458788"/>
+          </a:xfrm>
+          <a:prstGeom prst="rect">
+            <a:avLst/>
+          </a:prstGeom>
+        </p:spPr>
+        <p:txBody>
+          <a:bodyPr vert="horz" lIns="91440" tIns="45720" rIns="91440" bIns="45720" rtlCol="1"/>
+          <a:lstStyle>
+            <a:lvl1pPr algn="l">
+              <a:defRPr sz="1200"/>
+            </a:lvl1pPr>
+          </a:lstStyle>
+          <a:p>
+            <a:fld id="{7DBF2AA2-66F5-4A09-8B8E-1D256BC1468B}" type="datetimeFigureOut">
+              <a:rPr lang="he-IL" smtClean="0"/>
+              <a:t>ג'/אב/תשפ"ד</a:t>
+            </a:fld>
+            <a:endParaRPr lang="he-IL"/>
+          </a:p>
+        </p:txBody>
+      </p:sp>
+      <p:sp>
+        <p:nvSpPr>
+          <p:cNvPr id="4" name="מציין מיקום של תמונת שקופית 3"/>
+          <p:cNvSpPr>
+            <a:spLocks noGrp="1" noRot="1" noChangeAspect="1"/>
+          </p:cNvSpPr>
+          <p:nvPr>
+            <p:ph type="sldImg" idx="2"/>
+          </p:nvPr>
+        </p:nvSpPr>
+        <p:spPr>
+          <a:xfrm>
+            <a:off x="685800" y="1143000"/>
+            <a:ext cx="5486400" cy="3086100"/>
+          </a:xfrm>
+          <a:prstGeom prst="rect">
+            <a:avLst/>
+          </a:prstGeom>
+          <a:noFill/>
+          <a:ln w="12700">
+            <a:solidFill>
+              <a:prstClr val="black"/>
+            </a:solidFill>
+          </a:ln>
+        </p:spPr>
+        <p:txBody>
+          <a:bodyPr vert="horz" lIns="91440" tIns="45720" rIns="91440" bIns="45720" rtlCol="1" anchor="ctr"/>
+          <a:lstStyle/>
+          <a:p>
+            <a:endParaRPr lang="he-IL"/>
+          </a:p>
+        </p:txBody>
+      </p:sp>
+      <p:sp>
+        <p:nvSpPr>
+          <p:cNvPr id="5" name="מציין מיקום של הערות 4"/>
+          <p:cNvSpPr>
+            <a:spLocks noGrp="1"/>
+          </p:cNvSpPr>
+          <p:nvPr>
+            <p:ph type="body" sz="quarter" idx="3"/>
+          </p:nvPr>
+        </p:nvSpPr>
+        <p:spPr>
+          <a:xfrm>
+            <a:off x="685800" y="4400550"/>
+            <a:ext cx="5486400" cy="3600450"/>
+          </a:xfrm>
+          <a:prstGeom prst="rect">
+            <a:avLst/>
+          </a:prstGeom>
+        </p:spPr>
+        <p:txBody>
+          <a:bodyPr vert="horz" lIns="91440" tIns="45720" rIns="91440" bIns="45720" rtlCol="1"/>
+          <a:lstStyle/>
+          <a:p>
+            <a:pPr lvl="0"/>
+            <a:r>
+              <a:rPr lang="he-IL"/>
+              <a:t>לחץ כדי לערוך סגנונות טקסט של תבנית בסיס</a:t>
+            </a:r>
+          </a:p>
+          <a:p>
+            <a:pPr lvl="1"/>
+            <a:r>
+              <a:rPr lang="he-IL"/>
+              <a:t>רמה שנייה</a:t>
+            </a:r>
+          </a:p>
+          <a:p>
+            <a:pPr lvl="2"/>
+            <a:r>
+              <a:rPr lang="he-IL"/>
+              <a:t>רמה שלישית</a:t>
+            </a:r>
+          </a:p>
+          <a:p>
+            <a:pPr lvl="3"/>
+            <a:r>
+              <a:rPr lang="he-IL"/>
+              <a:t>רמה רביעית</a:t>
+            </a:r>
+          </a:p>
+          <a:p>
+            <a:pPr lvl="4"/>
+            <a:r>
+              <a:rPr lang="he-IL"/>
+              <a:t>רמה חמישית</a:t>
+            </a:r>
+          </a:p>
+        </p:txBody>
+      </p:sp>
+      <p:sp>
+        <p:nvSpPr>
+          <p:cNvPr id="6" name="מציין מיקום של כותרת תחתונה 5"/>
+          <p:cNvSpPr>
+            <a:spLocks noGrp="1"/>
+          </p:cNvSpPr>
+          <p:nvPr>
+            <p:ph type="ftr" sz="quarter" idx="4"/>
+          </p:nvPr>
+        </p:nvSpPr>
+        <p:spPr>
+          <a:xfrm>
+            <a:off x="3886200" y="8685213"/>
+            <a:ext cx="2971800" cy="458787"/>
+          </a:xfrm>
+          <a:prstGeom prst="rect">
+            <a:avLst/>
+          </a:prstGeom>
+        </p:spPr>
+        <p:txBody>
+          <a:bodyPr vert="horz" lIns="91440" tIns="45720" rIns="91440" bIns="45720" rtlCol="1" anchor="b"/>
+          <a:lstStyle>
+            <a:lvl1pPr algn="r">
+              <a:defRPr sz="1200"/>
+            </a:lvl1pPr>
+          </a:lstStyle>
+          <a:p>
+            <a:endParaRPr lang="he-IL"/>
+          </a:p>
+        </p:txBody>
+      </p:sp>
+      <p:sp>
+        <p:nvSpPr>
+          <p:cNvPr id="7" name="מציין מיקום של מספר שקופית 6"/>
+          <p:cNvSpPr>
+            <a:spLocks noGrp="1"/>
+          </p:cNvSpPr>
+          <p:nvPr>
+            <p:ph type="sldNum" sz="quarter" idx="5"/>
+          </p:nvPr>
+        </p:nvSpPr>
+        <p:spPr>
+          <a:xfrm>
+            <a:off x="1588" y="8685213"/>
+            <a:ext cx="2971800" cy="458787"/>
+          </a:xfrm>
+          <a:prstGeom prst="rect">
+            <a:avLst/>
+          </a:prstGeom>
+        </p:spPr>
+        <p:txBody>
+          <a:bodyPr vert="horz" lIns="91440" tIns="45720" rIns="91440" bIns="45720" rtlCol="1" anchor="b"/>
+          <a:lstStyle>
+            <a:lvl1pPr algn="l">
+              <a:defRPr sz="1200"/>
+            </a:lvl1pPr>
+          </a:lstStyle>
+          <a:p>
+            <a:fld id="{A3C3E3A2-05B6-4D7F-B062-FAFADCC0ADD5}" type="slidenum">
+              <a:rPr lang="he-IL" smtClean="0"/>
+              <a:t>‹#›</a:t>
+            </a:fld>
+            <a:endParaRPr lang="he-IL"/>
+          </a:p>
+        </p:txBody>
+      </p:sp>
+    </p:spTree>
+    <p:extLst>
+      <p:ext uri="{BB962C8B-B14F-4D97-AF65-F5344CB8AC3E}">
+        <p14:creationId xmlns:p14="http://schemas.microsoft.com/office/powerpoint/2010/main" val="2918710195"/>
+      </p:ext>
+    </p:extLst>
+  </p:cSld>
+  <p:clrMap bg1="lt1" tx1="dk1" bg2="lt2" tx2="dk2" accent1="accent1" accent2="accent2" accent3="accent3" accent4="accent4" accent5="accent5" accent6="accent6" hlink="hlink" folHlink="folHlink"/>
+  <p:notesStyle>
+    <a:lvl1pPr marL="0" algn="r" defTabSz="914400" rtl="1" eaLnBrk="1" latinLnBrk="0" hangingPunct="1">
+      <a:defRPr sz="1200" kern="1200">
+        <a:solidFill>
+          <a:schemeClr val="tx1"/>
+        </a:solidFill>
+        <a:latin typeface="+mn-lt"/>
+        <a:ea typeface="+mn-ea"/>
+        <a:cs typeface="+mn-cs"/>
+      </a:defRPr>
+    </a:lvl1pPr>
+    <a:lvl2pPr marL="457200" algn="r" defTabSz="914400" rtl="1" eaLnBrk="1" latinLnBrk="0" hangingPunct="1">
+      <a:defRPr sz="1200" kern="1200">
+        <a:solidFill>
+          <a:schemeClr val="tx1"/>
+        </a:solidFill>
+        <a:latin typeface="+mn-lt"/>
+        <a:ea typeface="+mn-ea"/>
+        <a:cs typeface="+mn-cs"/>
+      </a:defRPr>
+    </a:lvl2pPr>
+    <a:lvl3pPr marL="914400" algn="r" defTabSz="914400" rtl="1" eaLnBrk="1" latinLnBrk="0" hangingPunct="1">
+      <a:defRPr sz="1200" kern="1200">
+        <a:solidFill>
+          <a:schemeClr val="tx1"/>
+        </a:solidFill>
+        <a:latin typeface="+mn-lt"/>
+        <a:ea typeface="+mn-ea"/>
+        <a:cs typeface="+mn-cs"/>
+      </a:defRPr>
+    </a:lvl3pPr>
+    <a:lvl4pPr marL="1371600" algn="r" defTabSz="914400" rtl="1" eaLnBrk="1" latinLnBrk="0" hangingPunct="1">
+      <a:defRPr sz="1200" kern="1200">
+        <a:solidFill>
+          <a:schemeClr val="tx1"/>
+        </a:solidFill>
+        <a:latin typeface="+mn-lt"/>
+        <a:ea typeface="+mn-ea"/>
+        <a:cs typeface="+mn-cs"/>
+      </a:defRPr>
+    </a:lvl4pPr>
+    <a:lvl5pPr marL="1828800" algn="r" defTabSz="914400" rtl="1" eaLnBrk="1" latinLnBrk="0" hangingPunct="1">
+      <a:defRPr sz="1200" kern="1200">
+        <a:solidFill>
+          <a:schemeClr val="tx1"/>
+        </a:solidFill>
+        <a:latin typeface="+mn-lt"/>
+        <a:ea typeface="+mn-ea"/>
+        <a:cs typeface="+mn-cs"/>
+      </a:defRPr>
+    </a:lvl5pPr>
+    <a:lvl6pPr marL="2286000" algn="r" defTabSz="914400" rtl="1" eaLnBrk="1" latinLnBrk="0" hangingPunct="1">
+      <a:defRPr sz="1200" kern="1200">
+        <a:solidFill>
+          <a:schemeClr val="tx1"/>
+        </a:solidFill>
+        <a:latin typeface="+mn-lt"/>
+        <a:ea typeface="+mn-ea"/>
+        <a:cs typeface="+mn-cs"/>
+      </a:defRPr>
+    </a:lvl6pPr>
+    <a:lvl7pPr marL="2743200" algn="r" defTabSz="914400" rtl="1" eaLnBrk="1" latinLnBrk="0" hangingPunct="1">
+      <a:defRPr sz="1200" kern="1200">
+        <a:solidFill>
+          <a:schemeClr val="tx1"/>
+        </a:solidFill>
+        <a:latin typeface="+mn-lt"/>
+        <a:ea typeface="+mn-ea"/>
+        <a:cs typeface="+mn-cs"/>
+      </a:defRPr>
+    </a:lvl7pPr>
+    <a:lvl8pPr marL="3200400" algn="r" defTabSz="914400" rtl="1" eaLnBrk="1" latinLnBrk="0" hangingPunct="1">
+      <a:defRPr sz="1200" kern="1200">
+        <a:solidFill>
+          <a:schemeClr val="tx1"/>
+        </a:solidFill>
+        <a:latin typeface="+mn-lt"/>
+        <a:ea typeface="+mn-ea"/>
+        <a:cs typeface="+mn-cs"/>
+      </a:defRPr>
+    </a:lvl8pPr>
+    <a:lvl9pPr marL="3657600" algn="r" defTabSz="914400" rtl="1" eaLnBrk="1" latinLnBrk="0" hangingPunct="1">
+      <a:defRPr sz="1200" kern="1200">
+        <a:solidFill>
+          <a:schemeClr val="tx1"/>
+        </a:solidFill>
+        <a:latin typeface="+mn-lt"/>
+        <a:ea typeface="+mn-ea"/>
+        <a:cs typeface="+mn-cs"/>
+      </a:defRPr>
+    </a:lvl9pPr>
+  </p:notesStyle>
+</p:notesMaster>
 </file>
 
 <file path=ppt/slideLayouts/slideLayout1.xml><?xml version="1.0" encoding="utf-8"?>
@@ -369,7 +722,7 @@
             <a:fld id="{B61BEF0D-F0BB-DE4B-95CE-6DB70DBA9567}" type="datetimeFigureOut">
               <a:rPr lang="en-US" smtClean="0"/>
               <a:pPr/>
-              <a:t>7/29/2024</a:t>
+              <a:t>8/6/2024</a:t>
             </a:fld>
             <a:endParaRPr lang="en-US" dirty="0"/>
           </a:p>
@@ -579,7 +932,7 @@
             <a:fld id="{B61BEF0D-F0BB-DE4B-95CE-6DB70DBA9567}" type="datetimeFigureOut">
               <a:rPr lang="en-US" smtClean="0"/>
               <a:pPr/>
-              <a:t>7/29/2024</a:t>
+              <a:t>8/6/2024</a:t>
             </a:fld>
             <a:endParaRPr lang="en-US" dirty="0"/>
           </a:p>
@@ -837,7 +1190,7 @@
             <a:fld id="{B61BEF0D-F0BB-DE4B-95CE-6DB70DBA9567}" type="datetimeFigureOut">
               <a:rPr lang="en-US" smtClean="0"/>
               <a:pPr/>
-              <a:t>7/29/2024</a:t>
+              <a:t>8/6/2024</a:t>
             </a:fld>
             <a:endParaRPr lang="en-US" dirty="0"/>
           </a:p>
@@ -1013,7 +1366,7 @@
             <a:fld id="{B61BEF0D-F0BB-DE4B-95CE-6DB70DBA9567}" type="datetimeFigureOut">
               <a:rPr lang="en-US" smtClean="0"/>
               <a:pPr/>
-              <a:t>7/29/2024</a:t>
+              <a:t>8/6/2024</a:t>
             </a:fld>
             <a:endParaRPr lang="en-US" dirty="0"/>
           </a:p>
@@ -1358,7 +1711,7 @@
             <a:fld id="{B61BEF0D-F0BB-DE4B-95CE-6DB70DBA9567}" type="datetimeFigureOut">
               <a:rPr lang="en-US" smtClean="0"/>
               <a:pPr/>
-              <a:t>7/29/2024</a:t>
+              <a:t>8/6/2024</a:t>
             </a:fld>
             <a:endParaRPr lang="en-US" dirty="0"/>
           </a:p>
@@ -1635,7 +1988,7 @@
             <a:fld id="{B61BEF0D-F0BB-DE4B-95CE-6DB70DBA9567}" type="datetimeFigureOut">
               <a:rPr lang="en-US" smtClean="0"/>
               <a:pPr/>
-              <a:t>7/29/2024</a:t>
+              <a:t>8/6/2024</a:t>
             </a:fld>
             <a:endParaRPr lang="en-US" dirty="0"/>
           </a:p>
@@ -2016,7 +2369,7 @@
             <a:fld id="{B61BEF0D-F0BB-DE4B-95CE-6DB70DBA9567}" type="datetimeFigureOut">
               <a:rPr lang="en-US" smtClean="0"/>
               <a:pPr/>
-              <a:t>7/29/2024</a:t>
+              <a:t>8/6/2024</a:t>
             </a:fld>
             <a:endParaRPr lang="en-US" dirty="0"/>
           </a:p>
@@ -2136,7 +2489,7 @@
             <a:fld id="{B61BEF0D-F0BB-DE4B-95CE-6DB70DBA9567}" type="datetimeFigureOut">
               <a:rPr lang="en-US" smtClean="0"/>
               <a:pPr/>
-              <a:t>7/29/2024</a:t>
+              <a:t>8/6/2024</a:t>
             </a:fld>
             <a:endParaRPr lang="en-US" dirty="0"/>
           </a:p>
@@ -2309,7 +2662,7 @@
             <a:fld id="{B61BEF0D-F0BB-DE4B-95CE-6DB70DBA9567}" type="datetimeFigureOut">
               <a:rPr lang="en-US" smtClean="0"/>
               <a:pPr/>
-              <a:t>7/29/2024</a:t>
+              <a:t>8/6/2024</a:t>
             </a:fld>
             <a:endParaRPr lang="en-US" dirty="0"/>
           </a:p>
@@ -2665,7 +3018,7 @@
             <a:fld id="{B61BEF0D-F0BB-DE4B-95CE-6DB70DBA9567}" type="datetimeFigureOut">
               <a:rPr lang="en-US" smtClean="0"/>
               <a:pPr/>
-              <a:t>7/29/2024</a:t>
+              <a:t>8/6/2024</a:t>
             </a:fld>
             <a:endParaRPr lang="en-US" dirty="0"/>
           </a:p>
@@ -3049,7 +3402,7 @@
             <a:fld id="{B61BEF0D-F0BB-DE4B-95CE-6DB70DBA9567}" type="datetimeFigureOut">
               <a:rPr lang="en-US" smtClean="0"/>
               <a:pPr/>
-              <a:t>7/29/2024</a:t>
+              <a:t>8/6/2024</a:t>
             </a:fld>
             <a:endParaRPr lang="en-US" dirty="0"/>
           </a:p>
@@ -3112,7 +3465,7 @@
 </file>
 
 <file path=ppt/slideMasters/slideMaster1.xml><?xml version="1.0" encoding="utf-8"?>
-<p:sldMaster xmlns:a="http://schemas.openxmlformats.org/drawingml/2006/main" xmlns:r="http://schemas.openxmlformats.org/officeDocument/2006/relationships" xmlns:p="http://schemas.openxmlformats.org/presentationml/2006/main">
+<p:sldMaster xmlns:a="http://schemas.openxmlformats.org/drawingml/2006/main" xmlns:r="http://schemas.openxmlformats.org/officeDocument/2006/relationships" xmlns:p="http://schemas.openxmlformats.org/presentationml/2006/main" preserve="1">
   <p:cSld>
     <p:bg>
       <p:bgRef idx="1001">
@@ -3338,7 +3691,7 @@
             <a:fld id="{B61BEF0D-F0BB-DE4B-95CE-6DB70DBA9567}" type="datetimeFigureOut">
               <a:rPr lang="en-US" smtClean="0"/>
               <a:pPr/>
-              <a:t>7/29/2024</a:t>
+              <a:t>8/6/2024</a:t>
             </a:fld>
             <a:endParaRPr lang="en-US" dirty="0"/>
           </a:p>
@@ -3457,6 +3810,36 @@
           </a:fontRef>
         </p:style>
       </p:cxnSp>
+      <p:pic>
+        <p:nvPicPr>
+          <p:cNvPr id="11" name="תמונה 10">
+            <a:extLst>
+              <a:ext uri="{FF2B5EF4-FFF2-40B4-BE49-F238E27FC236}">
+                <a16:creationId xmlns:a16="http://schemas.microsoft.com/office/drawing/2014/main" id="{5EC73E14-53F4-1A79-53A6-C53D4467056F}"/>
+              </a:ext>
+            </a:extLst>
+          </p:cNvPr>
+          <p:cNvPicPr>
+            <a:picLocks noChangeAspect="1"/>
+          </p:cNvPicPr>
+          <p:nvPr userDrawn="1"/>
+        </p:nvPicPr>
+        <p:blipFill>
+          <a:blip r:embed="rId13"/>
+          <a:stretch>
+            <a:fillRect/>
+          </a:stretch>
+        </p:blipFill>
+        <p:spPr>
+          <a:xfrm>
+            <a:off x="0" y="4326451"/>
+            <a:ext cx="2579427" cy="2531549"/>
+          </a:xfrm>
+          <a:prstGeom prst="rect">
+            <a:avLst/>
+          </a:prstGeom>
+        </p:spPr>
+      </p:pic>
     </p:spTree>
     <p:extLst>
       <p:ext uri="{BB962C8B-B14F-4D97-AF65-F5344CB8AC3E}">
@@ -3849,6 +4232,14 @@
 <file path=ppt/slides/slide1.xml><?xml version="1.0" encoding="utf-8"?>
 <p:sld xmlns:a="http://schemas.openxmlformats.org/drawingml/2006/main" xmlns:r="http://schemas.openxmlformats.org/officeDocument/2006/relationships" xmlns:p="http://schemas.openxmlformats.org/presentationml/2006/main">
   <p:cSld>
+    <p:bg>
+      <p:bgPr>
+        <a:solidFill>
+          <a:schemeClr val="bg1"/>
+        </a:solidFill>
+        <a:effectLst/>
+      </p:bgPr>
+    </p:bg>
     <p:spTree>
       <p:nvGrpSpPr>
         <p:cNvPr id="1" name=""/>
@@ -3863,6 +4254,66 @@
           <a:chExt cx="0" cy="0"/>
         </a:xfrm>
       </p:grpSpPr>
+      <p:sp useBgFill="1">
+        <p:nvSpPr>
+          <p:cNvPr id="13" name="Rectangle 12">
+            <a:extLst>
+              <a:ext uri="{FF2B5EF4-FFF2-40B4-BE49-F238E27FC236}">
+                <a16:creationId xmlns:a16="http://schemas.microsoft.com/office/drawing/2014/main" id="{0C75B684-0B84-4920-979E-096FB4584BEE}"/>
+              </a:ext>
+              <a:ext uri="{C183D7F6-B498-43B3-948B-1728B52AA6E4}">
+                <adec:decorative xmlns:adec="http://schemas.microsoft.com/office/drawing/2017/decorative" val="1"/>
+              </a:ext>
+            </a:extLst>
+          </p:cNvPr>
+          <p:cNvSpPr>
+            <a:spLocks noGrp="1" noRot="1" noChangeAspect="1" noMove="1" noResize="1" noEditPoints="1" noAdjustHandles="1" noChangeArrowheads="1" noChangeShapeType="1" noTextEdit="1"/>
+          </p:cNvSpPr>
+          <p:nvPr>
+            <p:extLst>
+              <p:ext uri="{386F3935-93C4-4BCD-93E2-E3B085C9AB24}">
+                <p16:designElem xmlns:p16="http://schemas.microsoft.com/office/powerpoint/2015/main" val="1"/>
+              </p:ext>
+            </p:extLst>
+          </p:nvPr>
+        </p:nvSpPr>
+        <p:spPr>
+          <a:xfrm>
+            <a:off x="0" y="0"/>
+            <a:ext cx="12192001" cy="6334316"/>
+          </a:xfrm>
+          <a:prstGeom prst="rect">
+            <a:avLst/>
+          </a:prstGeom>
+          <a:ln>
+            <a:noFill/>
+          </a:ln>
+        </p:spPr>
+        <p:style>
+          <a:lnRef idx="2">
+            <a:schemeClr val="accent1">
+              <a:shade val="50000"/>
+            </a:schemeClr>
+          </a:lnRef>
+          <a:fillRef idx="1">
+            <a:schemeClr val="accent1"/>
+          </a:fillRef>
+          <a:effectRef idx="0">
+            <a:schemeClr val="accent1"/>
+          </a:effectRef>
+          <a:fontRef idx="minor">
+            <a:schemeClr val="lt1"/>
+          </a:fontRef>
+        </p:style>
+        <p:txBody>
+          <a:bodyPr rtlCol="0" anchor="ctr"/>
+          <a:lstStyle/>
+          <a:p>
+            <a:pPr algn="ctr"/>
+            <a:endParaRPr lang="en-US"/>
+          </a:p>
+        </p:txBody>
+      </p:sp>
       <p:sp>
         <p:nvSpPr>
           <p:cNvPr id="2" name="כותרת 1">
@@ -3879,24 +4330,352 @@
             <p:ph type="ctrTitle"/>
           </p:nvPr>
         </p:nvSpPr>
-        <p:spPr/>
+        <p:spPr>
+          <a:xfrm>
+            <a:off x="6730000" y="639097"/>
+            <a:ext cx="4813072" cy="3686015"/>
+          </a:xfrm>
+        </p:spPr>
         <p:txBody>
-          <a:bodyPr/>
+          <a:bodyPr>
+            <a:normAutofit/>
+          </a:bodyPr>
           <a:lstStyle/>
           <a:p>
             <a:pPr rtl="0"/>
             <a:r>
-              <a:rPr lang="iw-IL" dirty="0">
+              <a:rPr lang="iw-IL" sz="7200" dirty="0">
                 <a:cs typeface="+mn-cs"/>
               </a:rPr>
               <a:t>פרויקט </a:t>
             </a:r>
             <a:r>
-              <a:rPr lang="he-IL" dirty="0">
+              <a:rPr lang="he-IL" sz="7200" dirty="0">
                 <a:cs typeface="+mn-cs"/>
               </a:rPr>
               <a:t>סמינר הישן</a:t>
             </a:r>
+          </a:p>
+        </p:txBody>
+      </p:sp>
+      <p:sp>
+        <p:nvSpPr>
+          <p:cNvPr id="15" name="Rectangle 14">
+            <a:extLst>
+              <a:ext uri="{FF2B5EF4-FFF2-40B4-BE49-F238E27FC236}">
+                <a16:creationId xmlns:a16="http://schemas.microsoft.com/office/drawing/2014/main" id="{AC336997-1B90-44EB-ADD7-B55CAA368D8F}"/>
+              </a:ext>
+              <a:ext uri="{C183D7F6-B498-43B3-948B-1728B52AA6E4}">
+                <adec:decorative xmlns:adec="http://schemas.microsoft.com/office/drawing/2017/decorative" val="1"/>
+              </a:ext>
+            </a:extLst>
+          </p:cNvPr>
+          <p:cNvSpPr>
+            <a:spLocks noGrp="1" noRot="1" noChangeAspect="1" noMove="1" noResize="1" noEditPoints="1" noAdjustHandles="1" noChangeArrowheads="1" noChangeShapeType="1" noTextEdit="1"/>
+          </p:cNvSpPr>
+          <p:nvPr>
+            <p:extLst>
+              <p:ext uri="{386F3935-93C4-4BCD-93E2-E3B085C9AB24}">
+                <p16:designElem xmlns:p16="http://schemas.microsoft.com/office/powerpoint/2015/main" val="1"/>
+              </p:ext>
+            </p:extLst>
+          </p:nvPr>
+        </p:nvSpPr>
+        <p:spPr>
+          <a:xfrm>
+            <a:off x="321733" y="321733"/>
+            <a:ext cx="3057906" cy="3408237"/>
+          </a:xfrm>
+          <a:prstGeom prst="rect">
+            <a:avLst/>
+          </a:prstGeom>
+          <a:solidFill>
+            <a:srgbClr val="FFFFFF"/>
+          </a:solidFill>
+          <a:ln w="63500">
+            <a:solidFill>
+              <a:schemeClr val="accent1"/>
+            </a:solidFill>
+            <a:miter lim="800000"/>
+          </a:ln>
+        </p:spPr>
+        <p:style>
+          <a:lnRef idx="2">
+            <a:schemeClr val="accent1">
+              <a:shade val="50000"/>
+            </a:schemeClr>
+          </a:lnRef>
+          <a:fillRef idx="1">
+            <a:schemeClr val="accent1"/>
+          </a:fillRef>
+          <a:effectRef idx="0">
+            <a:schemeClr val="accent1"/>
+          </a:effectRef>
+          <a:fontRef idx="minor">
+            <a:schemeClr val="lt1"/>
+          </a:fontRef>
+        </p:style>
+        <p:txBody>
+          <a:bodyPr rtlCol="0" anchor="ctr"/>
+          <a:lstStyle/>
+          <a:p>
+            <a:pPr algn="ctr"/>
+            <a:endParaRPr lang="en-US"/>
+          </a:p>
+        </p:txBody>
+      </p:sp>
+      <p:pic>
+        <p:nvPicPr>
+          <p:cNvPr id="8" name="תמונה 7" descr="תמונה שמכילה שרטוט, עיצוב, תרשים, גופן&#10;&#10;התיאור נוצר באופן אוטומטי">
+            <a:extLst>
+              <a:ext uri="{FF2B5EF4-FFF2-40B4-BE49-F238E27FC236}">
+                <a16:creationId xmlns:a16="http://schemas.microsoft.com/office/drawing/2014/main" id="{1B1C0362-0F1A-2C6B-8669-568F1DA30F1F}"/>
+              </a:ext>
+            </a:extLst>
+          </p:cNvPr>
+          <p:cNvPicPr>
+            <a:picLocks noChangeAspect="1"/>
+          </p:cNvPicPr>
+          <p:nvPr/>
+        </p:nvPicPr>
+        <p:blipFill>
+          <a:blip r:embed="rId2"/>
+          <a:stretch>
+            <a:fillRect/>
+          </a:stretch>
+        </p:blipFill>
+        <p:spPr>
+          <a:xfrm>
+            <a:off x="458336" y="798930"/>
+            <a:ext cx="2784700" cy="2453844"/>
+          </a:xfrm>
+          <a:prstGeom prst="rect">
+            <a:avLst/>
+          </a:prstGeom>
+        </p:spPr>
+      </p:pic>
+      <p:sp>
+        <p:nvSpPr>
+          <p:cNvPr id="17" name="Rectangle 16">
+            <a:extLst>
+              <a:ext uri="{FF2B5EF4-FFF2-40B4-BE49-F238E27FC236}">
+                <a16:creationId xmlns:a16="http://schemas.microsoft.com/office/drawing/2014/main" id="{7886323F-63FC-4100-A0DE-82486E0E0129}"/>
+              </a:ext>
+              <a:ext uri="{C183D7F6-B498-43B3-948B-1728B52AA6E4}">
+                <adec:decorative xmlns:adec="http://schemas.microsoft.com/office/drawing/2017/decorative" val="1"/>
+              </a:ext>
+            </a:extLst>
+          </p:cNvPr>
+          <p:cNvSpPr>
+            <a:spLocks noGrp="1" noRot="1" noChangeAspect="1" noMove="1" noResize="1" noEditPoints="1" noAdjustHandles="1" noChangeArrowheads="1" noChangeShapeType="1" noTextEdit="1"/>
+          </p:cNvSpPr>
+          <p:nvPr>
+            <p:extLst>
+              <p:ext uri="{386F3935-93C4-4BCD-93E2-E3B085C9AB24}">
+                <p16:designElem xmlns:p16="http://schemas.microsoft.com/office/powerpoint/2015/main" val="1"/>
+              </p:ext>
+            </p:extLst>
+          </p:nvPr>
+        </p:nvSpPr>
+        <p:spPr>
+          <a:xfrm>
+            <a:off x="3528588" y="321734"/>
+            <a:ext cx="2567411" cy="1955250"/>
+          </a:xfrm>
+          <a:prstGeom prst="rect">
+            <a:avLst/>
+          </a:prstGeom>
+          <a:solidFill>
+            <a:srgbClr val="FFFFFF"/>
+          </a:solidFill>
+          <a:ln w="63500">
+            <a:solidFill>
+              <a:schemeClr val="accent1"/>
+            </a:solidFill>
+            <a:miter lim="800000"/>
+          </a:ln>
+        </p:spPr>
+        <p:style>
+          <a:lnRef idx="2">
+            <a:schemeClr val="accent1">
+              <a:shade val="50000"/>
+            </a:schemeClr>
+          </a:lnRef>
+          <a:fillRef idx="1">
+            <a:schemeClr val="accent1"/>
+          </a:fillRef>
+          <a:effectRef idx="0">
+            <a:schemeClr val="accent1"/>
+          </a:effectRef>
+          <a:fontRef idx="minor">
+            <a:schemeClr val="lt1"/>
+          </a:fontRef>
+        </p:style>
+        <p:txBody>
+          <a:bodyPr rtlCol="0" anchor="ctr"/>
+          <a:lstStyle/>
+          <a:p>
+            <a:pPr algn="ctr"/>
+            <a:endParaRPr lang="en-US"/>
+          </a:p>
+        </p:txBody>
+      </p:sp>
+      <p:sp>
+        <p:nvSpPr>
+          <p:cNvPr id="19" name="Rectangle 18">
+            <a:extLst>
+              <a:ext uri="{FF2B5EF4-FFF2-40B4-BE49-F238E27FC236}">
+                <a16:creationId xmlns:a16="http://schemas.microsoft.com/office/drawing/2014/main" id="{D8B19D67-02C1-494A-86ED-244E2D4CC11F}"/>
+              </a:ext>
+              <a:ext uri="{C183D7F6-B498-43B3-948B-1728B52AA6E4}">
+                <adec:decorative xmlns:adec="http://schemas.microsoft.com/office/drawing/2017/decorative" val="1"/>
+              </a:ext>
+            </a:extLst>
+          </p:cNvPr>
+          <p:cNvSpPr>
+            <a:spLocks noGrp="1" noRot="1" noChangeAspect="1" noMove="1" noResize="1" noEditPoints="1" noAdjustHandles="1" noChangeArrowheads="1" noChangeShapeType="1" noTextEdit="1"/>
+          </p:cNvSpPr>
+          <p:nvPr>
+            <p:extLst>
+              <p:ext uri="{386F3935-93C4-4BCD-93E2-E3B085C9AB24}">
+                <p16:designElem xmlns:p16="http://schemas.microsoft.com/office/powerpoint/2015/main" val="1"/>
+              </p:ext>
+            </p:extLst>
+          </p:nvPr>
+        </p:nvSpPr>
+        <p:spPr>
+          <a:xfrm>
+            <a:off x="321733" y="3897387"/>
+            <a:ext cx="3057906" cy="2086392"/>
+          </a:xfrm>
+          <a:prstGeom prst="rect">
+            <a:avLst/>
+          </a:prstGeom>
+          <a:solidFill>
+            <a:srgbClr val="FFFFFF"/>
+          </a:solidFill>
+          <a:ln w="63500">
+            <a:solidFill>
+              <a:schemeClr val="accent1"/>
+            </a:solidFill>
+            <a:miter lim="800000"/>
+          </a:ln>
+        </p:spPr>
+        <p:style>
+          <a:lnRef idx="2">
+            <a:schemeClr val="accent1">
+              <a:shade val="50000"/>
+            </a:schemeClr>
+          </a:lnRef>
+          <a:fillRef idx="1">
+            <a:schemeClr val="accent1"/>
+          </a:fillRef>
+          <a:effectRef idx="0">
+            <a:schemeClr val="accent1"/>
+          </a:effectRef>
+          <a:fontRef idx="minor">
+            <a:schemeClr val="lt1"/>
+          </a:fontRef>
+        </p:style>
+        <p:txBody>
+          <a:bodyPr rtlCol="0" anchor="ctr"/>
+          <a:lstStyle/>
+          <a:p>
+            <a:pPr algn="ctr"/>
+            <a:endParaRPr lang="en-US"/>
+          </a:p>
+        </p:txBody>
+      </p:sp>
+      <p:pic>
+        <p:nvPicPr>
+          <p:cNvPr id="5" name="Google Shape;69;p1" descr="תמונה שמכילה טקסט, גופן, גרפיקה, לוגו&#10;&#10;התיאור נוצר באופן אוטומטי">
+            <a:extLst>
+              <a:ext uri="{FF2B5EF4-FFF2-40B4-BE49-F238E27FC236}">
+                <a16:creationId xmlns:a16="http://schemas.microsoft.com/office/drawing/2014/main" id="{686D45E5-0609-97CC-BDE9-F15B7F89F6A0}"/>
+              </a:ext>
+            </a:extLst>
+          </p:cNvPr>
+          <p:cNvPicPr preferRelativeResize="0"/>
+          <p:nvPr/>
+        </p:nvPicPr>
+        <p:blipFill rotWithShape="1">
+          <a:blip r:embed="rId3"/>
+          <a:stretch/>
+        </p:blipFill>
+        <p:spPr>
+          <a:xfrm>
+            <a:off x="447411" y="4271378"/>
+            <a:ext cx="2795625" cy="1341899"/>
+          </a:xfrm>
+          <a:prstGeom prst="rect">
+            <a:avLst/>
+          </a:prstGeom>
+          <a:noFill/>
+        </p:spPr>
+      </p:pic>
+      <p:sp>
+        <p:nvSpPr>
+          <p:cNvPr id="21" name="Rectangle 20">
+            <a:extLst>
+              <a:ext uri="{FF2B5EF4-FFF2-40B4-BE49-F238E27FC236}">
+                <a16:creationId xmlns:a16="http://schemas.microsoft.com/office/drawing/2014/main" id="{649E456D-8316-4C5A-B4F3-7DA1E13D02B2}"/>
+              </a:ext>
+              <a:ext uri="{C183D7F6-B498-43B3-948B-1728B52AA6E4}">
+                <adec:decorative xmlns:adec="http://schemas.microsoft.com/office/drawing/2017/decorative" val="1"/>
+              </a:ext>
+            </a:extLst>
+          </p:cNvPr>
+          <p:cNvSpPr>
+            <a:spLocks noGrp="1" noRot="1" noChangeAspect="1" noMove="1" noResize="1" noEditPoints="1" noAdjustHandles="1" noChangeArrowheads="1" noChangeShapeType="1" noTextEdit="1"/>
+          </p:cNvSpPr>
+          <p:nvPr>
+            <p:extLst>
+              <p:ext uri="{386F3935-93C4-4BCD-93E2-E3B085C9AB24}">
+                <p16:designElem xmlns:p16="http://schemas.microsoft.com/office/powerpoint/2015/main" val="1"/>
+              </p:ext>
+            </p:extLst>
+          </p:nvPr>
+        </p:nvSpPr>
+        <p:spPr>
+          <a:xfrm>
+            <a:off x="3528588" y="2451014"/>
+            <a:ext cx="2567411" cy="3532765"/>
+          </a:xfrm>
+          <a:prstGeom prst="rect">
+            <a:avLst/>
+          </a:prstGeom>
+          <a:solidFill>
+            <a:srgbClr val="FFFFFF"/>
+          </a:solidFill>
+          <a:ln w="63500">
+            <a:solidFill>
+              <a:schemeClr val="accent1"/>
+            </a:solidFill>
+            <a:miter lim="800000"/>
+          </a:ln>
+        </p:spPr>
+        <p:style>
+          <a:lnRef idx="2">
+            <a:schemeClr val="accent1">
+              <a:shade val="50000"/>
+            </a:schemeClr>
+          </a:lnRef>
+          <a:fillRef idx="1">
+            <a:schemeClr val="accent1"/>
+          </a:fillRef>
+          <a:effectRef idx="0">
+            <a:schemeClr val="accent1"/>
+          </a:effectRef>
+          <a:fontRef idx="minor">
+            <a:schemeClr val="lt1"/>
+          </a:fontRef>
+        </p:style>
+        <p:txBody>
+          <a:bodyPr rtlCol="0" anchor="ctr"/>
+          <a:lstStyle/>
+          <a:p>
+            <a:pPr algn="ctr"/>
+            <a:endParaRPr lang="en-US"/>
           </a:p>
         </p:txBody>
       </p:sp>
@@ -3913,57 +4692,226 @@
           <p:nvPr/>
         </p:nvPicPr>
         <p:blipFill rotWithShape="1">
-          <a:blip r:embed="rId2">
-            <a:alphaModFix/>
-          </a:blip>
-          <a:srcRect/>
+          <a:blip r:embed="rId4"/>
           <a:stretch/>
         </p:blipFill>
         <p:spPr>
           <a:xfrm>
-            <a:off x="-531521" y="3791338"/>
-            <a:ext cx="3888597" cy="3888597"/>
+            <a:off x="3664752" y="3069855"/>
+            <a:ext cx="2295082" cy="2295082"/>
           </a:xfrm>
           <a:prstGeom prst="rect">
             <a:avLst/>
           </a:prstGeom>
           <a:noFill/>
+        </p:spPr>
+      </p:pic>
+      <p:cxnSp>
+        <p:nvCxnSpPr>
+          <p:cNvPr id="23" name="Straight Connector 22">
+            <a:extLst>
+              <a:ext uri="{FF2B5EF4-FFF2-40B4-BE49-F238E27FC236}">
+                <a16:creationId xmlns:a16="http://schemas.microsoft.com/office/drawing/2014/main" id="{E7ED7221-BBA6-4CD0-A36B-A1FF67F7F49A}"/>
+              </a:ext>
+              <a:ext uri="{C183D7F6-B498-43B3-948B-1728B52AA6E4}">
+                <adec:decorative xmlns:adec="http://schemas.microsoft.com/office/drawing/2017/decorative" val="1"/>
+              </a:ext>
+            </a:extLst>
+          </p:cNvPr>
+          <p:cNvCxnSpPr>
+            <a:cxnSpLocks noGrp="1" noRot="1" noChangeAspect="1" noMove="1" noResize="1" noEditPoints="1" noAdjustHandles="1" noChangeArrowheads="1" noChangeShapeType="1"/>
+          </p:cNvCxnSpPr>
+          <p:nvPr>
+            <p:extLst>
+              <p:ext uri="{386F3935-93C4-4BCD-93E2-E3B085C9AB24}">
+                <p16:designElem xmlns:p16="http://schemas.microsoft.com/office/powerpoint/2015/main" val="1"/>
+              </p:ext>
+            </p:extLst>
+          </p:nvPr>
+        </p:nvCxnSpPr>
+        <p:spPr>
+          <a:xfrm>
+            <a:off x="6805053" y="4343400"/>
+            <a:ext cx="4389120" cy="0"/>
+          </a:xfrm>
+          <a:prstGeom prst="line">
+            <a:avLst/>
+          </a:prstGeom>
+          <a:ln w="6350">
+            <a:solidFill>
+              <a:schemeClr val="tx2">
+                <a:alpha val="90000"/>
+              </a:schemeClr>
+            </a:solidFill>
+          </a:ln>
+        </p:spPr>
+        <p:style>
+          <a:lnRef idx="1">
+            <a:schemeClr val="accent1"/>
+          </a:lnRef>
+          <a:fillRef idx="0">
+            <a:schemeClr val="accent1"/>
+          </a:fillRef>
+          <a:effectRef idx="0">
+            <a:schemeClr val="accent1"/>
+          </a:effectRef>
+          <a:fontRef idx="minor">
+            <a:schemeClr val="tx1"/>
+          </a:fontRef>
+        </p:style>
+      </p:cxnSp>
+      <p:sp>
+        <p:nvSpPr>
+          <p:cNvPr id="25" name="Rectangle 24">
+            <a:extLst>
+              <a:ext uri="{FF2B5EF4-FFF2-40B4-BE49-F238E27FC236}">
+                <a16:creationId xmlns:a16="http://schemas.microsoft.com/office/drawing/2014/main" id="{DB5A7164-399D-4F28-989C-442961B39173}"/>
+              </a:ext>
+              <a:ext uri="{C183D7F6-B498-43B3-948B-1728B52AA6E4}">
+                <adec:decorative xmlns:adec="http://schemas.microsoft.com/office/drawing/2017/decorative" val="1"/>
+              </a:ext>
+            </a:extLst>
+          </p:cNvPr>
+          <p:cNvSpPr>
+            <a:spLocks noGrp="1" noRot="1" noChangeAspect="1" noMove="1" noResize="1" noEditPoints="1" noAdjustHandles="1" noChangeArrowheads="1" noChangeShapeType="1" noTextEdit="1"/>
+          </p:cNvSpPr>
+          <p:nvPr>
+            <p:extLst>
+              <p:ext uri="{386F3935-93C4-4BCD-93E2-E3B085C9AB24}">
+                <p16:designElem xmlns:p16="http://schemas.microsoft.com/office/powerpoint/2015/main" val="1"/>
+              </p:ext>
+            </p:extLst>
+          </p:nvPr>
+        </p:nvSpPr>
+        <p:spPr>
+          <a:xfrm>
+            <a:off x="15" y="6334316"/>
+            <a:ext cx="12191985" cy="66484"/>
+          </a:xfrm>
+          <a:prstGeom prst="rect">
+            <a:avLst/>
+          </a:prstGeom>
+          <a:solidFill>
+            <a:schemeClr val="accent1"/>
+          </a:solidFill>
           <a:ln>
             <a:noFill/>
           </a:ln>
         </p:spPr>
-      </p:pic>
-      <p:pic>
-        <p:nvPicPr>
-          <p:cNvPr id="5" name="Google Shape;69;p1" descr="תמונה שמכילה טקסט, גופן, גרפיקה, לוגו&#10;&#10;התיאור נוצר באופן אוטומטי">
+        <p:style>
+          <a:lnRef idx="2">
+            <a:schemeClr val="accent1">
+              <a:shade val="50000"/>
+            </a:schemeClr>
+          </a:lnRef>
+          <a:fillRef idx="1">
+            <a:schemeClr val="accent1"/>
+          </a:fillRef>
+          <a:effectRef idx="0">
+            <a:schemeClr val="accent1"/>
+          </a:effectRef>
+          <a:fontRef idx="minor">
+            <a:schemeClr val="lt1"/>
+          </a:fontRef>
+        </p:style>
+        <p:txBody>
+          <a:bodyPr/>
+          <a:lstStyle/>
+          <a:p>
+            <a:endParaRPr lang="he-IL"/>
+          </a:p>
+        </p:txBody>
+      </p:sp>
+      <p:sp>
+        <p:nvSpPr>
+          <p:cNvPr id="27" name="Rectangle 26">
             <a:extLst>
               <a:ext uri="{FF2B5EF4-FFF2-40B4-BE49-F238E27FC236}">
-                <a16:creationId xmlns:a16="http://schemas.microsoft.com/office/drawing/2014/main" id="{686D45E5-0609-97CC-BDE9-F15B7F89F6A0}"/>
+                <a16:creationId xmlns:a16="http://schemas.microsoft.com/office/drawing/2014/main" id="{2E024D85-0C22-4FAB-9D86-254991361665}"/>
+              </a:ext>
+              <a:ext uri="{C183D7F6-B498-43B3-948B-1728B52AA6E4}">
+                <adec:decorative xmlns:adec="http://schemas.microsoft.com/office/drawing/2017/decorative" val="1"/>
               </a:ext>
             </a:extLst>
           </p:cNvPr>
-          <p:cNvPicPr preferRelativeResize="0"/>
-          <p:nvPr/>
-        </p:nvPicPr>
-        <p:blipFill rotWithShape="1">
-          <a:blip r:embed="rId3">
-            <a:alphaModFix/>
-          </a:blip>
-          <a:srcRect/>
-          <a:stretch/>
-        </p:blipFill>
+          <p:cNvSpPr>
+            <a:spLocks noGrp="1" noRot="1" noChangeAspect="1" noMove="1" noResize="1" noEditPoints="1" noAdjustHandles="1" noChangeArrowheads="1" noChangeShapeType="1" noTextEdit="1"/>
+          </p:cNvSpPr>
+          <p:nvPr>
+            <p:extLst>
+              <p:ext uri="{386F3935-93C4-4BCD-93E2-E3B085C9AB24}">
+                <p16:designElem xmlns:p16="http://schemas.microsoft.com/office/powerpoint/2015/main" val="1"/>
+              </p:ext>
+            </p:extLst>
+          </p:nvPr>
+        </p:nvSpPr>
         <p:spPr>
           <a:xfrm>
-            <a:off x="9505029" y="5468273"/>
-            <a:ext cx="2550511" cy="1225663"/>
+            <a:off x="1" y="6400800"/>
+            <a:ext cx="12192000" cy="457200"/>
           </a:xfrm>
           <a:prstGeom prst="rect">
             <a:avLst/>
           </a:prstGeom>
-          <a:noFill/>
+          <a:solidFill>
+            <a:schemeClr val="accent2"/>
+          </a:solidFill>
           <a:ln>
             <a:noFill/>
           </a:ln>
+        </p:spPr>
+        <p:style>
+          <a:lnRef idx="2">
+            <a:schemeClr val="accent1">
+              <a:shade val="50000"/>
+            </a:schemeClr>
+          </a:lnRef>
+          <a:fillRef idx="1">
+            <a:schemeClr val="accent1"/>
+          </a:fillRef>
+          <a:effectRef idx="0">
+            <a:schemeClr val="accent1"/>
+          </a:effectRef>
+          <a:fontRef idx="minor">
+            <a:schemeClr val="lt1"/>
+          </a:fontRef>
+        </p:style>
+        <p:txBody>
+          <a:bodyPr/>
+          <a:lstStyle/>
+          <a:p>
+            <a:endParaRPr lang="he-IL"/>
+          </a:p>
+        </p:txBody>
+      </p:sp>
+      <p:pic>
+        <p:nvPicPr>
+          <p:cNvPr id="10" name="תמונה 9">
+            <a:extLst>
+              <a:ext uri="{FF2B5EF4-FFF2-40B4-BE49-F238E27FC236}">
+                <a16:creationId xmlns:a16="http://schemas.microsoft.com/office/drawing/2014/main" id="{905E3A58-1CDB-CD8B-7A91-25EAAA116C97}"/>
+              </a:ext>
+            </a:extLst>
+          </p:cNvPr>
+          <p:cNvPicPr>
+            <a:picLocks noChangeAspect="1"/>
+          </p:cNvPicPr>
+          <p:nvPr/>
+        </p:nvPicPr>
+        <p:blipFill>
+          <a:blip r:embed="rId5"/>
+          <a:stretch>
+            <a:fillRect/>
+          </a:stretch>
+        </p:blipFill>
+        <p:spPr>
+          <a:xfrm>
+            <a:off x="3616357" y="450685"/>
+            <a:ext cx="2343477" cy="1933845"/>
+          </a:xfrm>
+          <a:prstGeom prst="rect">
+            <a:avLst/>
+          </a:prstGeom>
         </p:spPr>
       </p:pic>
     </p:spTree>
@@ -4144,6 +5092,7 @@
           <a:bodyPr/>
           <a:lstStyle/>
           <a:p>
+            <a:pPr algn="r"/>
             <a:r>
               <a:rPr lang="he-IL" dirty="0">
                 <a:solidFill>
@@ -4200,7 +5149,12 @@
             <p:ph idx="1"/>
           </p:nvPr>
         </p:nvSpPr>
-        <p:spPr/>
+        <p:spPr>
+          <a:xfrm>
+            <a:off x="1097280" y="2108200"/>
+            <a:ext cx="10058400" cy="3760894"/>
+          </a:xfrm>
+        </p:spPr>
         <p:txBody>
           <a:bodyPr/>
           <a:lstStyle/>
@@ -4266,6 +5220,45 @@
             <a:r>
               <a:rPr lang="he-IL" dirty="0"/>
               <a:t> </a:t>
+            </a:r>
+          </a:p>
+          <a:p>
+            <a:pPr marL="0" indent="0">
+              <a:buNone/>
+            </a:pPr>
+            <a:r>
+              <a:rPr lang="he-IL" dirty="0"/>
+              <a:t>בנוסף, תוך כדי פיתוח המוצר נתקלנו בשאלות לגבי פיתוחים </a:t>
+            </a:r>
+            <a:r>
+              <a:rPr lang="he-IL" dirty="0" err="1"/>
+              <a:t>מסויימים</a:t>
+            </a:r>
+            <a:r>
+              <a:rPr lang="he-IL" dirty="0"/>
+              <a:t> </a:t>
+            </a:r>
+            <a:r>
+              <a:rPr lang="he-IL" dirty="0" err="1"/>
+              <a:t>באפלקציה</a:t>
+            </a:r>
+            <a:r>
+              <a:rPr lang="he-IL" dirty="0"/>
+              <a:t> והפננו שאלות ל</a:t>
+            </a:r>
+            <a:r>
+              <a:rPr lang="en-US" dirty="0"/>
+              <a:t>CTO</a:t>
+            </a:r>
+            <a:endParaRPr lang="he-IL" dirty="0"/>
+          </a:p>
+          <a:p>
+            <a:pPr marL="0" indent="0">
+              <a:buNone/>
+            </a:pPr>
+            <a:r>
+              <a:rPr lang="he-IL" dirty="0"/>
+              <a:t> וכן ללקוח.</a:t>
             </a:r>
           </a:p>
         </p:txBody>
@@ -5213,14 +6206,14 @@
             <p:ph idx="1"/>
             <p:extLst>
               <p:ext uri="{D42A27DB-BD31-4B8C-83A1-F6EECF244321}">
-                <p14:modId xmlns:p14="http://schemas.microsoft.com/office/powerpoint/2010/main" val="278622176"/>
+                <p14:modId xmlns:p14="http://schemas.microsoft.com/office/powerpoint/2010/main" val="3943253047"/>
               </p:ext>
             </p:extLst>
           </p:nvPr>
         </p:nvGraphicFramePr>
         <p:xfrm>
           <a:off x="485774" y="1421364"/>
-          <a:ext cx="11394824" cy="4346448"/>
+          <a:ext cx="11394824" cy="4620768"/>
         </p:xfrm>
         <a:graphic>
           <a:graphicData uri="http://schemas.openxmlformats.org/drawingml/2006/table">
@@ -5420,7 +6413,7 @@
                       <a:pPr rtl="1"/>
                       <a:r>
                         <a:rPr lang="he-IL" sz="2000" dirty="0"/>
-                        <a:t>3</a:t>
+                        <a:t>1</a:t>
                       </a:r>
                     </a:p>
                   </a:txBody>
@@ -5957,18 +6950,49 @@
                           <a:cs typeface="Arial"/>
                           <a:sym typeface="Arial"/>
                         </a:rPr>
-                        <a:t> החזרנו תשובה "להפעלה נא פנו למנהלי החברה..."</a:t>
+                        <a:t> החזרנו תשובה "</a:t>
                       </a:r>
                       <a:r>
-                        <a:rPr lang="en-US" sz="1800" b="0" u="none" dirty="0">
+                        <a:rPr lang="he-IL" sz="1800" dirty="0">
+                          <a:solidFill>
+                            <a:schemeClr val="tx1"/>
+                          </a:solidFill>
                           <a:latin typeface="Arial"/>
                           <a:ea typeface="Arial"/>
                           <a:cs typeface="Arial"/>
                           <a:sym typeface="Arial"/>
                         </a:rPr>
-                        <a:t> </a:t>
+                        <a:t>השרות בתשלום להפעלה פנו להנהלת </a:t>
                       </a:r>
-                      <a:endParaRPr lang="he-IL" sz="2000" dirty="0"/>
+                      <a:r>
+                        <a:rPr lang="he-IL" sz="1800" dirty="0" err="1">
+                          <a:solidFill>
+                            <a:schemeClr val="tx1"/>
+                          </a:solidFill>
+                          <a:latin typeface="Arial"/>
+                          <a:ea typeface="Arial"/>
+                          <a:cs typeface="Arial"/>
+                          <a:sym typeface="Arial"/>
+                        </a:rPr>
+                        <a:t>דייברסיטק</a:t>
+                      </a:r>
+                      <a:r>
+                        <a:rPr lang="he-IL" sz="1800" dirty="0">
+                          <a:solidFill>
+                            <a:schemeClr val="tx1"/>
+                          </a:solidFill>
+                          <a:latin typeface="Arial"/>
+                          <a:ea typeface="Arial"/>
+                          <a:cs typeface="Arial"/>
+                          <a:sym typeface="Arial"/>
+                        </a:rPr>
+                        <a:t>"</a:t>
+                      </a:r>
+                      <a:endParaRPr lang="he-IL" sz="2000" dirty="0">
+                        <a:solidFill>
+                          <a:schemeClr val="tx1"/>
+                        </a:solidFill>
+                      </a:endParaRPr>
                     </a:p>
                   </a:txBody>
                   <a:tcPr marT="50292" marB="50292"/>
@@ -5983,6 +7007,49 @@
           </a:graphicData>
         </a:graphic>
       </p:graphicFrame>
+      <p:sp>
+        <p:nvSpPr>
+          <p:cNvPr id="2" name="כותרת 1">
+            <a:extLst>
+              <a:ext uri="{FF2B5EF4-FFF2-40B4-BE49-F238E27FC236}">
+                <a16:creationId xmlns:a16="http://schemas.microsoft.com/office/drawing/2014/main" id="{C269FE61-BC82-650E-236E-FDAD4857A473}"/>
+              </a:ext>
+            </a:extLst>
+          </p:cNvPr>
+          <p:cNvSpPr>
+            <a:spLocks noGrp="1"/>
+          </p:cNvSpPr>
+          <p:nvPr>
+            <p:ph type="title"/>
+          </p:nvPr>
+        </p:nvSpPr>
+        <p:spPr>
+          <a:xfrm>
+            <a:off x="640080" y="-80246"/>
+            <a:ext cx="10058400" cy="1450757"/>
+          </a:xfrm>
+        </p:spPr>
+        <p:txBody>
+          <a:bodyPr/>
+          <a:lstStyle/>
+          <a:p>
+            <a:pPr algn="ctr"/>
+            <a:r>
+              <a:rPr lang="he-IL" dirty="0">
+                <a:solidFill>
+                  <a:schemeClr val="tx2">
+                    <a:lumMod val="60000"/>
+                    <a:lumOff val="40000"/>
+                  </a:schemeClr>
+                </a:solidFill>
+                <a:cs typeface="+mn-cs"/>
+              </a:rPr>
+              <a:t>שלב ד': ביצוע ופיתוח</a:t>
+            </a:r>
+            <a:endParaRPr lang="he-IL" dirty="0"/>
+          </a:p>
+        </p:txBody>
+      </p:sp>
     </p:spTree>
     <p:extLst>
       <p:ext uri="{BB962C8B-B14F-4D97-AF65-F5344CB8AC3E}">
@@ -5997,535 +7064,6 @@
 </file>
 
 <file path=ppt/slides/slide14.xml><?xml version="1.0" encoding="utf-8"?>
-<p:sld xmlns:a="http://schemas.openxmlformats.org/drawingml/2006/main" xmlns:r="http://schemas.openxmlformats.org/officeDocument/2006/relationships" xmlns:p="http://schemas.openxmlformats.org/presentationml/2006/main">
-  <p:cSld>
-    <p:bg>
-      <p:bgPr>
-        <a:solidFill>
-          <a:schemeClr val="tx1"/>
-        </a:solidFill>
-        <a:effectLst/>
-      </p:bgPr>
-    </p:bg>
-    <p:spTree>
-      <p:nvGrpSpPr>
-        <p:cNvPr id="1" name=""/>
-        <p:cNvGrpSpPr/>
-        <p:nvPr/>
-      </p:nvGrpSpPr>
-      <p:grpSpPr>
-        <a:xfrm>
-          <a:off x="0" y="0"/>
-          <a:ext cx="0" cy="0"/>
-          <a:chOff x="0" y="0"/>
-          <a:chExt cx="0" cy="0"/>
-        </a:xfrm>
-      </p:grpSpPr>
-      <p:sp>
-        <p:nvSpPr>
-          <p:cNvPr id="6" name="Rectangle 2">
-            <a:extLst>
-              <a:ext uri="{FF2B5EF4-FFF2-40B4-BE49-F238E27FC236}">
-                <a16:creationId xmlns:a16="http://schemas.microsoft.com/office/drawing/2014/main" id="{1DFC97A8-D692-4C3F-B7DE-A74E0FB6B381}"/>
-              </a:ext>
-            </a:extLst>
-          </p:cNvPr>
-          <p:cNvSpPr>
-            <a:spLocks noGrp="1" noChangeArrowheads="1"/>
-          </p:cNvSpPr>
-          <p:nvPr>
-            <p:ph idx="1"/>
-          </p:nvPr>
-        </p:nvSpPr>
-        <p:spPr bwMode="auto">
-          <a:xfrm>
-            <a:off x="466792" y="1123097"/>
-            <a:ext cx="11535506" cy="5734903"/>
-          </a:xfrm>
-          <a:prstGeom prst="rect">
-            <a:avLst/>
-          </a:prstGeom>
-          <a:noFill/>
-          <a:ln>
-            <a:noFill/>
-          </a:ln>
-          <a:effectLst/>
-          <a:extLst>
-            <a:ext uri="{909E8E84-426E-40DD-AFC4-6F175D3DCCD1}">
-              <a14:hiddenFill xmlns:a14="http://schemas.microsoft.com/office/drawing/2010/main">
-                <a:solidFill>
-                  <a:schemeClr val="accent1"/>
-                </a:solidFill>
-              </a14:hiddenFill>
-            </a:ext>
-            <a:ext uri="{91240B29-F687-4F45-9708-019B960494DF}">
-              <a14:hiddenLine xmlns:a14="http://schemas.microsoft.com/office/drawing/2010/main" w="9525">
-                <a:solidFill>
-                  <a:schemeClr val="tx1"/>
-                </a:solidFill>
-                <a:miter lim="800000"/>
-                <a:headEnd/>
-                <a:tailEnd/>
-              </a14:hiddenLine>
-            </a:ext>
-            <a:ext uri="{AF507438-7753-43E0-B8FC-AC1667EBCBE1}">
-              <a14:hiddenEffects xmlns:a14="http://schemas.microsoft.com/office/drawing/2010/main">
-                <a:effectLst>
-                  <a:outerShdw dist="35921" dir="2700000" algn="ctr" rotWithShape="0">
-                    <a:schemeClr val="bg2"/>
-                  </a:outerShdw>
-                </a:effectLst>
-              </a14:hiddenEffects>
-            </a:ext>
-          </a:extLst>
-        </p:spPr>
-        <p:txBody>
-          <a:bodyPr vert="horz" wrap="square" lIns="91440" tIns="45720" rIns="91440" bIns="45720" numCol="1" anchor="ctr" anchorCtr="0" compatLnSpc="1">
-            <a:prstTxWarp prst="textNoShape">
-              <a:avLst/>
-            </a:prstTxWarp>
-            <a:spAutoFit/>
-          </a:bodyPr>
-          <a:lstStyle/>
-          <a:p>
-            <a:r>
-              <a:rPr lang="he-IL" sz="2400" b="1" dirty="0" err="1">
-                <a:solidFill>
-                  <a:schemeClr val="bg1"/>
-                </a:solidFill>
-              </a:rPr>
-              <a:t>צאט</a:t>
-            </a:r>
-            <a:r>
-              <a:rPr lang="en-US" sz="2400" b="1" dirty="0">
-                <a:solidFill>
-                  <a:schemeClr val="bg1"/>
-                </a:solidFill>
-              </a:rPr>
-              <a:t>GPT  </a:t>
-            </a:r>
-            <a:r>
-              <a:rPr lang="he-IL" sz="2400" b="1" dirty="0">
-                <a:solidFill>
-                  <a:schemeClr val="bg1"/>
-                </a:solidFill>
-              </a:rPr>
-              <a:t> </a:t>
-            </a:r>
-          </a:p>
-          <a:p>
-            <a:r>
-              <a:rPr lang="he-IL" dirty="0">
-                <a:solidFill>
-                  <a:schemeClr val="bg1"/>
-                </a:solidFill>
-              </a:rPr>
-              <a:t>המטרה הייתה לבנות צ'אט המבוסס על מסד הנתונים של הסמינר, בו משתמשים יכולים לשאול שאלות ולקבל תשובות בנוגע לפרטים על תלמידים, מורים ושיעורים.</a:t>
-            </a:r>
-          </a:p>
-          <a:p>
-            <a:pPr>
-              <a:buFont typeface="+mj-lt"/>
-              <a:buAutoNum type="arabicPeriod"/>
-            </a:pPr>
-            <a:r>
-              <a:rPr lang="he-IL" b="1" dirty="0">
-                <a:solidFill>
-                  <a:schemeClr val="bg1"/>
-                </a:solidFill>
-              </a:rPr>
-              <a:t>התחברות ל-</a:t>
-            </a:r>
-            <a:r>
-              <a:rPr lang="en-US" b="1" dirty="0">
-                <a:solidFill>
-                  <a:schemeClr val="bg1"/>
-                </a:solidFill>
-              </a:rPr>
-              <a:t>OpenAI</a:t>
-            </a:r>
-            <a:r>
-              <a:rPr lang="en-US" dirty="0">
-                <a:solidFill>
-                  <a:schemeClr val="bg1"/>
-                </a:solidFill>
-              </a:rPr>
-              <a:t>:</a:t>
-            </a:r>
-          </a:p>
-          <a:p>
-            <a:pPr marL="742950" lvl="1" indent="-285750">
-              <a:buFont typeface="+mj-lt"/>
-              <a:buAutoNum type="arabicPeriod"/>
-            </a:pPr>
-            <a:r>
-              <a:rPr lang="he-IL" dirty="0">
-                <a:solidFill>
-                  <a:schemeClr val="bg1"/>
-                </a:solidFill>
-              </a:rPr>
-              <a:t>חיפשנו פתרון מתקדם שמאפשר שימוש בטכנולוגיית הבינה המלאכותית. לאחר מחקר ובדיקת אפשרויות, החלטנו להתחבר לשירותי </a:t>
-            </a:r>
-            <a:r>
-              <a:rPr lang="en-US" dirty="0">
-                <a:solidFill>
-                  <a:schemeClr val="bg1"/>
-                </a:solidFill>
-              </a:rPr>
-              <a:t>OpenAI </a:t>
-            </a:r>
-            <a:r>
-              <a:rPr lang="he-IL" dirty="0">
-                <a:solidFill>
-                  <a:schemeClr val="bg1"/>
-                </a:solidFill>
-              </a:rPr>
-              <a:t>ולקבל מפתח </a:t>
-            </a:r>
-            <a:r>
-              <a:rPr lang="en-US" dirty="0">
-                <a:solidFill>
-                  <a:schemeClr val="bg1"/>
-                </a:solidFill>
-              </a:rPr>
-              <a:t>API </a:t>
-            </a:r>
-            <a:r>
-              <a:rPr lang="he-IL" dirty="0">
-                <a:solidFill>
-                  <a:schemeClr val="bg1"/>
-                </a:solidFill>
-              </a:rPr>
-              <a:t>המאפשר שימוש ב-</a:t>
-            </a:r>
-            <a:r>
-              <a:rPr lang="en-US" dirty="0">
-                <a:solidFill>
-                  <a:schemeClr val="bg1"/>
-                </a:solidFill>
-              </a:rPr>
-              <a:t>GPT.</a:t>
-            </a:r>
-          </a:p>
-          <a:p>
-            <a:pPr>
-              <a:buFont typeface="+mj-lt"/>
-              <a:buAutoNum type="arabicPeriod"/>
-            </a:pPr>
-            <a:r>
-              <a:rPr lang="he-IL" b="1" dirty="0">
-                <a:solidFill>
-                  <a:schemeClr val="bg1"/>
-                </a:solidFill>
-              </a:rPr>
-              <a:t>מימוש הפיצ'ר ב-</a:t>
-            </a:r>
-            <a:r>
-              <a:rPr lang="en-US" b="1" dirty="0">
-                <a:solidFill>
-                  <a:schemeClr val="bg1"/>
-                </a:solidFill>
-              </a:rPr>
-              <a:t>Python</a:t>
-            </a:r>
-            <a:r>
-              <a:rPr lang="en-US" dirty="0">
-                <a:solidFill>
-                  <a:schemeClr val="bg1"/>
-                </a:solidFill>
-              </a:rPr>
-              <a:t>:</a:t>
-            </a:r>
-          </a:p>
-          <a:p>
-            <a:pPr marL="742950" lvl="1" indent="-285750">
-              <a:buFont typeface="+mj-lt"/>
-              <a:buAutoNum type="arabicPeriod"/>
-            </a:pPr>
-            <a:r>
-              <a:rPr lang="he-IL" dirty="0">
-                <a:solidFill>
-                  <a:schemeClr val="bg1"/>
-                </a:solidFill>
-              </a:rPr>
-              <a:t>כתבנו רכיב ב-</a:t>
-            </a:r>
-            <a:r>
-              <a:rPr lang="en-US" dirty="0">
-                <a:solidFill>
-                  <a:schemeClr val="bg1"/>
-                </a:solidFill>
-              </a:rPr>
-              <a:t>Python </a:t>
-            </a:r>
-            <a:r>
-              <a:rPr lang="he-IL" dirty="0">
-                <a:solidFill>
-                  <a:schemeClr val="bg1"/>
-                </a:solidFill>
-              </a:rPr>
-              <a:t> </a:t>
-            </a:r>
-            <a:r>
-              <a:rPr lang="en-US" dirty="0">
-                <a:solidFill>
-                  <a:schemeClr val="bg1"/>
-                </a:solidFill>
-              </a:rPr>
-              <a:t>(</a:t>
-            </a:r>
-            <a:r>
-              <a:rPr lang="en-US" dirty="0" err="1">
-                <a:solidFill>
-                  <a:schemeClr val="bg1"/>
-                </a:solidFill>
-              </a:rPr>
-              <a:t>ms</a:t>
-            </a:r>
-            <a:r>
-              <a:rPr lang="en-US" dirty="0">
-                <a:solidFill>
-                  <a:schemeClr val="bg1"/>
-                </a:solidFill>
-              </a:rPr>
-              <a:t>)</a:t>
-            </a:r>
-            <a:r>
-              <a:rPr lang="he-IL" dirty="0">
-                <a:solidFill>
-                  <a:schemeClr val="bg1"/>
-                </a:solidFill>
-              </a:rPr>
-              <a:t> שמתחבר לשירותי</a:t>
-            </a:r>
-            <a:r>
-              <a:rPr lang="en-US" dirty="0">
-                <a:solidFill>
-                  <a:schemeClr val="bg1"/>
-                </a:solidFill>
-              </a:rPr>
-              <a:t>  OpenAI. </a:t>
-            </a:r>
-            <a:r>
-              <a:rPr lang="he-IL" dirty="0">
-                <a:solidFill>
-                  <a:schemeClr val="bg1"/>
-                </a:solidFill>
-              </a:rPr>
-              <a:t>הרכיב הזה שולח את השאלה שהמשתמש מזין לצ'אט ומקבל את התשובה מ-</a:t>
-            </a:r>
-            <a:r>
-              <a:rPr lang="en-US" dirty="0">
-                <a:solidFill>
-                  <a:schemeClr val="bg1"/>
-                </a:solidFill>
-              </a:rPr>
-              <a:t>GPT.</a:t>
-            </a:r>
-          </a:p>
-          <a:p>
-            <a:pPr>
-              <a:buFont typeface="+mj-lt"/>
-              <a:buAutoNum type="arabicPeriod"/>
-            </a:pPr>
-            <a:r>
-              <a:rPr lang="he-IL" b="1" dirty="0">
-                <a:solidFill>
-                  <a:schemeClr val="bg1"/>
-                </a:solidFill>
-              </a:rPr>
-              <a:t>אינטגרציה עם אפליקציית </a:t>
-            </a:r>
-            <a:r>
-              <a:rPr lang="en-US" b="1" dirty="0">
-                <a:solidFill>
-                  <a:schemeClr val="bg1"/>
-                </a:solidFill>
-              </a:rPr>
-              <a:t>Angular</a:t>
-            </a:r>
-            <a:r>
-              <a:rPr lang="en-US" dirty="0">
-                <a:solidFill>
-                  <a:schemeClr val="bg1"/>
-                </a:solidFill>
-              </a:rPr>
-              <a:t>:</a:t>
-            </a:r>
-          </a:p>
-          <a:p>
-            <a:pPr marL="742950" lvl="1" indent="-285750">
-              <a:buFont typeface="+mj-lt"/>
-              <a:buAutoNum type="arabicPeriod"/>
-            </a:pPr>
-            <a:r>
-              <a:rPr lang="he-IL" dirty="0">
-                <a:solidFill>
-                  <a:schemeClr val="bg1"/>
-                </a:solidFill>
-              </a:rPr>
-              <a:t>הפיתוח בוצע כך שהתשובות מ-</a:t>
-            </a:r>
-            <a:r>
-              <a:rPr lang="en-US" dirty="0">
-                <a:solidFill>
-                  <a:schemeClr val="bg1"/>
-                </a:solidFill>
-              </a:rPr>
-              <a:t>GPT </a:t>
-            </a:r>
-            <a:r>
-              <a:rPr lang="he-IL" dirty="0">
-                <a:solidFill>
-                  <a:schemeClr val="bg1"/>
-                </a:solidFill>
-              </a:rPr>
-              <a:t>מוחזרות ומשולבות בצורה חלקה באפליקציית </a:t>
-            </a:r>
-            <a:r>
-              <a:rPr lang="en-US" dirty="0">
-                <a:solidFill>
-                  <a:schemeClr val="bg1"/>
-                </a:solidFill>
-              </a:rPr>
-              <a:t>Angular </a:t>
-            </a:r>
-            <a:r>
-              <a:rPr lang="he-IL" dirty="0">
-                <a:solidFill>
-                  <a:schemeClr val="bg1"/>
-                </a:solidFill>
-              </a:rPr>
-              <a:t>שלנו. בצורה זו, המשתמשים יכולים ליהנות מחוויית צ'אט אינטואיטיבית ונוחה לשימוש.</a:t>
-            </a:r>
-          </a:p>
-          <a:p>
-            <a:r>
-              <a:rPr lang="he-IL" dirty="0">
-                <a:solidFill>
-                  <a:schemeClr val="bg1"/>
-                </a:solidFill>
-              </a:rPr>
-              <a:t>הפרויקט שלנו מציג יכולת חדשנית לשילוב טכנולוגיות מתקדמות במערכות קיימות ומאפשר למשתמשים לקבל תשובות מהירות ומדויקות ממסד הנתונים של הסמינר בצורה אוטומטית וחכמה.</a:t>
-            </a:r>
-          </a:p>
-          <a:p>
-            <a:endParaRPr lang="he-IL" dirty="0">
-              <a:solidFill>
-                <a:schemeClr val="bg1"/>
-              </a:solidFill>
-            </a:endParaRPr>
-          </a:p>
-          <a:p>
-            <a:pPr marL="0" indent="0">
-              <a:buNone/>
-            </a:pPr>
-            <a:endParaRPr lang="he-IL" sz="1200" dirty="0">
-              <a:solidFill>
-                <a:schemeClr val="bg1"/>
-              </a:solidFill>
-            </a:endParaRPr>
-          </a:p>
-        </p:txBody>
-      </p:sp>
-      <p:sp>
-        <p:nvSpPr>
-          <p:cNvPr id="2" name="תיבת טקסט 1">
-            <a:extLst>
-              <a:ext uri="{FF2B5EF4-FFF2-40B4-BE49-F238E27FC236}">
-                <a16:creationId xmlns:a16="http://schemas.microsoft.com/office/drawing/2014/main" id="{CCEDE93E-2C16-D07C-E935-764585B0E7FD}"/>
-              </a:ext>
-            </a:extLst>
-          </p:cNvPr>
-          <p:cNvSpPr txBox="1"/>
-          <p:nvPr/>
-        </p:nvSpPr>
-        <p:spPr>
-          <a:xfrm>
-            <a:off x="1569119" y="309233"/>
-            <a:ext cx="10433179" cy="923330"/>
-          </a:xfrm>
-          <a:prstGeom prst="rect">
-            <a:avLst/>
-          </a:prstGeom>
-          <a:noFill/>
-        </p:spPr>
-        <p:txBody>
-          <a:bodyPr wrap="square" rtlCol="1">
-            <a:spAutoFit/>
-          </a:bodyPr>
-          <a:lstStyle/>
-          <a:p>
-            <a:pPr algn="r"/>
-            <a:r>
-              <a:rPr lang="iw-IL" sz="1800" b="1" dirty="0">
-                <a:solidFill>
-                  <a:srgbClr val="000000"/>
-                </a:solidFill>
-                <a:latin typeface="Arial"/>
-                <a:ea typeface="Arial"/>
-                <a:cs typeface="Arial"/>
-                <a:sym typeface="Arial"/>
-              </a:rPr>
-              <a:t>במהלך הפיתוח פיתחתי באזורים שונים בכל רחבי האפליקציה</a:t>
-            </a:r>
-            <a:endParaRPr lang="he-IL" sz="1800" b="1" dirty="0">
-              <a:solidFill>
-                <a:srgbClr val="000000"/>
-              </a:solidFill>
-              <a:latin typeface="Arial"/>
-              <a:ea typeface="Arial"/>
-              <a:cs typeface="Arial"/>
-              <a:sym typeface="Arial"/>
-            </a:endParaRPr>
-          </a:p>
-          <a:p>
-            <a:pPr algn="r"/>
-            <a:r>
-              <a:rPr lang="iw-IL" sz="1800" b="1" dirty="0">
-                <a:solidFill>
-                  <a:srgbClr val="000000"/>
-                </a:solidFill>
-                <a:latin typeface="Arial"/>
-                <a:ea typeface="Arial"/>
-                <a:cs typeface="Arial"/>
-                <a:sym typeface="Arial"/>
-              </a:rPr>
-              <a:t>בשל כך הטכנולוגיות והביצועים שאפרט להלן הינן מגוונות הן מבחינת סוגיהן והן מבחינת רמתן</a:t>
-            </a:r>
-            <a:r>
-              <a:rPr lang="he-IL" sz="1800" b="1" dirty="0">
-                <a:solidFill>
-                  <a:srgbClr val="000000"/>
-                </a:solidFill>
-                <a:latin typeface="Arial"/>
-                <a:ea typeface="Arial"/>
-                <a:cs typeface="Arial"/>
-                <a:sym typeface="Arial"/>
-              </a:rPr>
-              <a:t>:</a:t>
-            </a:r>
-          </a:p>
-          <a:p>
-            <a:pPr algn="r"/>
-            <a:endParaRPr lang="he-IL" b="1" dirty="0"/>
-          </a:p>
-        </p:txBody>
-      </p:sp>
-    </p:spTree>
-    <p:extLst>
-      <p:ext uri="{BB962C8B-B14F-4D97-AF65-F5344CB8AC3E}">
-        <p14:creationId xmlns:p14="http://schemas.microsoft.com/office/powerpoint/2010/main" val="903602138"/>
-      </p:ext>
-    </p:extLst>
-  </p:cSld>
-  <p:clrMapOvr>
-    <a:overrideClrMapping bg1="dk1" tx1="lt1" bg2="dk2" tx2="lt2" accent1="accent1" accent2="accent2" accent3="accent3" accent4="accent4" accent5="accent5" accent6="accent6" hlink="hlink" folHlink="folHlink"/>
-  </p:clrMapOvr>
-</p:sld>
-</file>
-
-<file path=ppt/slides/slide15.xml><?xml version="1.0" encoding="utf-8"?>
 <p:sld xmlns:a="http://schemas.openxmlformats.org/drawingml/2006/main" xmlns:r="http://schemas.openxmlformats.org/officeDocument/2006/relationships" xmlns:p="http://schemas.openxmlformats.org/presentationml/2006/main">
   <p:cSld>
     <p:bg>
@@ -7480,10 +8018,10 @@
                 <a:cs typeface="Arial"/>
                 <a:sym typeface="Arial"/>
               </a:rPr>
-              <a:t> החזרנו תשובה "להפעלה נא פנו למנהלי החברה..."</a:t>
-            </a:r>
-            <a:r>
-              <a:rPr lang="en-US" sz="1600" dirty="0">
+              <a:t> החזרנו תשובה "השרות בתשלום להפעלה פנו להנהלת </a:t>
+            </a:r>
+            <a:r>
+              <a:rPr lang="he-IL" sz="1600" dirty="0" err="1">
                 <a:solidFill>
                   <a:schemeClr val="bg1"/>
                 </a:solidFill>
@@ -7492,7 +8030,19 @@
                 <a:cs typeface="Arial"/>
                 <a:sym typeface="Arial"/>
               </a:rPr>
-              <a:t> </a:t>
+              <a:t>דייברסיטק</a:t>
+            </a:r>
+            <a:r>
+              <a:rPr lang="he-IL" sz="1600" dirty="0">
+                <a:solidFill>
+                  <a:schemeClr val="bg1"/>
+                </a:solidFill>
+                <a:latin typeface="Arial"/>
+                <a:ea typeface="Arial"/>
+                <a:cs typeface="Arial"/>
+                <a:sym typeface="Arial"/>
+              </a:rPr>
+              <a:t>"</a:t>
             </a:r>
             <a:endParaRPr lang="he-IL" sz="1600" dirty="0">
               <a:solidFill>
@@ -7504,10 +8054,10 @@
       </p:sp>
       <p:pic>
         <p:nvPicPr>
-          <p:cNvPr id="12" name="תמונה 11" descr="תמונה שמכילה טקסט, צילום מסך, גופן, מערכת הפעלה&#10;&#10;התיאור נוצר באופן אוטומטי">
+          <p:cNvPr id="3" name="תמונה 2" descr="תמונה שמכילה טקסט, צילום מסך, מערכת הפעלה, תוכנה&#10;&#10;התיאור נוצר באופן אוטומטי">
             <a:extLst>
               <a:ext uri="{FF2B5EF4-FFF2-40B4-BE49-F238E27FC236}">
-                <a16:creationId xmlns:a16="http://schemas.microsoft.com/office/drawing/2014/main" id="{F8AD0151-796C-85F0-8CD8-6977BC921E30}"/>
+                <a16:creationId xmlns:a16="http://schemas.microsoft.com/office/drawing/2014/main" id="{D06765AA-A942-A31C-5B3F-D884C6892133}"/>
               </a:ext>
             </a:extLst>
           </p:cNvPr>
@@ -7524,8 +8074,8 @@
         </p:blipFill>
         <p:spPr>
           <a:xfrm>
-            <a:off x="7996924" y="1541462"/>
-            <a:ext cx="2964763" cy="4161718"/>
+            <a:off x="7864463" y="1558340"/>
+            <a:ext cx="2964763" cy="4237115"/>
           </a:xfrm>
           <a:prstGeom prst="rect">
             <a:avLst/>
@@ -7545,7 +8095,7 @@
 </p:sld>
 </file>
 
-<file path=ppt/slides/slide16.xml><?xml version="1.0" encoding="utf-8"?>
+<file path=ppt/slides/slide15.xml><?xml version="1.0" encoding="utf-8"?>
 <p:sld xmlns:a="http://schemas.openxmlformats.org/drawingml/2006/main" xmlns:r="http://schemas.openxmlformats.org/officeDocument/2006/relationships" xmlns:p="http://schemas.openxmlformats.org/presentationml/2006/main">
   <p:cSld>
     <p:bg>
@@ -7586,7 +8136,7 @@
             <p:ph idx="1"/>
             <p:extLst>
               <p:ext uri="{D42A27DB-BD31-4B8C-83A1-F6EECF244321}">
-                <p14:modId xmlns:p14="http://schemas.microsoft.com/office/powerpoint/2010/main" val="1510203875"/>
+                <p14:modId xmlns:p14="http://schemas.microsoft.com/office/powerpoint/2010/main" val="2707394062"/>
               </p:ext>
             </p:extLst>
           </p:nvPr>
@@ -7793,7 +8343,7 @@
                       <a:pPr rtl="1"/>
                       <a:r>
                         <a:rPr lang="he-IL" sz="2000" dirty="0"/>
-                        <a:t>6</a:t>
+                        <a:t>2</a:t>
                       </a:r>
                     </a:p>
                   </a:txBody>
@@ -8076,7 +8626,7 @@
 </p:sld>
 </file>
 
-<file path=ppt/slides/slide17.xml><?xml version="1.0" encoding="utf-8"?>
+<file path=ppt/slides/slide16.xml><?xml version="1.0" encoding="utf-8"?>
 <p:sld xmlns:a="http://schemas.openxmlformats.org/drawingml/2006/main" xmlns:r="http://schemas.openxmlformats.org/officeDocument/2006/relationships" xmlns:p="http://schemas.openxmlformats.org/presentationml/2006/main">
   <p:cSld>
     <p:bg>
@@ -8560,7 +9110,7 @@
 </p:sld>
 </file>
 
-<file path=ppt/slides/slide18.xml><?xml version="1.0" encoding="utf-8"?>
+<file path=ppt/slides/slide17.xml><?xml version="1.0" encoding="utf-8"?>
 <p:sld xmlns:a="http://schemas.openxmlformats.org/drawingml/2006/main" xmlns:r="http://schemas.openxmlformats.org/officeDocument/2006/relationships" xmlns:p="http://schemas.openxmlformats.org/presentationml/2006/main">
   <p:cSld>
     <p:bg>
@@ -9468,7 +10018,7 @@
 </p:sld>
 </file>
 
-<file path=ppt/slides/slide19.xml><?xml version="1.0" encoding="utf-8"?>
+<file path=ppt/slides/slide18.xml><?xml version="1.0" encoding="utf-8"?>
 <p:sld xmlns:a="http://schemas.openxmlformats.org/drawingml/2006/main" xmlns:r="http://schemas.openxmlformats.org/officeDocument/2006/relationships" xmlns:p="http://schemas.openxmlformats.org/presentationml/2006/main">
   <p:cSld>
     <p:bg>
@@ -10257,474 +10807,7 @@
 </p:sld>
 </file>
 
-<file path=ppt/slides/slide2.xml><?xml version="1.0" encoding="utf-8"?>
-<p:sld xmlns:a="http://schemas.openxmlformats.org/drawingml/2006/main" xmlns:r="http://schemas.openxmlformats.org/officeDocument/2006/relationships" xmlns:p="http://schemas.openxmlformats.org/presentationml/2006/main">
-  <p:cSld>
-    <p:spTree>
-      <p:nvGrpSpPr>
-        <p:cNvPr id="1" name=""/>
-        <p:cNvGrpSpPr/>
-        <p:nvPr/>
-      </p:nvGrpSpPr>
-      <p:grpSpPr>
-        <a:xfrm>
-          <a:off x="0" y="0"/>
-          <a:ext cx="0" cy="0"/>
-          <a:chOff x="0" y="0"/>
-          <a:chExt cx="0" cy="0"/>
-        </a:xfrm>
-      </p:grpSpPr>
-      <p:sp>
-        <p:nvSpPr>
-          <p:cNvPr id="2" name="כותרת 1">
-            <a:extLst>
-              <a:ext uri="{FF2B5EF4-FFF2-40B4-BE49-F238E27FC236}">
-                <a16:creationId xmlns:a16="http://schemas.microsoft.com/office/drawing/2014/main" id="{65E1D24E-AAD3-9588-86EE-AE0795E11E5F}"/>
-              </a:ext>
-            </a:extLst>
-          </p:cNvPr>
-          <p:cNvSpPr>
-            <a:spLocks noGrp="1"/>
-          </p:cNvSpPr>
-          <p:nvPr>
-            <p:ph type="title"/>
-          </p:nvPr>
-        </p:nvSpPr>
-        <p:spPr/>
-        <p:txBody>
-          <a:bodyPr/>
-          <a:lstStyle/>
-          <a:p>
-            <a:pPr algn="ctr"/>
-            <a:r>
-              <a:rPr lang="he-IL" dirty="0">
-                <a:solidFill>
-                  <a:schemeClr val="tx2">
-                    <a:lumMod val="60000"/>
-                    <a:lumOff val="40000"/>
-                  </a:schemeClr>
-                </a:solidFill>
-                <a:cs typeface="+mn-cs"/>
-              </a:rPr>
-              <a:t>הסמינר הישן</a:t>
-            </a:r>
-          </a:p>
-        </p:txBody>
-      </p:sp>
-      <p:sp>
-        <p:nvSpPr>
-          <p:cNvPr id="3" name="מציין מיקום תוכן 2">
-            <a:extLst>
-              <a:ext uri="{FF2B5EF4-FFF2-40B4-BE49-F238E27FC236}">
-                <a16:creationId xmlns:a16="http://schemas.microsoft.com/office/drawing/2014/main" id="{BAD6C555-3907-D957-1935-9834CC03C744}"/>
-              </a:ext>
-            </a:extLst>
-          </p:cNvPr>
-          <p:cNvSpPr>
-            <a:spLocks noGrp="1"/>
-          </p:cNvSpPr>
-          <p:nvPr>
-            <p:ph idx="1"/>
-          </p:nvPr>
-        </p:nvSpPr>
-        <p:spPr/>
-        <p:txBody>
-          <a:bodyPr>
-            <a:normAutofit lnSpcReduction="10000"/>
-          </a:bodyPr>
-          <a:lstStyle/>
-          <a:p>
-            <a:pPr marL="0" marR="0" lvl="0" indent="0" algn="r" rtl="1">
-              <a:lnSpc>
-                <a:spcPct val="120000"/>
-              </a:lnSpc>
-              <a:spcBef>
-                <a:spcPts val="0"/>
-              </a:spcBef>
-              <a:spcAft>
-                <a:spcPts val="0"/>
-              </a:spcAft>
-              <a:buClr>
-                <a:srgbClr val="FFFFFF"/>
-              </a:buClr>
-              <a:buSzPts val="1600"/>
-              <a:buNone/>
-            </a:pPr>
-            <a:r>
-              <a:rPr lang="iw-IL" sz="2400" b="1" i="0" u="none" strike="noStrike" cap="none" dirty="0">
-                <a:latin typeface="Arial"/>
-                <a:ea typeface="Arial"/>
-                <a:cs typeface="Arial"/>
-                <a:sym typeface="Arial"/>
-              </a:rPr>
-              <a:t>שם המוסד החינוכי:</a:t>
-            </a:r>
-            <a:r>
-              <a:rPr lang="iw-IL" sz="2400" b="0" i="0" u="none" strike="noStrike" cap="none" dirty="0">
-                <a:latin typeface="Arial"/>
-                <a:ea typeface="Arial"/>
-                <a:cs typeface="Arial"/>
-                <a:sym typeface="Arial"/>
-              </a:rPr>
-              <a:t> </a:t>
-            </a:r>
-            <a:r>
-              <a:rPr lang="iw-IL" sz="2400" dirty="0">
-                <a:latin typeface="Arial"/>
-                <a:ea typeface="Arial"/>
-                <a:cs typeface="Arial"/>
-                <a:sym typeface="Arial"/>
-              </a:rPr>
-              <a:t>סמינר </a:t>
-            </a:r>
-            <a:r>
-              <a:rPr lang="he-IL" sz="2400" dirty="0">
-                <a:latin typeface="Arial"/>
-                <a:ea typeface="Arial"/>
-                <a:cs typeface="Arial"/>
-                <a:sym typeface="Arial"/>
-              </a:rPr>
-              <a:t>לדעת חכמה</a:t>
-            </a:r>
-            <a:endParaRPr lang="iw-IL" sz="3200" dirty="0"/>
-          </a:p>
-          <a:p>
-            <a:pPr marL="0" marR="0" lvl="0" indent="0" algn="r" rtl="1">
-              <a:lnSpc>
-                <a:spcPct val="120000"/>
-              </a:lnSpc>
-              <a:spcBef>
-                <a:spcPts val="0"/>
-              </a:spcBef>
-              <a:spcAft>
-                <a:spcPts val="0"/>
-              </a:spcAft>
-              <a:buClr>
-                <a:srgbClr val="FFFFFF"/>
-              </a:buClr>
-              <a:buSzPts val="1600"/>
-              <a:buNone/>
-            </a:pPr>
-            <a:r>
-              <a:rPr lang="iw-IL" sz="2400" b="1" i="0" u="none" strike="noStrike" cap="none" dirty="0">
-                <a:latin typeface="Arial"/>
-                <a:ea typeface="Arial"/>
-                <a:cs typeface="Arial"/>
-                <a:sym typeface="Arial"/>
-              </a:rPr>
-              <a:t>שם הסטודנט</a:t>
-            </a:r>
-            <a:r>
-              <a:rPr lang="iw-IL" sz="2400" b="1" dirty="0">
-                <a:latin typeface="Arial"/>
-                <a:ea typeface="Arial"/>
-                <a:cs typeface="Arial"/>
-                <a:sym typeface="Arial"/>
-              </a:rPr>
-              <a:t>: </a:t>
-            </a:r>
-            <a:r>
-              <a:rPr lang="he-IL" sz="2400" dirty="0">
-                <a:latin typeface="Arial"/>
-                <a:ea typeface="Arial"/>
-                <a:cs typeface="Arial"/>
-                <a:sym typeface="Arial"/>
-              </a:rPr>
-              <a:t>נעמה גרשוני</a:t>
-            </a:r>
-            <a:endParaRPr lang="iw-IL" sz="3200" dirty="0"/>
-          </a:p>
-          <a:p>
-            <a:pPr marL="0" marR="0" lvl="0" indent="0" algn="r" rtl="1">
-              <a:lnSpc>
-                <a:spcPct val="120000"/>
-              </a:lnSpc>
-              <a:spcBef>
-                <a:spcPts val="0"/>
-              </a:spcBef>
-              <a:spcAft>
-                <a:spcPts val="0"/>
-              </a:spcAft>
-              <a:buClr>
-                <a:srgbClr val="FFFFFF"/>
-              </a:buClr>
-              <a:buSzPts val="1600"/>
-              <a:buNone/>
-            </a:pPr>
-            <a:r>
-              <a:rPr lang="iw-IL" sz="2400" b="1" i="0" u="none" strike="noStrike" cap="none" dirty="0">
-                <a:latin typeface="Arial"/>
-                <a:ea typeface="Arial"/>
-                <a:cs typeface="Arial"/>
-                <a:sym typeface="Arial"/>
-              </a:rPr>
-              <a:t>שם החברה המארחת:</a:t>
-            </a:r>
-            <a:r>
-              <a:rPr lang="iw-IL" sz="2400" b="0" i="0" u="none" strike="noStrike" cap="none" dirty="0">
-                <a:latin typeface="Arial"/>
-                <a:ea typeface="Arial"/>
-                <a:cs typeface="Arial"/>
-                <a:sym typeface="Arial"/>
-              </a:rPr>
-              <a:t> </a:t>
-            </a:r>
-            <a:r>
-              <a:rPr lang="en-US" sz="2400" dirty="0" err="1">
-                <a:latin typeface="Arial"/>
-                <a:ea typeface="Arial"/>
-                <a:cs typeface="Arial"/>
-                <a:sym typeface="Arial"/>
-              </a:rPr>
-              <a:t>diversitech</a:t>
-            </a:r>
-            <a:r>
-              <a:rPr lang="en-US" sz="2400" dirty="0">
-                <a:latin typeface="Arial"/>
-                <a:ea typeface="Arial"/>
-                <a:cs typeface="Arial"/>
-                <a:sym typeface="Arial"/>
-              </a:rPr>
-              <a:t> </a:t>
-            </a:r>
-            <a:r>
-              <a:rPr lang="iw-IL" sz="2400" dirty="0">
-                <a:latin typeface="Arial"/>
-                <a:ea typeface="Arial"/>
-                <a:cs typeface="Arial"/>
-                <a:sym typeface="Arial"/>
-              </a:rPr>
-              <a:t>טכנולוגיה</a:t>
-            </a:r>
-            <a:endParaRPr lang="iw-IL" sz="2400" b="0" i="0" u="none" strike="noStrike" cap="none" dirty="0">
-              <a:latin typeface="Arial"/>
-              <a:ea typeface="Arial"/>
-              <a:cs typeface="Arial"/>
-              <a:sym typeface="Arial"/>
-            </a:endParaRPr>
-          </a:p>
-          <a:p>
-            <a:pPr marL="0" marR="0" lvl="0" indent="0" algn="r" rtl="1">
-              <a:lnSpc>
-                <a:spcPct val="120000"/>
-              </a:lnSpc>
-              <a:spcBef>
-                <a:spcPts val="0"/>
-              </a:spcBef>
-              <a:spcAft>
-                <a:spcPts val="0"/>
-              </a:spcAft>
-              <a:buClr>
-                <a:srgbClr val="FFFFFF"/>
-              </a:buClr>
-              <a:buSzPts val="1600"/>
-              <a:buNone/>
-            </a:pPr>
-            <a:r>
-              <a:rPr lang="iw-IL" sz="2400" b="1" i="0" u="none" strike="noStrike" cap="none" dirty="0">
-                <a:latin typeface="Arial"/>
-                <a:ea typeface="Arial"/>
-                <a:cs typeface="Arial"/>
-                <a:sym typeface="Arial"/>
-              </a:rPr>
-              <a:t>שם הלקוח הסופי: </a:t>
-            </a:r>
-            <a:r>
-              <a:rPr lang="iw-IL" sz="2400" dirty="0">
-                <a:latin typeface="Arial"/>
-                <a:ea typeface="Arial"/>
-                <a:cs typeface="Arial"/>
-                <a:sym typeface="Arial"/>
-              </a:rPr>
-              <a:t>הסמינר הישן</a:t>
-            </a:r>
-          </a:p>
-          <a:p>
-            <a:pPr marL="0" marR="0" lvl="0" indent="0" algn="r" rtl="1">
-              <a:lnSpc>
-                <a:spcPct val="120000"/>
-              </a:lnSpc>
-              <a:spcBef>
-                <a:spcPts val="0"/>
-              </a:spcBef>
-              <a:spcAft>
-                <a:spcPts val="0"/>
-              </a:spcAft>
-              <a:buClr>
-                <a:srgbClr val="FFFFFF"/>
-              </a:buClr>
-              <a:buSzPts val="1600"/>
-              <a:buNone/>
-            </a:pPr>
-            <a:r>
-              <a:rPr lang="iw-IL" sz="2400" b="1" dirty="0">
-                <a:latin typeface="Arial"/>
-                <a:ea typeface="Arial"/>
-                <a:cs typeface="Arial"/>
-                <a:sym typeface="Arial"/>
-              </a:rPr>
-              <a:t>שם הפרויקט: הסמינר הישן</a:t>
-            </a:r>
-            <a:br>
-              <a:rPr lang="iw-IL" sz="3200" dirty="0"/>
-            </a:br>
-            <a:r>
-              <a:rPr lang="iw-IL" sz="2400" b="1" dirty="0">
-                <a:latin typeface="Arial"/>
-                <a:ea typeface="Arial"/>
-                <a:cs typeface="Arial"/>
-                <a:sym typeface="Arial"/>
-              </a:rPr>
-              <a:t>תיאור</a:t>
-            </a:r>
-            <a:r>
-              <a:rPr lang="iw-IL" sz="2400" b="1" i="0" u="none" strike="noStrike" cap="none" dirty="0">
-                <a:latin typeface="Arial"/>
-                <a:ea typeface="Arial"/>
-                <a:cs typeface="Arial"/>
-                <a:sym typeface="Arial"/>
-              </a:rPr>
-              <a:t> הפרויקט:</a:t>
-            </a:r>
-            <a:r>
-              <a:rPr lang="iw-IL" sz="2400" b="0" i="0" u="none" strike="noStrike" cap="none" dirty="0">
-                <a:latin typeface="Arial"/>
-                <a:ea typeface="Arial"/>
-                <a:cs typeface="Arial"/>
-                <a:sym typeface="Arial"/>
-              </a:rPr>
-              <a:t> </a:t>
-            </a:r>
-            <a:r>
-              <a:rPr lang="iw-IL" sz="2400" dirty="0">
-                <a:latin typeface="Arial"/>
-                <a:ea typeface="Arial"/>
-                <a:cs typeface="Arial"/>
-                <a:sym typeface="Arial"/>
-              </a:rPr>
-              <a:t>אתר לניהול האגף האדמיניסטרטיבי של המכון</a:t>
-            </a:r>
-            <a:endParaRPr lang="iw-IL" sz="2400" b="0" i="0" u="none" strike="noStrike" cap="none" dirty="0">
-              <a:latin typeface="Arial"/>
-              <a:ea typeface="Arial"/>
-              <a:cs typeface="Arial"/>
-              <a:sym typeface="Arial"/>
-            </a:endParaRPr>
-          </a:p>
-          <a:p>
-            <a:pPr marL="0" marR="0" lvl="0" indent="0" algn="r" rtl="1">
-              <a:lnSpc>
-                <a:spcPct val="120000"/>
-              </a:lnSpc>
-              <a:spcBef>
-                <a:spcPts val="0"/>
-              </a:spcBef>
-              <a:spcAft>
-                <a:spcPts val="0"/>
-              </a:spcAft>
-              <a:buClr>
-                <a:srgbClr val="FFFFFF"/>
-              </a:buClr>
-              <a:buSzPts val="1600"/>
-              <a:buNone/>
-            </a:pPr>
-            <a:r>
-              <a:rPr lang="iw-IL" sz="2400" b="1" i="0" u="none" strike="noStrike" cap="none" dirty="0">
-                <a:latin typeface="Arial"/>
-                <a:ea typeface="Arial"/>
-                <a:cs typeface="Arial"/>
-                <a:sym typeface="Arial"/>
-              </a:rPr>
-              <a:t>שם המנחה האישי:</a:t>
-            </a:r>
-            <a:r>
-              <a:rPr lang="iw-IL" sz="2400" b="0" i="0" u="none" strike="noStrike" cap="none" dirty="0">
-                <a:latin typeface="Arial"/>
-                <a:ea typeface="Arial"/>
-                <a:cs typeface="Arial"/>
-                <a:sym typeface="Arial"/>
-              </a:rPr>
-              <a:t> תהילה אשלג</a:t>
-            </a:r>
-            <a:endParaRPr lang="iw-IL" sz="3200" dirty="0"/>
-          </a:p>
-          <a:p>
-            <a:pPr marL="0" marR="0" lvl="0" indent="0" algn="r" rtl="1">
-              <a:lnSpc>
-                <a:spcPct val="120000"/>
-              </a:lnSpc>
-              <a:spcBef>
-                <a:spcPts val="0"/>
-              </a:spcBef>
-              <a:spcAft>
-                <a:spcPts val="0"/>
-              </a:spcAft>
-              <a:buClr>
-                <a:srgbClr val="FFFFFF"/>
-              </a:buClr>
-              <a:buSzPts val="1600"/>
-              <a:buNone/>
-            </a:pPr>
-            <a:r>
-              <a:rPr lang="iw-IL" sz="2400" b="1" i="0" u="none" strike="noStrike" cap="none" dirty="0">
-                <a:latin typeface="Arial"/>
-                <a:ea typeface="Arial"/>
-                <a:cs typeface="Arial"/>
-                <a:sym typeface="Arial"/>
-              </a:rPr>
-              <a:t>שם המנחה האקדמי: </a:t>
-            </a:r>
-            <a:r>
-              <a:rPr lang="iw-IL" sz="2400" i="0" u="none" strike="noStrike" cap="none" dirty="0">
-                <a:latin typeface="Arial"/>
-                <a:ea typeface="Arial"/>
-                <a:cs typeface="Arial"/>
-                <a:sym typeface="Arial"/>
-              </a:rPr>
-              <a:t>תהילה אשלג</a:t>
-            </a:r>
-            <a:br>
-              <a:rPr lang="iw-IL" sz="3200" dirty="0"/>
-            </a:br>
-            <a:r>
-              <a:rPr lang="iw-IL" sz="2400" b="1" i="0" u="none" strike="noStrike" cap="none" dirty="0">
-                <a:latin typeface="Arial"/>
-                <a:ea typeface="Arial"/>
-                <a:cs typeface="Arial"/>
-                <a:sym typeface="Arial"/>
-              </a:rPr>
-              <a:t>תאריך הגשה:</a:t>
-            </a:r>
-            <a:r>
-              <a:rPr lang="iw-IL" sz="2400" b="0" i="0" u="none" strike="noStrike" cap="none" dirty="0">
-                <a:latin typeface="Arial"/>
-                <a:ea typeface="Arial"/>
-                <a:cs typeface="Arial"/>
-                <a:sym typeface="Arial"/>
-              </a:rPr>
-              <a:t> </a:t>
-            </a:r>
-            <a:endParaRPr lang="iw-IL" sz="3200" dirty="0"/>
-          </a:p>
-          <a:p>
-            <a:endParaRPr lang="he-IL" sz="2400" dirty="0"/>
-          </a:p>
-        </p:txBody>
-      </p:sp>
-    </p:spTree>
-    <p:extLst>
-      <p:ext uri="{BB962C8B-B14F-4D97-AF65-F5344CB8AC3E}">
-        <p14:creationId xmlns:p14="http://schemas.microsoft.com/office/powerpoint/2010/main" val="1066157982"/>
-      </p:ext>
-    </p:extLst>
-  </p:cSld>
-  <p:clrMapOvr>
-    <a:masterClrMapping/>
-  </p:clrMapOvr>
-</p:sld>
-</file>
-
-<file path=ppt/slides/slide20.xml><?xml version="1.0" encoding="utf-8"?>
+<file path=ppt/slides/slide19.xml><?xml version="1.0" encoding="utf-8"?>
 <p:sld xmlns:a="http://schemas.openxmlformats.org/drawingml/2006/main" xmlns:r="http://schemas.openxmlformats.org/officeDocument/2006/relationships" xmlns:p="http://schemas.openxmlformats.org/presentationml/2006/main">
   <p:cSld>
     <p:spTree>
@@ -10757,14 +10840,14 @@
             <p:ph idx="1"/>
             <p:extLst>
               <p:ext uri="{D42A27DB-BD31-4B8C-83A1-F6EECF244321}">
-                <p14:modId xmlns:p14="http://schemas.microsoft.com/office/powerpoint/2010/main" val="3470282591"/>
+                <p14:modId xmlns:p14="http://schemas.microsoft.com/office/powerpoint/2010/main" val="3645172085"/>
               </p:ext>
             </p:extLst>
           </p:nvPr>
         </p:nvGraphicFramePr>
         <p:xfrm>
-          <a:off x="328248" y="1016159"/>
-          <a:ext cx="11085090" cy="4702716"/>
+          <a:off x="570143" y="539501"/>
+          <a:ext cx="11068402" cy="5778998"/>
         </p:xfrm>
         <a:graphic>
           <a:graphicData uri="http://schemas.openxmlformats.org/drawingml/2006/table">
@@ -10773,7 +10856,7 @@
                 <a:tableStyleId>{1FECB4D8-DB02-4DC6-A0A2-4F2EBAE1DC90}</a:tableStyleId>
               </a:tblPr>
               <a:tblGrid>
-                <a:gridCol w="410705">
+                <a:gridCol w="394017">
                   <a:extLst>
                     <a:ext uri="{9D8B030D-6E8A-4147-A177-3AD203B41FA5}">
                       <a16:colId xmlns:a16="http://schemas.microsoft.com/office/drawing/2014/main" val="2055060790"/>
@@ -10964,7 +11047,7 @@
                       <a:pPr rtl="1"/>
                       <a:r>
                         <a:rPr lang="he-IL" sz="2000" dirty="0"/>
-                        <a:t>6</a:t>
+                        <a:t>3</a:t>
                       </a:r>
                     </a:p>
                   </a:txBody>
@@ -10992,8 +11075,35 @@
                       <a:pPr rtl="1"/>
                       <a:r>
                         <a:rPr lang="en-US" sz="2000" dirty="0"/>
-                        <a:t>angular</a:t>
+                        <a:t>Angular</a:t>
                       </a:r>
+                    </a:p>
+                    <a:p>
+                      <a:pPr marL="0" marR="0" lvl="0" indent="0" algn="r" defTabSz="914400" rtl="1" eaLnBrk="1" fontAlgn="auto" latinLnBrk="0" hangingPunct="1">
+                        <a:lnSpc>
+                          <a:spcPct val="100000"/>
+                        </a:lnSpc>
+                        <a:spcBef>
+                          <a:spcPts val="0"/>
+                        </a:spcBef>
+                        <a:spcAft>
+                          <a:spcPts val="0"/>
+                        </a:spcAft>
+                        <a:buClrTx/>
+                        <a:buSzTx/>
+                        <a:buFontTx/>
+                        <a:buNone/>
+                        <a:tabLst/>
+                        <a:defRPr/>
+                      </a:pPr>
+                      <a:r>
+                        <a:rPr lang="en-US" sz="2000" dirty="0"/>
+                        <a:t> Spring Boot MS</a:t>
+                      </a:r>
+                      <a:endParaRPr lang="he-IL" sz="2000" dirty="0"/>
+                    </a:p>
+                    <a:p>
+                      <a:pPr rtl="1"/>
                       <a:endParaRPr lang="he-IL" sz="2000" dirty="0"/>
                     </a:p>
                   </a:txBody>
@@ -11008,6 +11118,14 @@
                       <a:r>
                         <a:rPr lang="en-US" sz="2000" dirty="0"/>
                         <a:t>TS</a:t>
+                      </a:r>
+                      <a:endParaRPr lang="he-IL" sz="2000" dirty="0"/>
+                    </a:p>
+                    <a:p>
+                      <a:pPr rtl="1"/>
+                      <a:r>
+                        <a:rPr lang="en-US" sz="2000" dirty="0"/>
+                        <a:t>Java</a:t>
                       </a:r>
                       <a:endParaRPr lang="he-IL" sz="2000" dirty="0"/>
                     </a:p>
@@ -11159,6 +11277,58 @@
                       </a:r>
                       <a:endParaRPr lang="en-US" sz="2000" dirty="0"/>
                     </a:p>
+                    <a:p>
+                      <a:pPr marL="0" marR="0" lvl="0" indent="0" algn="r" defTabSz="914400" rtl="1" eaLnBrk="1" fontAlgn="auto" latinLnBrk="0" hangingPunct="1">
+                        <a:lnSpc>
+                          <a:spcPct val="100000"/>
+                        </a:lnSpc>
+                        <a:spcBef>
+                          <a:spcPts val="0"/>
+                        </a:spcBef>
+                        <a:spcAft>
+                          <a:spcPts val="0"/>
+                        </a:spcAft>
+                        <a:buClrTx/>
+                        <a:buSzTx/>
+                        <a:buFont typeface="Arial" panose="020B0604020202020204" pitchFamily="34" charset="0"/>
+                        <a:buNone/>
+                        <a:tabLst/>
+                        <a:defRPr/>
+                      </a:pPr>
+                      <a:r>
+                        <a:rPr lang="he-IL" sz="2000" dirty="0"/>
+                        <a:t>כמו כן חיברתי את </a:t>
+                      </a:r>
+                      <a:r>
+                        <a:rPr lang="he-IL" sz="2000" dirty="0" err="1"/>
+                        <a:t>הקומפוננטה</a:t>
+                      </a:r>
+                      <a:r>
+                        <a:rPr lang="he-IL" sz="2000" dirty="0"/>
+                        <a:t> הנ"ל ל</a:t>
+                      </a:r>
+                      <a:r>
+                        <a:rPr lang="en-US" sz="2000" dirty="0"/>
+                        <a:t>student-service</a:t>
+                      </a:r>
+                      <a:r>
+                        <a:rPr lang="he-IL" sz="2000" dirty="0"/>
+                        <a:t>שמקבל מה</a:t>
+                      </a:r>
+                      <a:r>
+                        <a:rPr lang="en-US" sz="2000" dirty="0" err="1"/>
+                        <a:t>db</a:t>
+                      </a:r>
+                      <a:r>
+                        <a:rPr lang="en-US" sz="2000" dirty="0"/>
+                        <a:t>-connector</a:t>
+                      </a:r>
+                      <a:r>
+                        <a:rPr lang="he-IL" sz="2000" dirty="0"/>
+                        <a:t> רשימה של שיעורים לכל קורס, וכך הצגתי נתונים אמיתיים על הקורסים</a:t>
+                      </a:r>
+                      <a:endParaRPr lang="en-US" sz="2000" dirty="0"/>
+                    </a:p>
                   </a:txBody>
                   <a:tcPr marT="50292" marB="50292"/>
                 </a:tc>
@@ -11185,7 +11355,504 @@
 </p:sld>
 </file>
 
-<file path=ppt/slides/slide21.xml><?xml version="1.0" encoding="utf-8"?>
+<file path=ppt/slides/slide2.xml><?xml version="1.0" encoding="utf-8"?>
+<p:sld xmlns:a="http://schemas.openxmlformats.org/drawingml/2006/main" xmlns:r="http://schemas.openxmlformats.org/officeDocument/2006/relationships" xmlns:p="http://schemas.openxmlformats.org/presentationml/2006/main">
+  <p:cSld>
+    <p:spTree>
+      <p:nvGrpSpPr>
+        <p:cNvPr id="1" name=""/>
+        <p:cNvGrpSpPr/>
+        <p:nvPr/>
+      </p:nvGrpSpPr>
+      <p:grpSpPr>
+        <a:xfrm>
+          <a:off x="0" y="0"/>
+          <a:ext cx="0" cy="0"/>
+          <a:chOff x="0" y="0"/>
+          <a:chExt cx="0" cy="0"/>
+        </a:xfrm>
+      </p:grpSpPr>
+      <p:sp>
+        <p:nvSpPr>
+          <p:cNvPr id="2" name="כותרת 1">
+            <a:extLst>
+              <a:ext uri="{FF2B5EF4-FFF2-40B4-BE49-F238E27FC236}">
+                <a16:creationId xmlns:a16="http://schemas.microsoft.com/office/drawing/2014/main" id="{65E1D24E-AAD3-9588-86EE-AE0795E11E5F}"/>
+              </a:ext>
+            </a:extLst>
+          </p:cNvPr>
+          <p:cNvSpPr>
+            <a:spLocks noGrp="1"/>
+          </p:cNvSpPr>
+          <p:nvPr>
+            <p:ph type="title"/>
+          </p:nvPr>
+        </p:nvSpPr>
+        <p:spPr/>
+        <p:txBody>
+          <a:bodyPr/>
+          <a:lstStyle/>
+          <a:p>
+            <a:pPr algn="ctr"/>
+            <a:r>
+              <a:rPr lang="he-IL" dirty="0">
+                <a:solidFill>
+                  <a:schemeClr val="tx2">
+                    <a:lumMod val="60000"/>
+                    <a:lumOff val="40000"/>
+                  </a:schemeClr>
+                </a:solidFill>
+                <a:cs typeface="+mn-cs"/>
+              </a:rPr>
+              <a:t>סמינר הישן</a:t>
+            </a:r>
+          </a:p>
+        </p:txBody>
+      </p:sp>
+      <p:sp>
+        <p:nvSpPr>
+          <p:cNvPr id="3" name="מציין מיקום תוכן 2">
+            <a:extLst>
+              <a:ext uri="{FF2B5EF4-FFF2-40B4-BE49-F238E27FC236}">
+                <a16:creationId xmlns:a16="http://schemas.microsoft.com/office/drawing/2014/main" id="{BAD6C555-3907-D957-1935-9834CC03C744}"/>
+              </a:ext>
+            </a:extLst>
+          </p:cNvPr>
+          <p:cNvSpPr>
+            <a:spLocks noGrp="1"/>
+          </p:cNvSpPr>
+          <p:nvPr>
+            <p:ph idx="1"/>
+          </p:nvPr>
+        </p:nvSpPr>
+        <p:spPr/>
+        <p:txBody>
+          <a:bodyPr>
+            <a:normAutofit lnSpcReduction="10000"/>
+          </a:bodyPr>
+          <a:lstStyle/>
+          <a:p>
+            <a:pPr marL="0" marR="0" lvl="0" indent="0" algn="r" rtl="1">
+              <a:lnSpc>
+                <a:spcPct val="120000"/>
+              </a:lnSpc>
+              <a:spcBef>
+                <a:spcPts val="0"/>
+              </a:spcBef>
+              <a:spcAft>
+                <a:spcPts val="0"/>
+              </a:spcAft>
+              <a:buClr>
+                <a:srgbClr val="FFFFFF"/>
+              </a:buClr>
+              <a:buSzPts val="1600"/>
+              <a:buNone/>
+            </a:pPr>
+            <a:r>
+              <a:rPr lang="iw-IL" sz="2400" b="1" i="0" u="none" strike="noStrike" cap="none" dirty="0">
+                <a:latin typeface="Arial"/>
+                <a:ea typeface="Arial"/>
+                <a:cs typeface="Arial"/>
+                <a:sym typeface="Arial"/>
+              </a:rPr>
+              <a:t>שם המוסד החינוכי:</a:t>
+            </a:r>
+            <a:r>
+              <a:rPr lang="iw-IL" sz="2400" b="0" i="0" u="none" strike="noStrike" cap="none" dirty="0">
+                <a:latin typeface="Arial"/>
+                <a:ea typeface="Arial"/>
+                <a:cs typeface="Arial"/>
+                <a:sym typeface="Arial"/>
+              </a:rPr>
+              <a:t> </a:t>
+            </a:r>
+            <a:r>
+              <a:rPr lang="iw-IL" sz="2400" dirty="0">
+                <a:latin typeface="Arial"/>
+                <a:ea typeface="Arial"/>
+                <a:cs typeface="Arial"/>
+                <a:sym typeface="Arial"/>
+              </a:rPr>
+              <a:t>סמינר </a:t>
+            </a:r>
+            <a:r>
+              <a:rPr lang="he-IL" sz="2400" dirty="0">
+                <a:latin typeface="Arial"/>
+                <a:ea typeface="Arial"/>
+                <a:cs typeface="Arial"/>
+                <a:sym typeface="Arial"/>
+              </a:rPr>
+              <a:t>לדעת חכמה</a:t>
+            </a:r>
+            <a:endParaRPr lang="iw-IL" sz="3200" dirty="0"/>
+          </a:p>
+          <a:p>
+            <a:pPr marL="0" marR="0" lvl="0" indent="0" algn="r" rtl="1">
+              <a:lnSpc>
+                <a:spcPct val="120000"/>
+              </a:lnSpc>
+              <a:spcBef>
+                <a:spcPts val="0"/>
+              </a:spcBef>
+              <a:spcAft>
+                <a:spcPts val="0"/>
+              </a:spcAft>
+              <a:buClr>
+                <a:srgbClr val="FFFFFF"/>
+              </a:buClr>
+              <a:buSzPts val="1600"/>
+              <a:buNone/>
+            </a:pPr>
+            <a:r>
+              <a:rPr lang="iw-IL" sz="2400" b="1" i="0" u="none" strike="noStrike" cap="none" dirty="0">
+                <a:latin typeface="Arial"/>
+                <a:ea typeface="Arial"/>
+                <a:cs typeface="Arial"/>
+                <a:sym typeface="Arial"/>
+              </a:rPr>
+              <a:t>שם הסטודנט</a:t>
+            </a:r>
+            <a:r>
+              <a:rPr lang="iw-IL" sz="2400" b="1" dirty="0">
+                <a:latin typeface="Arial"/>
+                <a:ea typeface="Arial"/>
+                <a:cs typeface="Arial"/>
+                <a:sym typeface="Arial"/>
+              </a:rPr>
+              <a:t>: </a:t>
+            </a:r>
+            <a:r>
+              <a:rPr lang="he-IL" sz="2400" dirty="0">
+                <a:latin typeface="Arial"/>
+                <a:ea typeface="Arial"/>
+                <a:cs typeface="Arial"/>
+                <a:sym typeface="Arial"/>
+              </a:rPr>
+              <a:t>נעמה גרשוני</a:t>
+            </a:r>
+            <a:endParaRPr lang="iw-IL" sz="3200" dirty="0"/>
+          </a:p>
+          <a:p>
+            <a:pPr marL="0" marR="0" lvl="0" indent="0" algn="r" rtl="1">
+              <a:lnSpc>
+                <a:spcPct val="120000"/>
+              </a:lnSpc>
+              <a:spcBef>
+                <a:spcPts val="0"/>
+              </a:spcBef>
+              <a:spcAft>
+                <a:spcPts val="0"/>
+              </a:spcAft>
+              <a:buClr>
+                <a:srgbClr val="FFFFFF"/>
+              </a:buClr>
+              <a:buSzPts val="1600"/>
+              <a:buNone/>
+            </a:pPr>
+            <a:r>
+              <a:rPr lang="iw-IL" sz="2400" b="1" i="0" u="none" strike="noStrike" cap="none" dirty="0">
+                <a:latin typeface="Arial"/>
+                <a:ea typeface="Arial"/>
+                <a:cs typeface="Arial"/>
+                <a:sym typeface="Arial"/>
+              </a:rPr>
+              <a:t>שם החברה המארחת:</a:t>
+            </a:r>
+            <a:r>
+              <a:rPr lang="iw-IL" sz="2400" b="0" i="0" u="none" strike="noStrike" cap="none" dirty="0">
+                <a:latin typeface="Arial"/>
+                <a:ea typeface="Arial"/>
+                <a:cs typeface="Arial"/>
+                <a:sym typeface="Arial"/>
+              </a:rPr>
+              <a:t> </a:t>
+            </a:r>
+            <a:r>
+              <a:rPr lang="en-US" sz="2400" dirty="0" err="1">
+                <a:latin typeface="Arial"/>
+                <a:ea typeface="Arial"/>
+                <a:cs typeface="Arial"/>
+                <a:sym typeface="Arial"/>
+              </a:rPr>
+              <a:t>diversitech</a:t>
+            </a:r>
+            <a:r>
+              <a:rPr lang="en-US" sz="2400" dirty="0">
+                <a:latin typeface="Arial"/>
+                <a:ea typeface="Arial"/>
+                <a:cs typeface="Arial"/>
+                <a:sym typeface="Arial"/>
+              </a:rPr>
+              <a:t> </a:t>
+            </a:r>
+            <a:r>
+              <a:rPr lang="iw-IL" sz="2400" dirty="0">
+                <a:latin typeface="Arial"/>
+                <a:ea typeface="Arial"/>
+                <a:cs typeface="Arial"/>
+                <a:sym typeface="Arial"/>
+              </a:rPr>
+              <a:t>טכנולוגיה</a:t>
+            </a:r>
+            <a:endParaRPr lang="iw-IL" sz="2400" b="0" i="0" u="none" strike="noStrike" cap="none" dirty="0">
+              <a:latin typeface="Arial"/>
+              <a:ea typeface="Arial"/>
+              <a:cs typeface="Arial"/>
+              <a:sym typeface="Arial"/>
+            </a:endParaRPr>
+          </a:p>
+          <a:p>
+            <a:pPr marL="0" marR="0" lvl="0" indent="0" algn="r" rtl="1">
+              <a:lnSpc>
+                <a:spcPct val="120000"/>
+              </a:lnSpc>
+              <a:spcBef>
+                <a:spcPts val="0"/>
+              </a:spcBef>
+              <a:spcAft>
+                <a:spcPts val="0"/>
+              </a:spcAft>
+              <a:buClr>
+                <a:srgbClr val="FFFFFF"/>
+              </a:buClr>
+              <a:buSzPts val="1600"/>
+              <a:buNone/>
+            </a:pPr>
+            <a:r>
+              <a:rPr lang="iw-IL" sz="2400" b="1" i="0" u="none" strike="noStrike" cap="none" dirty="0">
+                <a:latin typeface="Arial"/>
+                <a:ea typeface="Arial"/>
+                <a:cs typeface="Arial"/>
+                <a:sym typeface="Arial"/>
+              </a:rPr>
+              <a:t>שם הלקוח הסופי: </a:t>
+            </a:r>
+            <a:r>
+              <a:rPr lang="iw-IL" sz="2400" dirty="0">
+                <a:latin typeface="Arial"/>
+                <a:ea typeface="Arial"/>
+                <a:cs typeface="Arial"/>
+                <a:sym typeface="Arial"/>
+              </a:rPr>
+              <a:t>הסמינר הישן</a:t>
+            </a:r>
+          </a:p>
+          <a:p>
+            <a:pPr marL="0" marR="0" lvl="0" indent="0" algn="r" rtl="1">
+              <a:lnSpc>
+                <a:spcPct val="120000"/>
+              </a:lnSpc>
+              <a:spcBef>
+                <a:spcPts val="0"/>
+              </a:spcBef>
+              <a:spcAft>
+                <a:spcPts val="0"/>
+              </a:spcAft>
+              <a:buClr>
+                <a:srgbClr val="FFFFFF"/>
+              </a:buClr>
+              <a:buSzPts val="1600"/>
+              <a:buNone/>
+            </a:pPr>
+            <a:r>
+              <a:rPr lang="iw-IL" sz="2400" b="1" dirty="0">
+                <a:latin typeface="Arial"/>
+                <a:ea typeface="Arial"/>
+                <a:cs typeface="Arial"/>
+                <a:sym typeface="Arial"/>
+              </a:rPr>
+              <a:t>שם הפרויקט: סמינר הישן</a:t>
+            </a:r>
+            <a:br>
+              <a:rPr lang="iw-IL" sz="3200" dirty="0"/>
+            </a:br>
+            <a:r>
+              <a:rPr lang="iw-IL" sz="2400" b="1" dirty="0">
+                <a:latin typeface="Arial"/>
+                <a:ea typeface="Arial"/>
+                <a:cs typeface="Arial"/>
+                <a:sym typeface="Arial"/>
+              </a:rPr>
+              <a:t>תיאור</a:t>
+            </a:r>
+            <a:r>
+              <a:rPr lang="iw-IL" sz="2400" b="1" i="0" u="none" strike="noStrike" cap="none" dirty="0">
+                <a:latin typeface="Arial"/>
+                <a:ea typeface="Arial"/>
+                <a:cs typeface="Arial"/>
+                <a:sym typeface="Arial"/>
+              </a:rPr>
+              <a:t> הפרויקט:</a:t>
+            </a:r>
+            <a:r>
+              <a:rPr lang="iw-IL" sz="2400" b="0" i="0" u="none" strike="noStrike" cap="none" dirty="0">
+                <a:latin typeface="Arial"/>
+                <a:ea typeface="Arial"/>
+                <a:cs typeface="Arial"/>
+                <a:sym typeface="Arial"/>
+              </a:rPr>
+              <a:t> </a:t>
+            </a:r>
+            <a:r>
+              <a:rPr lang="iw-IL" sz="2400" dirty="0">
+                <a:latin typeface="Arial"/>
+                <a:ea typeface="Arial"/>
+                <a:cs typeface="Arial"/>
+                <a:sym typeface="Arial"/>
+              </a:rPr>
+              <a:t>אתר לניהול האגף האדמיניסטרטיבי של המכון</a:t>
+            </a:r>
+            <a:endParaRPr lang="iw-IL" sz="2400" b="0" i="0" u="none" strike="noStrike" cap="none" dirty="0">
+              <a:latin typeface="Arial"/>
+              <a:ea typeface="Arial"/>
+              <a:cs typeface="Arial"/>
+              <a:sym typeface="Arial"/>
+            </a:endParaRPr>
+          </a:p>
+          <a:p>
+            <a:pPr marL="0" marR="0" lvl="0" indent="0" algn="r" rtl="1">
+              <a:lnSpc>
+                <a:spcPct val="120000"/>
+              </a:lnSpc>
+              <a:spcBef>
+                <a:spcPts val="0"/>
+              </a:spcBef>
+              <a:spcAft>
+                <a:spcPts val="0"/>
+              </a:spcAft>
+              <a:buClr>
+                <a:srgbClr val="FFFFFF"/>
+              </a:buClr>
+              <a:buSzPts val="1600"/>
+              <a:buNone/>
+            </a:pPr>
+            <a:r>
+              <a:rPr lang="iw-IL" sz="2400" b="1" i="0" u="none" strike="noStrike" cap="none" dirty="0">
+                <a:latin typeface="Arial"/>
+                <a:ea typeface="Arial"/>
+                <a:cs typeface="Arial"/>
+                <a:sym typeface="Arial"/>
+              </a:rPr>
+              <a:t>שם המנחה האישי:</a:t>
+            </a:r>
+            <a:r>
+              <a:rPr lang="iw-IL" sz="2400" b="0" i="0" u="none" strike="noStrike" cap="none" dirty="0">
+                <a:latin typeface="Arial"/>
+                <a:ea typeface="Arial"/>
+                <a:cs typeface="Arial"/>
+                <a:sym typeface="Arial"/>
+              </a:rPr>
+              <a:t> תהילה אשלג</a:t>
+            </a:r>
+            <a:endParaRPr lang="iw-IL" sz="3200" dirty="0"/>
+          </a:p>
+          <a:p>
+            <a:pPr marL="0" marR="0" lvl="0" indent="0" algn="r" rtl="1">
+              <a:lnSpc>
+                <a:spcPct val="120000"/>
+              </a:lnSpc>
+              <a:spcBef>
+                <a:spcPts val="0"/>
+              </a:spcBef>
+              <a:spcAft>
+                <a:spcPts val="0"/>
+              </a:spcAft>
+              <a:buClr>
+                <a:srgbClr val="FFFFFF"/>
+              </a:buClr>
+              <a:buSzPts val="1600"/>
+              <a:buNone/>
+            </a:pPr>
+            <a:r>
+              <a:rPr lang="iw-IL" sz="2400" b="1" i="0" u="none" strike="noStrike" cap="none" dirty="0">
+                <a:latin typeface="Arial"/>
+                <a:ea typeface="Arial"/>
+                <a:cs typeface="Arial"/>
+                <a:sym typeface="Arial"/>
+              </a:rPr>
+              <a:t>שם המנחה האקדמי: </a:t>
+            </a:r>
+            <a:r>
+              <a:rPr lang="iw-IL" sz="2400" i="0" u="none" strike="noStrike" cap="none" dirty="0">
+                <a:latin typeface="Arial"/>
+                <a:ea typeface="Arial"/>
+                <a:cs typeface="Arial"/>
+                <a:sym typeface="Arial"/>
+              </a:rPr>
+              <a:t>תהילה אשלג</a:t>
+            </a:r>
+            <a:br>
+              <a:rPr lang="iw-IL" sz="3200" dirty="0"/>
+            </a:br>
+            <a:r>
+              <a:rPr lang="iw-IL" sz="2400" b="1" i="0" u="none" strike="noStrike" cap="none" dirty="0">
+                <a:latin typeface="Arial"/>
+                <a:ea typeface="Arial"/>
+                <a:cs typeface="Arial"/>
+                <a:sym typeface="Arial"/>
+              </a:rPr>
+              <a:t>תאריך הגשה:</a:t>
+            </a:r>
+            <a:r>
+              <a:rPr lang="iw-IL" sz="2400" b="0" i="0" u="none" strike="noStrike" cap="none" dirty="0">
+                <a:latin typeface="Arial"/>
+                <a:ea typeface="Arial"/>
+                <a:cs typeface="Arial"/>
+                <a:sym typeface="Arial"/>
+              </a:rPr>
+              <a:t> </a:t>
+            </a:r>
+            <a:endParaRPr lang="iw-IL" sz="3200" dirty="0"/>
+          </a:p>
+          <a:p>
+            <a:endParaRPr lang="he-IL" sz="2400" dirty="0"/>
+          </a:p>
+        </p:txBody>
+      </p:sp>
+      <p:pic>
+        <p:nvPicPr>
+          <p:cNvPr id="5" name="תמונה 4">
+            <a:extLst>
+              <a:ext uri="{FF2B5EF4-FFF2-40B4-BE49-F238E27FC236}">
+                <a16:creationId xmlns:a16="http://schemas.microsoft.com/office/drawing/2014/main" id="{A354B769-033F-EC85-58C3-2A8F1CAD231F}"/>
+              </a:ext>
+            </a:extLst>
+          </p:cNvPr>
+          <p:cNvPicPr>
+            <a:picLocks noChangeAspect="1"/>
+          </p:cNvPicPr>
+          <p:nvPr/>
+        </p:nvPicPr>
+        <p:blipFill>
+          <a:blip r:embed="rId2"/>
+          <a:stretch>
+            <a:fillRect/>
+          </a:stretch>
+        </p:blipFill>
+        <p:spPr>
+          <a:xfrm>
+            <a:off x="0" y="4435522"/>
+            <a:ext cx="2490877" cy="2422478"/>
+          </a:xfrm>
+          <a:prstGeom prst="rect">
+            <a:avLst/>
+          </a:prstGeom>
+        </p:spPr>
+      </p:pic>
+    </p:spTree>
+    <p:extLst>
+      <p:ext uri="{BB962C8B-B14F-4D97-AF65-F5344CB8AC3E}">
+        <p14:creationId xmlns:p14="http://schemas.microsoft.com/office/powerpoint/2010/main" val="1066157982"/>
+      </p:ext>
+    </p:extLst>
+  </p:cSld>
+  <p:clrMapOvr>
+    <a:masterClrMapping/>
+  </p:clrMapOvr>
+</p:sld>
+</file>
+
+<file path=ppt/slides/slide20.xml><?xml version="1.0" encoding="utf-8"?>
 <p:sld xmlns:a="http://schemas.openxmlformats.org/drawingml/2006/main" xmlns:r="http://schemas.openxmlformats.org/officeDocument/2006/relationships" xmlns:p="http://schemas.openxmlformats.org/presentationml/2006/main">
   <p:cSld>
     <p:spTree>
@@ -11204,10 +11871,10 @@
       </p:grpSpPr>
       <p:pic>
         <p:nvPicPr>
-          <p:cNvPr id="6" name="תמונה 5">
+          <p:cNvPr id="5" name="תמונה 4">
             <a:extLst>
               <a:ext uri="{FF2B5EF4-FFF2-40B4-BE49-F238E27FC236}">
-                <a16:creationId xmlns:a16="http://schemas.microsoft.com/office/drawing/2014/main" id="{1ABFED5A-4F53-8498-C92B-AF3FFF5D1B85}"/>
+                <a16:creationId xmlns:a16="http://schemas.microsoft.com/office/drawing/2014/main" id="{5FA09F0E-0166-0491-CD18-4467A4E5515B}"/>
               </a:ext>
             </a:extLst>
           </p:cNvPr>
@@ -11224,8 +11891,38 @@
         </p:blipFill>
         <p:spPr>
           <a:xfrm>
-            <a:off x="5778500" y="1137474"/>
-            <a:ext cx="6222999" cy="2137671"/>
+            <a:off x="1332264" y="3550209"/>
+            <a:ext cx="4529996" cy="1761238"/>
+          </a:xfrm>
+          <a:prstGeom prst="rect">
+            <a:avLst/>
+          </a:prstGeom>
+        </p:spPr>
+      </p:pic>
+      <p:pic>
+        <p:nvPicPr>
+          <p:cNvPr id="2" name="תמונה 1">
+            <a:extLst>
+              <a:ext uri="{FF2B5EF4-FFF2-40B4-BE49-F238E27FC236}">
+                <a16:creationId xmlns:a16="http://schemas.microsoft.com/office/drawing/2014/main" id="{10EAC641-E32E-C6B6-B5D6-81885A38E606}"/>
+              </a:ext>
+            </a:extLst>
+          </p:cNvPr>
+          <p:cNvPicPr>
+            <a:picLocks noChangeAspect="1"/>
+          </p:cNvPicPr>
+          <p:nvPr/>
+        </p:nvPicPr>
+        <p:blipFill>
+          <a:blip r:embed="rId3"/>
+          <a:stretch>
+            <a:fillRect/>
+          </a:stretch>
+        </p:blipFill>
+        <p:spPr>
+          <a:xfrm>
+            <a:off x="6489699" y="610846"/>
+            <a:ext cx="5511800" cy="2818154"/>
           </a:xfrm>
           <a:prstGeom prst="rect">
             <a:avLst/>
@@ -11246,7 +11943,7 @@
         </p:nvSpPr>
         <p:spPr>
           <a:xfrm>
-            <a:off x="6134099" y="599971"/>
+            <a:off x="6136153" y="275886"/>
             <a:ext cx="5511800" cy="369332"/>
           </a:xfrm>
           <a:prstGeom prst="rect">
@@ -11283,7 +11980,7 @@
           <p:nvPr/>
         </p:nvPicPr>
         <p:blipFill>
-          <a:blip r:embed="rId3"/>
+          <a:blip r:embed="rId4"/>
           <a:stretch>
             <a:fillRect/>
           </a:stretch>
@@ -11313,9 +12010,9 @@
           <p:nvPr/>
         </p:nvCxnSpPr>
         <p:spPr>
-          <a:xfrm flipH="1">
-            <a:off x="7937500" y="2206309"/>
-            <a:ext cx="190500" cy="1376547"/>
+          <a:xfrm>
+            <a:off x="7118732" y="2743038"/>
+            <a:ext cx="223593" cy="779451"/>
           </a:xfrm>
           <a:prstGeom prst="straightConnector1">
             <a:avLst/>
@@ -11375,36 +12072,6 @@
           </a:p>
         </p:txBody>
       </p:sp>
-      <p:pic>
-        <p:nvPicPr>
-          <p:cNvPr id="15" name="תמונה 14">
-            <a:extLst>
-              <a:ext uri="{FF2B5EF4-FFF2-40B4-BE49-F238E27FC236}">
-                <a16:creationId xmlns:a16="http://schemas.microsoft.com/office/drawing/2014/main" id="{DE780CB6-F46A-E6B1-42F2-4CC94283C4F9}"/>
-              </a:ext>
-            </a:extLst>
-          </p:cNvPr>
-          <p:cNvPicPr>
-            <a:picLocks noChangeAspect="1"/>
-          </p:cNvPicPr>
-          <p:nvPr/>
-        </p:nvPicPr>
-        <p:blipFill>
-          <a:blip r:embed="rId4"/>
-          <a:stretch>
-            <a:fillRect/>
-          </a:stretch>
-        </p:blipFill>
-        <p:spPr>
-          <a:xfrm>
-            <a:off x="765299" y="3594838"/>
-            <a:ext cx="3475236" cy="2507902"/>
-          </a:xfrm>
-          <a:prstGeom prst="rect">
-            <a:avLst/>
-          </a:prstGeom>
-        </p:spPr>
-      </p:pic>
       <p:cxnSp>
         <p:nvCxnSpPr>
           <p:cNvPr id="16" name="מחבר חץ ישר 15">
@@ -11421,8 +12088,8 @@
         </p:nvCxnSpPr>
         <p:spPr>
           <a:xfrm flipH="1">
-            <a:off x="4463418" y="2291597"/>
-            <a:ext cx="2648582" cy="1797803"/>
+            <a:off x="4463418" y="2743038"/>
+            <a:ext cx="3059653" cy="1346362"/>
           </a:xfrm>
           <a:prstGeom prst="straightConnector1">
             <a:avLst/>
@@ -11492,7 +12159,7 @@
         </p:nvCxnSpPr>
         <p:spPr>
           <a:xfrm flipH="1">
-            <a:off x="4984662" y="1673132"/>
+            <a:off x="5227752" y="1991255"/>
             <a:ext cx="1324291" cy="191323"/>
           </a:xfrm>
           <a:prstGeom prst="straightConnector1">
@@ -11521,6 +12188,244 @@
     <p:extLst>
       <p:ext uri="{BB962C8B-B14F-4D97-AF65-F5344CB8AC3E}">
         <p14:creationId xmlns:p14="http://schemas.microsoft.com/office/powerpoint/2010/main" val="318811729"/>
+      </p:ext>
+    </p:extLst>
+  </p:cSld>
+  <p:clrMapOvr>
+    <a:masterClrMapping/>
+  </p:clrMapOvr>
+</p:sld>
+</file>
+
+<file path=ppt/slides/slide21.xml><?xml version="1.0" encoding="utf-8"?>
+<p:sld xmlns:a="http://schemas.openxmlformats.org/drawingml/2006/main" xmlns:r="http://schemas.openxmlformats.org/officeDocument/2006/relationships" xmlns:p="http://schemas.openxmlformats.org/presentationml/2006/main">
+  <p:cSld>
+    <p:spTree>
+      <p:nvGrpSpPr>
+        <p:cNvPr id="1" name=""/>
+        <p:cNvGrpSpPr/>
+        <p:nvPr/>
+      </p:nvGrpSpPr>
+      <p:grpSpPr>
+        <a:xfrm>
+          <a:off x="0" y="0"/>
+          <a:ext cx="0" cy="0"/>
+          <a:chOff x="0" y="0"/>
+          <a:chExt cx="0" cy="0"/>
+        </a:xfrm>
+      </p:grpSpPr>
+      <p:pic>
+        <p:nvPicPr>
+          <p:cNvPr id="4" name="תמונה 3">
+            <a:extLst>
+              <a:ext uri="{FF2B5EF4-FFF2-40B4-BE49-F238E27FC236}">
+                <a16:creationId xmlns:a16="http://schemas.microsoft.com/office/drawing/2014/main" id="{B029A12C-25F4-EB02-F6D6-A6AEF401B39E}"/>
+              </a:ext>
+            </a:extLst>
+          </p:cNvPr>
+          <p:cNvPicPr>
+            <a:picLocks noChangeAspect="1"/>
+          </p:cNvPicPr>
+          <p:nvPr/>
+        </p:nvPicPr>
+        <p:blipFill>
+          <a:blip r:embed="rId2"/>
+          <a:stretch>
+            <a:fillRect/>
+          </a:stretch>
+        </p:blipFill>
+        <p:spPr>
+          <a:xfrm>
+            <a:off x="6534859" y="3684764"/>
+            <a:ext cx="5543022" cy="1721945"/>
+          </a:xfrm>
+          <a:prstGeom prst="rect">
+            <a:avLst/>
+          </a:prstGeom>
+        </p:spPr>
+      </p:pic>
+      <p:pic>
+        <p:nvPicPr>
+          <p:cNvPr id="6" name="תמונה 5">
+            <a:extLst>
+              <a:ext uri="{FF2B5EF4-FFF2-40B4-BE49-F238E27FC236}">
+                <a16:creationId xmlns:a16="http://schemas.microsoft.com/office/drawing/2014/main" id="{6E8DE990-6522-1D04-AEC4-94EAF3920788}"/>
+              </a:ext>
+            </a:extLst>
+          </p:cNvPr>
+          <p:cNvPicPr>
+            <a:picLocks noChangeAspect="1"/>
+          </p:cNvPicPr>
+          <p:nvPr/>
+        </p:nvPicPr>
+        <p:blipFill>
+          <a:blip r:embed="rId3"/>
+          <a:stretch>
+            <a:fillRect/>
+          </a:stretch>
+        </p:blipFill>
+        <p:spPr>
+          <a:xfrm>
+            <a:off x="6515780" y="1562100"/>
+            <a:ext cx="5562101" cy="2060307"/>
+          </a:xfrm>
+          <a:prstGeom prst="rect">
+            <a:avLst/>
+          </a:prstGeom>
+        </p:spPr>
+      </p:pic>
+      <p:sp>
+        <p:nvSpPr>
+          <p:cNvPr id="7" name="תיבת טקסט 6">
+            <a:extLst>
+              <a:ext uri="{FF2B5EF4-FFF2-40B4-BE49-F238E27FC236}">
+                <a16:creationId xmlns:a16="http://schemas.microsoft.com/office/drawing/2014/main" id="{E6018B2B-69B2-7AEF-8BCE-F4C6B10CB587}"/>
+              </a:ext>
+            </a:extLst>
+          </p:cNvPr>
+          <p:cNvSpPr txBox="1"/>
+          <p:nvPr/>
+        </p:nvSpPr>
+        <p:spPr>
+          <a:xfrm>
+            <a:off x="7048500" y="53594"/>
+            <a:ext cx="4940300" cy="1477328"/>
+          </a:xfrm>
+          <a:prstGeom prst="rect">
+            <a:avLst/>
+          </a:prstGeom>
+          <a:noFill/>
+        </p:spPr>
+        <p:txBody>
+          <a:bodyPr wrap="square" rtlCol="1">
+            <a:spAutoFit/>
+          </a:bodyPr>
+          <a:lstStyle/>
+          <a:p>
+            <a:pPr algn="r"/>
+            <a:r>
+              <a:rPr lang="he-IL" dirty="0"/>
+              <a:t>הבדלתי בין שיעורים שהיו בעבר שלהם </a:t>
+            </a:r>
+            <a:r>
+              <a:rPr lang="he-IL" dirty="0" err="1"/>
+              <a:t>פונציות</a:t>
+            </a:r>
+            <a:r>
+              <a:rPr lang="he-IL" dirty="0"/>
+              <a:t> שונות משיעורים שעתידיים </a:t>
+            </a:r>
+            <a:r>
+              <a:rPr lang="he-IL" dirty="0" err="1"/>
+              <a:t>ליהיות</a:t>
+            </a:r>
+            <a:r>
+              <a:rPr lang="he-IL" dirty="0"/>
+              <a:t>. וסיננתי את התוצאה שהגיעה </a:t>
+            </a:r>
+            <a:r>
+              <a:rPr lang="he-IL" dirty="0" err="1"/>
+              <a:t>בהשרת</a:t>
+            </a:r>
+            <a:r>
+              <a:rPr lang="he-IL" dirty="0"/>
+              <a:t> בהתאם לדרישה </a:t>
+            </a:r>
+          </a:p>
+          <a:p>
+            <a:pPr algn="r"/>
+            <a:r>
+              <a:rPr lang="he-IL" dirty="0"/>
+              <a:t>כשעמוד זה עולה ברירת המחדל היא "כל השיעורים" כלומר מוצגים כל השיעורים ללא סינון.</a:t>
+            </a:r>
+          </a:p>
+        </p:txBody>
+      </p:sp>
+      <p:pic>
+        <p:nvPicPr>
+          <p:cNvPr id="8" name="תמונה 7">
+            <a:extLst>
+              <a:ext uri="{FF2B5EF4-FFF2-40B4-BE49-F238E27FC236}">
+                <a16:creationId xmlns:a16="http://schemas.microsoft.com/office/drawing/2014/main" id="{17A25815-C672-5EA5-06AD-D0AF9C4A3F2D}"/>
+              </a:ext>
+            </a:extLst>
+          </p:cNvPr>
+          <p:cNvPicPr>
+            <a:picLocks noChangeAspect="1"/>
+          </p:cNvPicPr>
+          <p:nvPr/>
+        </p:nvPicPr>
+        <p:blipFill>
+          <a:blip r:embed="rId4"/>
+          <a:stretch>
+            <a:fillRect/>
+          </a:stretch>
+        </p:blipFill>
+        <p:spPr>
+          <a:xfrm>
+            <a:off x="612067" y="1562100"/>
+            <a:ext cx="5045075" cy="4478791"/>
+          </a:xfrm>
+          <a:prstGeom prst="rect">
+            <a:avLst/>
+          </a:prstGeom>
+        </p:spPr>
+      </p:pic>
+      <p:sp>
+        <p:nvSpPr>
+          <p:cNvPr id="9" name="תיבת טקסט 8">
+            <a:extLst>
+              <a:ext uri="{FF2B5EF4-FFF2-40B4-BE49-F238E27FC236}">
+                <a16:creationId xmlns:a16="http://schemas.microsoft.com/office/drawing/2014/main" id="{7B9161B5-8045-F2E5-8018-9431E8228736}"/>
+              </a:ext>
+            </a:extLst>
+          </p:cNvPr>
+          <p:cNvSpPr txBox="1"/>
+          <p:nvPr/>
+        </p:nvSpPr>
+        <p:spPr>
+          <a:xfrm>
+            <a:off x="612067" y="355444"/>
+            <a:ext cx="4940300" cy="923330"/>
+          </a:xfrm>
+          <a:prstGeom prst="rect">
+            <a:avLst/>
+          </a:prstGeom>
+          <a:noFill/>
+        </p:spPr>
+        <p:txBody>
+          <a:bodyPr wrap="square" rtlCol="1">
+            <a:spAutoFit/>
+          </a:bodyPr>
+          <a:lstStyle/>
+          <a:p>
+            <a:pPr algn="r"/>
+            <a:r>
+              <a:rPr lang="he-IL" dirty="0"/>
+              <a:t>בקוד זה כתבתי את הפונקציות שמבצעות זאת.</a:t>
+            </a:r>
+          </a:p>
+          <a:p>
+            <a:pPr algn="r"/>
+            <a:r>
+              <a:rPr lang="he-IL" dirty="0"/>
+              <a:t>כלומר בודקת ומסננת את השיעורים בהתאם לתאריך ובכך יודעים אם השיעור היה או עתיד </a:t>
+            </a:r>
+            <a:r>
+              <a:rPr lang="he-IL" dirty="0" err="1"/>
+              <a:t>ליהיות</a:t>
+            </a:r>
+            <a:r>
+              <a:rPr lang="he-IL" dirty="0"/>
+              <a:t>.</a:t>
+            </a:r>
+          </a:p>
+        </p:txBody>
+      </p:sp>
+    </p:spTree>
+    <p:extLst>
+      <p:ext uri="{BB962C8B-B14F-4D97-AF65-F5344CB8AC3E}">
+        <p14:creationId xmlns:p14="http://schemas.microsoft.com/office/powerpoint/2010/main" val="4016762490"/>
       </p:ext>
     </p:extLst>
   </p:cSld>
@@ -12717,7 +13622,7 @@
             <p:ph idx="1"/>
             <p:extLst>
               <p:ext uri="{D42A27DB-BD31-4B8C-83A1-F6EECF244321}">
-                <p14:modId xmlns:p14="http://schemas.microsoft.com/office/powerpoint/2010/main" val="206795765"/>
+                <p14:modId xmlns:p14="http://schemas.microsoft.com/office/powerpoint/2010/main" val="2360877256"/>
               </p:ext>
             </p:extLst>
           </p:nvPr>
@@ -12924,7 +13829,7 @@
                       <a:pPr rtl="1"/>
                       <a:r>
                         <a:rPr lang="he-IL" sz="2000" dirty="0"/>
-                        <a:t>6</a:t>
+                        <a:t>4</a:t>
                       </a:r>
                     </a:p>
                   </a:txBody>
@@ -13394,8 +14299,8 @@
         </p:nvSpPr>
         <p:spPr>
           <a:xfrm>
-            <a:off x="9086850" y="5386169"/>
-            <a:ext cx="3105150" cy="646331"/>
+            <a:off x="8985250" y="4813895"/>
+            <a:ext cx="3105150" cy="923330"/>
           </a:xfrm>
           <a:prstGeom prst="rect">
             <a:avLst/>
@@ -13411,16 +14316,17 @@
             <a:pPr algn="r"/>
             <a:r>
               <a:rPr lang="he-IL" dirty="0"/>
-              <a:t>כאן התבצעה שליפה של תלמיד אחד לפי </a:t>
-            </a:r>
+              <a:t>כאן התבצעה שליפה של תלמיד   מסוים לפי </a:t>
+            </a:r>
+            <a:endParaRPr lang="en-US" dirty="0"/>
+          </a:p>
+          <a:p>
+            <a:pPr algn="r"/>
             <a:r>
               <a:rPr lang="en-US" dirty="0"/>
               <a:t>ID</a:t>
             </a:r>
-            <a:r>
-              <a:rPr lang="he-IL" dirty="0"/>
-              <a:t> מסוים</a:t>
-            </a:r>
+            <a:endParaRPr lang="he-IL" dirty="0"/>
           </a:p>
         </p:txBody>
       </p:sp>
@@ -13474,8 +14380,8 @@
         </p:nvSpPr>
         <p:spPr>
           <a:xfrm>
-            <a:off x="2114550" y="226536"/>
-            <a:ext cx="4191000" cy="1477328"/>
+            <a:off x="1018111" y="226536"/>
+            <a:ext cx="5287439" cy="1200329"/>
           </a:xfrm>
           <a:prstGeom prst="rect">
             <a:avLst/>
@@ -13499,7 +14405,7 @@
             </a:r>
             <a:r>
               <a:rPr lang="he-IL" dirty="0"/>
-              <a:t> לסרוויס, מהסרוויס ניגש ל- </a:t>
+              <a:t> לסרוויס, הסרוויס ניגש ל- </a:t>
             </a:r>
             <a:r>
               <a:rPr lang="en-US" dirty="0" err="1"/>
@@ -13511,7 +14417,7 @@
             </a:r>
             <a:r>
               <a:rPr lang="he-IL" dirty="0"/>
-              <a:t>, שהוא ניגש ל-</a:t>
+              <a:t> שהוא ניגש ל-</a:t>
             </a:r>
             <a:r>
               <a:rPr lang="en-US" dirty="0"/>
@@ -13525,16 +14431,20 @@
               <a:rPr lang="en-US" dirty="0"/>
             </a:br>
             <a:r>
+              <a:rPr lang="en-US" dirty="0"/>
+              <a:t>ID</a:t>
+            </a:r>
+            <a:r>
               <a:rPr lang="he-IL" dirty="0"/>
               <a:t>הוא שלף את התלמיד לפי </a:t>
             </a:r>
-            <a:r>
-              <a:rPr lang="en-US" dirty="0"/>
-              <a:t>ID</a:t>
-            </a:r>
+            <a:endParaRPr lang="en-US" dirty="0"/>
+          </a:p>
+          <a:p>
+            <a:pPr algn="r"/>
             <a:r>
               <a:rPr lang="he-IL" dirty="0"/>
-              <a:t> מסוים ומציג אותו על המסך.</a:t>
+              <a:t> מסוים ומציג אותו על המסך</a:t>
             </a:r>
           </a:p>
         </p:txBody>
@@ -13589,8 +14499,8 @@
         </p:nvSpPr>
         <p:spPr>
           <a:xfrm>
-            <a:off x="8292461" y="965200"/>
-            <a:ext cx="3899538" cy="2031325"/>
+            <a:off x="8661400" y="682546"/>
+            <a:ext cx="3530599" cy="2862322"/>
           </a:xfrm>
           <a:prstGeom prst="rect">
             <a:avLst/>
@@ -13624,12 +14534,20 @@
             </a:br>
             <a:r>
               <a:rPr lang="he-IL" dirty="0"/>
-              <a:t>עשיתי בדיקה עם ה </a:t>
-            </a:r>
+              <a:t>עשיתי בדיקה עם </a:t>
+            </a:r>
+            <a:endParaRPr lang="en-US" dirty="0"/>
+          </a:p>
+          <a:p>
+            <a:pPr algn="r"/>
             <a:r>
               <a:rPr lang="en-US" dirty="0"/>
-              <a:t>postman</a:t>
-            </a:r>
+              <a:t>POSTMAN</a:t>
+            </a:r>
+            <a:endParaRPr lang="he-IL" dirty="0"/>
+          </a:p>
+          <a:p>
+            <a:pPr algn="r"/>
             <a:r>
               <a:rPr lang="he-IL" dirty="0"/>
               <a:t> וראיתי שנשלף לי נתונים ע"י חיבור ל- </a:t>
@@ -13655,16 +14573,17 @@
             </a:br>
             <a:r>
               <a:rPr lang="he-IL" dirty="0"/>
-              <a:t>וכן בצילום מסך זאת שליפה של כל התלמידים לפי </a:t>
-            </a:r>
+              <a:t>וכן בצילום מסך זאת שליפה של כל התלמידים לפי</a:t>
+            </a:r>
+            <a:endParaRPr lang="en-US" dirty="0"/>
+          </a:p>
+          <a:p>
+            <a:pPr algn="r"/>
             <a:r>
               <a:rPr lang="en-US" dirty="0"/>
               <a:t>paging</a:t>
             </a:r>
-            <a:r>
-              <a:rPr lang="he-IL" dirty="0"/>
-              <a:t> מסוים</a:t>
-            </a:r>
+            <a:endParaRPr lang="he-IL" dirty="0"/>
           </a:p>
         </p:txBody>
       </p:sp>
@@ -14147,7 +15066,7 @@
             <p:ph idx="1"/>
             <p:extLst>
               <p:ext uri="{D42A27DB-BD31-4B8C-83A1-F6EECF244321}">
-                <p14:modId xmlns:p14="http://schemas.microsoft.com/office/powerpoint/2010/main" val="2005667423"/>
+                <p14:modId xmlns:p14="http://schemas.microsoft.com/office/powerpoint/2010/main" val="4239899441"/>
               </p:ext>
             </p:extLst>
           </p:nvPr>
@@ -14354,7 +15273,7 @@
                       <a:pPr rtl="1"/>
                       <a:r>
                         <a:rPr lang="he-IL" sz="2000" dirty="0"/>
-                        <a:t>6</a:t>
+                        <a:t>5</a:t>
                       </a:r>
                     </a:p>
                   </a:txBody>
@@ -14473,11 +15392,11 @@
                       </a:r>
                       <a:r>
                         <a:rPr lang="he-IL" sz="2000" dirty="0"/>
-                        <a:t>עבורן.</a:t>
+                        <a:t> עבורן.</a:t>
                       </a:r>
                       <a:r>
                         <a:rPr lang="en-US" sz="2000" dirty="0"/>
-                        <a:t> </a:t>
+                        <a:t>  </a:t>
                       </a:r>
                       <a:endParaRPr lang="he-IL" sz="2000" dirty="0"/>
                     </a:p>
@@ -14702,8 +15621,8 @@
         </p:nvSpPr>
         <p:spPr bwMode="auto">
           <a:xfrm>
-            <a:off x="1101448" y="714124"/>
-            <a:ext cx="10762305" cy="4823885"/>
+            <a:off x="1043028" y="1079129"/>
+            <a:ext cx="10762305" cy="4367349"/>
           </a:xfrm>
           <a:prstGeom prst="rect">
             <a:avLst/>
@@ -14752,21 +15671,6 @@
           <a:lstStyle/>
           <a:p>
             <a:r>
-              <a:rPr lang="he-IL" b="1" dirty="0">
-                <a:solidFill>
-                  <a:schemeClr val="bg1"/>
-                </a:solidFill>
-              </a:rPr>
-              <a:t>שלב 6: הטמעה ותמיכה</a:t>
-            </a:r>
-            <a:endParaRPr lang="he-IL" dirty="0">
-              <a:solidFill>
-                <a:schemeClr val="bg1"/>
-              </a:solidFill>
-            </a:endParaRPr>
-          </a:p>
-          <a:p>
-            <a:r>
               <a:rPr lang="he-IL" dirty="0">
                 <a:solidFill>
                   <a:schemeClr val="bg1"/>
@@ -14963,78 +15867,56 @@
           </a:p>
         </p:txBody>
       </p:sp>
-      <p:pic>
-        <p:nvPicPr>
-          <p:cNvPr id="5" name="תמונה 4" descr="תמונה שמכילה גרפיקה, עיצוב גרפי, גופן, לוגו&#10;&#10;התיאור נוצר באופן אוטומטי">
+      <p:sp>
+        <p:nvSpPr>
+          <p:cNvPr id="2" name="כותרת 1">
             <a:extLst>
               <a:ext uri="{FF2B5EF4-FFF2-40B4-BE49-F238E27FC236}">
-                <a16:creationId xmlns:a16="http://schemas.microsoft.com/office/drawing/2014/main" id="{1E87D677-058D-4921-8060-2C67286C20D0}"/>
+                <a16:creationId xmlns:a16="http://schemas.microsoft.com/office/drawing/2014/main" id="{91A8440A-33F4-E333-E573-979CF87B6046}"/>
               </a:ext>
             </a:extLst>
           </p:cNvPr>
-          <p:cNvPicPr>
-            <a:picLocks noChangeAspect="1"/>
-          </p:cNvPicPr>
-          <p:nvPr/>
-        </p:nvPicPr>
-        <p:blipFill>
-          <a:blip r:embed="rId3">
-            <a:extLst>
-              <a:ext uri="{28A0092B-C50C-407E-A947-70E740481C1C}">
-                <a14:useLocalDpi xmlns:a14="http://schemas.microsoft.com/office/drawing/2010/main" val="0"/>
-              </a:ext>
-            </a:extLst>
-          </a:blip>
-          <a:stretch>
-            <a:fillRect/>
-          </a:stretch>
-        </p:blipFill>
+          <p:cNvSpPr>
+            <a:spLocks noGrp="1"/>
+          </p:cNvSpPr>
+          <p:nvPr>
+            <p:ph type="title"/>
+          </p:nvPr>
+        </p:nvSpPr>
         <p:spPr>
           <a:xfrm>
-            <a:off x="-738932" y="2973650"/>
-            <a:ext cx="4945656" cy="4945656"/>
+            <a:off x="3876675" y="-371628"/>
+            <a:ext cx="10058400" cy="1450757"/>
           </a:xfrm>
-          <a:prstGeom prst="rect">
-            <a:avLst/>
-          </a:prstGeom>
         </p:spPr>
-      </p:pic>
-      <p:pic>
-        <p:nvPicPr>
-          <p:cNvPr id="10" name="תמונה 9" descr="תמונה שמכילה טקסט, לוגו, גופן, גרפיקה&#10;&#10;התיאור נוצר באופן אוטומטי">
-            <a:extLst>
-              <a:ext uri="{FF2B5EF4-FFF2-40B4-BE49-F238E27FC236}">
-                <a16:creationId xmlns:a16="http://schemas.microsoft.com/office/drawing/2014/main" id="{3D57B1C8-C8D6-4A6E-B291-2CDD58175F60}"/>
-              </a:ext>
-            </a:extLst>
-          </p:cNvPr>
-          <p:cNvPicPr>
-            <a:picLocks noChangeAspect="1"/>
-          </p:cNvPicPr>
-          <p:nvPr/>
-        </p:nvPicPr>
-        <p:blipFill>
-          <a:blip r:embed="rId4">
-            <a:extLst>
-              <a:ext uri="{28A0092B-C50C-407E-A947-70E740481C1C}">
-                <a14:useLocalDpi xmlns:a14="http://schemas.microsoft.com/office/drawing/2010/main" val="0"/>
-              </a:ext>
-            </a:extLst>
-          </a:blip>
-          <a:stretch>
-            <a:fillRect/>
-          </a:stretch>
-        </p:blipFill>
-        <p:spPr>
-          <a:xfrm>
-            <a:off x="8905875" y="4930966"/>
-            <a:ext cx="2957878" cy="1427177"/>
-          </a:xfrm>
-          <a:prstGeom prst="rect">
-            <a:avLst/>
-          </a:prstGeom>
-        </p:spPr>
-      </p:pic>
+        <p:txBody>
+          <a:bodyPr/>
+          <a:lstStyle/>
+          <a:p>
+            <a:pPr algn="ctr"/>
+            <a:r>
+              <a:rPr lang="he-IL" dirty="0">
+                <a:solidFill>
+                  <a:schemeClr val="bg2">
+                    <a:lumMod val="60000"/>
+                    <a:lumOff val="40000"/>
+                  </a:schemeClr>
+                </a:solidFill>
+                <a:cs typeface="+mn-cs"/>
+              </a:rPr>
+              <a:t>שלב ו': הטמעה ותמיכה</a:t>
+            </a:r>
+            <a:endParaRPr lang="he-IL" dirty="0">
+              <a:solidFill>
+                <a:schemeClr val="bg2">
+                  <a:lumMod val="60000"/>
+                  <a:lumOff val="40000"/>
+                </a:schemeClr>
+              </a:solidFill>
+            </a:endParaRPr>
+          </a:p>
+        </p:txBody>
+      </p:sp>
     </p:spTree>
     <p:extLst>
       <p:ext uri="{BB962C8B-B14F-4D97-AF65-F5344CB8AC3E}">
@@ -15116,78 +15998,6 @@
       </p:sp>
       <p:pic>
         <p:nvPicPr>
-          <p:cNvPr id="5" name="תמונה 4" descr="תמונה שמכילה גרפיקה, עיצוב גרפי, גופן, לוגו&#10;&#10;התיאור נוצר באופן אוטומטי">
-            <a:extLst>
-              <a:ext uri="{FF2B5EF4-FFF2-40B4-BE49-F238E27FC236}">
-                <a16:creationId xmlns:a16="http://schemas.microsoft.com/office/drawing/2014/main" id="{1E87D677-058D-4921-8060-2C67286C20D0}"/>
-              </a:ext>
-            </a:extLst>
-          </p:cNvPr>
-          <p:cNvPicPr>
-            <a:picLocks noChangeAspect="1"/>
-          </p:cNvPicPr>
-          <p:nvPr/>
-        </p:nvPicPr>
-        <p:blipFill>
-          <a:blip r:embed="rId2">
-            <a:extLst>
-              <a:ext uri="{28A0092B-C50C-407E-A947-70E740481C1C}">
-                <a14:useLocalDpi xmlns:a14="http://schemas.microsoft.com/office/drawing/2010/main" val="0"/>
-              </a:ext>
-            </a:extLst>
-          </a:blip>
-          <a:stretch>
-            <a:fillRect/>
-          </a:stretch>
-        </p:blipFill>
-        <p:spPr>
-          <a:xfrm>
-            <a:off x="-333817" y="4305782"/>
-            <a:ext cx="2728080" cy="2879307"/>
-          </a:xfrm>
-          <a:prstGeom prst="rect">
-            <a:avLst/>
-          </a:prstGeom>
-        </p:spPr>
-      </p:pic>
-      <p:pic>
-        <p:nvPicPr>
-          <p:cNvPr id="10" name="תמונה 9" descr="תמונה שמכילה טקסט, לוגו, גופן, גרפיקה&#10;&#10;התיאור נוצר באופן אוטומטי">
-            <a:extLst>
-              <a:ext uri="{FF2B5EF4-FFF2-40B4-BE49-F238E27FC236}">
-                <a16:creationId xmlns:a16="http://schemas.microsoft.com/office/drawing/2014/main" id="{3D57B1C8-C8D6-4A6E-B291-2CDD58175F60}"/>
-              </a:ext>
-            </a:extLst>
-          </p:cNvPr>
-          <p:cNvPicPr>
-            <a:picLocks noChangeAspect="1"/>
-          </p:cNvPicPr>
-          <p:nvPr/>
-        </p:nvPicPr>
-        <p:blipFill>
-          <a:blip r:embed="rId3">
-            <a:extLst>
-              <a:ext uri="{28A0092B-C50C-407E-A947-70E740481C1C}">
-                <a14:useLocalDpi xmlns:a14="http://schemas.microsoft.com/office/drawing/2010/main" val="0"/>
-              </a:ext>
-            </a:extLst>
-          </a:blip>
-          <a:stretch>
-            <a:fillRect/>
-          </a:stretch>
-        </p:blipFill>
-        <p:spPr>
-          <a:xfrm>
-            <a:off x="8905875" y="4930966"/>
-            <a:ext cx="2957878" cy="1427177"/>
-          </a:xfrm>
-          <a:prstGeom prst="rect">
-            <a:avLst/>
-          </a:prstGeom>
-        </p:spPr>
-      </p:pic>
-      <p:pic>
-        <p:nvPicPr>
           <p:cNvPr id="8" name="תמונה 7">
             <a:extLst>
               <a:ext uri="{FF2B5EF4-FFF2-40B4-BE49-F238E27FC236}">
@@ -15201,7 +16011,7 @@
           <p:nvPr/>
         </p:nvPicPr>
         <p:blipFill>
-          <a:blip r:embed="rId4"/>
+          <a:blip r:embed="rId2"/>
           <a:stretch>
             <a:fillRect/>
           </a:stretch>
@@ -15231,7 +16041,7 @@
           <p:nvPr/>
         </p:nvPicPr>
         <p:blipFill>
-          <a:blip r:embed="rId5"/>
+          <a:blip r:embed="rId3"/>
           <a:stretch>
             <a:fillRect/>
           </a:stretch>
@@ -15329,6 +16139,7 @@
           <a:bodyPr/>
           <a:lstStyle/>
           <a:p>
+            <a:pPr algn="ctr"/>
             <a:r>
               <a:rPr lang="he-IL" dirty="0">
                 <a:solidFill>
@@ -15663,14 +16474,6 @@
 <file path=ppt/slides/slide30.xml><?xml version="1.0" encoding="utf-8"?>
 <p:sld xmlns:a="http://schemas.openxmlformats.org/drawingml/2006/main" xmlns:r="http://schemas.openxmlformats.org/officeDocument/2006/relationships" xmlns:p="http://schemas.openxmlformats.org/presentationml/2006/main">
   <p:cSld>
-    <p:bg>
-      <p:bgPr>
-        <a:solidFill>
-          <a:schemeClr val="tx1"/>
-        </a:solidFill>
-        <a:effectLst/>
-      </p:bgPr>
-    </p:bg>
     <p:spTree>
       <p:nvGrpSpPr>
         <p:cNvPr id="1" name=""/>
@@ -15690,7 +16493,7 @@
           <p:cNvPr id="2" name="כותרת 1">
             <a:extLst>
               <a:ext uri="{FF2B5EF4-FFF2-40B4-BE49-F238E27FC236}">
-                <a16:creationId xmlns:a16="http://schemas.microsoft.com/office/drawing/2014/main" id="{A05C5CAB-EA9C-43F1-A6B3-D65707128D81}"/>
+                <a16:creationId xmlns:a16="http://schemas.microsoft.com/office/drawing/2014/main" id="{26680B0A-1BF5-AA8E-B468-401E39D76500}"/>
               </a:ext>
             </a:extLst>
           </p:cNvPr>
@@ -15701,312 +16504,364 @@
             <p:ph type="title"/>
           </p:nvPr>
         </p:nvSpPr>
-        <p:spPr>
-          <a:xfrm>
-            <a:off x="3431922" y="1518921"/>
-            <a:ext cx="4968489" cy="1013800"/>
-          </a:xfrm>
-        </p:spPr>
+        <p:spPr/>
         <p:txBody>
-          <a:bodyPr>
-            <a:normAutofit/>
-          </a:bodyPr>
+          <a:bodyPr/>
           <a:lstStyle/>
           <a:p>
             <a:pPr algn="ctr"/>
             <a:r>
+              <a:rPr lang="iw-IL" dirty="0">
+                <a:solidFill>
+                  <a:schemeClr val="tx2">
+                    <a:lumMod val="60000"/>
+                    <a:lumOff val="40000"/>
+                  </a:schemeClr>
+                </a:solidFill>
+                <a:cs typeface="+mn-cs"/>
+              </a:rPr>
+              <a:t>סיכום ומסקנות</a:t>
+            </a:r>
+            <a:r>
               <a:rPr lang="he-IL" dirty="0">
                 <a:solidFill>
-                  <a:schemeClr val="bg1"/>
+                  <a:schemeClr val="tx2">
+                    <a:lumMod val="60000"/>
+                    <a:lumOff val="40000"/>
+                  </a:schemeClr>
                 </a:solidFill>
                 <a:cs typeface="+mn-cs"/>
               </a:rPr>
-              <a:t>סיכום ומסקנות</a:t>
+              <a:t>:</a:t>
             </a:r>
           </a:p>
         </p:txBody>
       </p:sp>
       <p:sp>
         <p:nvSpPr>
-          <p:cNvPr id="4" name="Rectangle 2">
+          <p:cNvPr id="3" name="מציין מיקום תוכן 2">
             <a:extLst>
               <a:ext uri="{FF2B5EF4-FFF2-40B4-BE49-F238E27FC236}">
-                <a16:creationId xmlns:a16="http://schemas.microsoft.com/office/drawing/2014/main" id="{C72A8D1C-631A-4F87-A310-A2D87EFB5ED3}"/>
+                <a16:creationId xmlns:a16="http://schemas.microsoft.com/office/drawing/2014/main" id="{DE67A3D4-AD46-7FE3-BE3C-4C194407B77E}"/>
               </a:ext>
             </a:extLst>
           </p:cNvPr>
           <p:cNvSpPr>
-            <a:spLocks noGrp="1" noChangeArrowheads="1"/>
+            <a:spLocks noGrp="1"/>
           </p:cNvSpPr>
           <p:nvPr>
             <p:ph idx="1"/>
           </p:nvPr>
         </p:nvSpPr>
-        <p:spPr bwMode="auto">
-          <a:xfrm>
-            <a:off x="2959564" y="2973650"/>
-            <a:ext cx="6272871" cy="923330"/>
-          </a:xfrm>
-          <a:prstGeom prst="rect">
-            <a:avLst/>
-          </a:prstGeom>
-          <a:noFill/>
-          <a:ln>
-            <a:noFill/>
-          </a:ln>
-          <a:effectLst/>
-          <a:extLst>
-            <a:ext uri="{909E8E84-426E-40DD-AFC4-6F175D3DCCD1}">
-              <a14:hiddenFill xmlns:a14="http://schemas.microsoft.com/office/drawing/2010/main">
-                <a:solidFill>
-                  <a:schemeClr val="accent1"/>
-                </a:solidFill>
-              </a14:hiddenFill>
-            </a:ext>
-            <a:ext uri="{91240B29-F687-4F45-9708-019B960494DF}">
-              <a14:hiddenLine xmlns:a14="http://schemas.microsoft.com/office/drawing/2010/main" w="9525">
-                <a:solidFill>
-                  <a:schemeClr val="tx1"/>
-                </a:solidFill>
-                <a:miter lim="800000"/>
-                <a:headEnd/>
-                <a:tailEnd/>
-              </a14:hiddenLine>
-            </a:ext>
-            <a:ext uri="{AF507438-7753-43E0-B8FC-AC1667EBCBE1}">
-              <a14:hiddenEffects xmlns:a14="http://schemas.microsoft.com/office/drawing/2010/main">
-                <a:effectLst>
-                  <a:outerShdw dist="35921" dir="2700000" algn="ctr" rotWithShape="0">
-                    <a:schemeClr val="bg2"/>
-                  </a:outerShdw>
-                </a:effectLst>
-              </a14:hiddenEffects>
-            </a:ext>
-          </a:extLst>
-        </p:spPr>
+        <p:spPr/>
         <p:txBody>
-          <a:bodyPr vert="horz" wrap="none" lIns="91440" tIns="45720" rIns="91440" bIns="45720" numCol="1" anchor="ctr" anchorCtr="0" compatLnSpc="1">
-            <a:prstTxWarp prst="textNoShape">
-              <a:avLst/>
-            </a:prstTxWarp>
-            <a:spAutoFit/>
+          <a:bodyPr>
+            <a:normAutofit fontScale="77500" lnSpcReduction="20000"/>
           </a:bodyPr>
           <a:lstStyle/>
           <a:p>
-            <a:pPr marL="0" marR="0" lvl="0" indent="0" algn="r" defTabSz="914400" eaLnBrk="0" fontAlgn="base" latinLnBrk="0" hangingPunct="0">
+            <a:pPr marL="0" marR="0" lvl="0" indent="0" algn="r" rtl="1">
               <a:lnSpc>
                 <a:spcPct val="100000"/>
               </a:lnSpc>
               <a:spcBef>
-                <a:spcPct val="0"/>
+                <a:spcPts val="0"/>
               </a:spcBef>
               <a:spcAft>
-                <a:spcPct val="0"/>
+                <a:spcPts val="0"/>
               </a:spcAft>
-              <a:buClrTx/>
-              <a:buSzTx/>
+              <a:buClr>
+                <a:schemeClr val="lt1"/>
+              </a:buClr>
+              <a:buSzPts val="1800"/>
               <a:buNone/>
-              <a:tabLst/>
             </a:pPr>
             <a:r>
-              <a:rPr kumimoji="0" lang="he-IL" altLang="he-IL" sz="1800" b="0" i="0" u="none" strike="noStrike" cap="none" normalizeH="0" baseline="0" dirty="0">
-                <a:ln>
-                  <a:noFill/>
-                </a:ln>
-                <a:solidFill>
-                  <a:schemeClr val="bg1"/>
-                </a:solidFill>
-                <a:effectLst/>
-                <a:latin typeface="Arial" panose="020B0604020202020204" pitchFamily="34" charset="0"/>
-                <a:cs typeface="Arial" panose="020B0604020202020204" pitchFamily="34" charset="0"/>
-              </a:rPr>
-              <a:t>סיכום כללי: סיכום מסע הפרויקט והישגיו</a:t>
-            </a:r>
-            <a:r>
-              <a:rPr kumimoji="0" lang="he-IL" altLang="he-IL" sz="1800" b="0" i="0" u="none" strike="noStrike" cap="none" normalizeH="0" baseline="0" dirty="0">
-                <a:ln>
-                  <a:noFill/>
-                </a:ln>
-                <a:solidFill>
-                  <a:schemeClr val="bg1"/>
-                </a:solidFill>
-                <a:effectLst/>
-                <a:latin typeface="Arial" panose="020B0604020202020204" pitchFamily="34" charset="0"/>
-              </a:rPr>
-              <a:t>.</a:t>
-            </a:r>
-          </a:p>
-          <a:p>
-            <a:pPr marL="0" marR="0" lvl="0" indent="0" algn="r" defTabSz="914400" eaLnBrk="0" fontAlgn="base" latinLnBrk="0" hangingPunct="0">
+              <a:rPr lang="iw-IL" sz="2800" b="1" i="0" u="none" strike="noStrike" cap="none" dirty="0">
+                <a:latin typeface="Arial"/>
+                <a:ea typeface="Arial"/>
+                <a:cs typeface="Arial"/>
+                <a:sym typeface="Arial"/>
+              </a:rPr>
+              <a:t>סיכום כללי</a:t>
+            </a:r>
+            <a:r>
+              <a:rPr lang="he-IL" dirty="0">
+                <a:latin typeface="Arial"/>
+                <a:ea typeface="Arial"/>
+                <a:cs typeface="Arial"/>
+                <a:sym typeface="Arial"/>
+              </a:rPr>
+              <a:t>:</a:t>
+            </a:r>
+          </a:p>
+          <a:p>
+            <a:pPr marL="0" marR="0" lvl="0" indent="0" algn="r" rtl="1">
               <a:lnSpc>
                 <a:spcPct val="100000"/>
               </a:lnSpc>
               <a:spcBef>
-                <a:spcPct val="0"/>
+                <a:spcPts val="0"/>
               </a:spcBef>
               <a:spcAft>
-                <a:spcPct val="0"/>
+                <a:spcPts val="0"/>
               </a:spcAft>
-              <a:buClrTx/>
-              <a:buSzTx/>
+              <a:buClr>
+                <a:schemeClr val="lt1"/>
+              </a:buClr>
+              <a:buSzPts val="1800"/>
               <a:buNone/>
-              <a:tabLst/>
             </a:pPr>
             <a:r>
-              <a:rPr kumimoji="0" lang="he-IL" altLang="he-IL" sz="1800" b="0" i="0" u="none" strike="noStrike" cap="none" normalizeH="0" baseline="0" dirty="0">
-                <a:ln>
-                  <a:noFill/>
-                </a:ln>
-                <a:solidFill>
-                  <a:schemeClr val="bg1"/>
-                </a:solidFill>
-                <a:effectLst/>
-                <a:latin typeface="Arial" panose="020B0604020202020204" pitchFamily="34" charset="0"/>
-                <a:cs typeface="Arial" panose="020B0604020202020204" pitchFamily="34" charset="0"/>
-              </a:rPr>
-              <a:t>מסקנות אישיות: חוויות למידה, אתגרים שנתקלו בהם ואיך הם נפתרו</a:t>
-            </a:r>
-            <a:r>
-              <a:rPr kumimoji="0" lang="he-IL" altLang="he-IL" sz="1800" b="0" i="0" u="none" strike="noStrike" cap="none" normalizeH="0" baseline="0" dirty="0">
-                <a:ln>
-                  <a:noFill/>
-                </a:ln>
-                <a:solidFill>
-                  <a:schemeClr val="bg1"/>
-                </a:solidFill>
-                <a:effectLst/>
-                <a:latin typeface="Arial" panose="020B0604020202020204" pitchFamily="34" charset="0"/>
-              </a:rPr>
-              <a:t>.</a:t>
-            </a:r>
-          </a:p>
-          <a:p>
-            <a:pPr marL="0" marR="0" lvl="0" indent="0" algn="r" defTabSz="914400" eaLnBrk="0" fontAlgn="base" latinLnBrk="0" hangingPunct="0">
+              <a:rPr lang="iw-IL" sz="2800" dirty="0">
+                <a:latin typeface="Arial"/>
+                <a:ea typeface="Arial"/>
+                <a:cs typeface="Arial"/>
+                <a:sym typeface="Arial"/>
+              </a:rPr>
+              <a:t>הפרויקט נחל הצלחה בזכות עבודה משותפת של הצוות, שימוש בטכנולוגיות מתקדמות וארכיטקטורת מיקרו-סרוויסים מבוזרת. המערכת מאפשרת ניהול קורסים, שיעורים ומסמכים בצורה יעילה ונוחה, תוך שמירה על חוויית משתמש גבוהה. הפרויקט הושק בהצלחה לענן וממשיך להיות מתוחזק ומשודרג באופן שוטף.</a:t>
+            </a:r>
+            <a:endParaRPr lang="he-IL" sz="2800" dirty="0">
+              <a:latin typeface="Arial"/>
+              <a:ea typeface="Arial"/>
+              <a:cs typeface="Arial"/>
+              <a:sym typeface="Arial"/>
+            </a:endParaRPr>
+          </a:p>
+          <a:p>
+            <a:pPr marL="0" marR="0" lvl="0" indent="0" algn="r" rtl="1">
               <a:lnSpc>
                 <a:spcPct val="100000"/>
               </a:lnSpc>
               <a:spcBef>
-                <a:spcPct val="0"/>
+                <a:spcPts val="0"/>
               </a:spcBef>
               <a:spcAft>
-                <a:spcPct val="0"/>
+                <a:spcPts val="0"/>
               </a:spcAft>
-              <a:buClrTx/>
-              <a:buSzTx/>
+              <a:buClr>
+                <a:schemeClr val="lt1"/>
+              </a:buClr>
+              <a:buSzPts val="1800"/>
               <a:buNone/>
-              <a:tabLst/>
             </a:pPr>
-            <a:r>
-              <a:rPr kumimoji="0" lang="he-IL" altLang="he-IL" sz="1800" b="0" i="0" u="none" strike="noStrike" cap="none" normalizeH="0" baseline="0" dirty="0">
-                <a:ln>
-                  <a:noFill/>
-                </a:ln>
-                <a:solidFill>
-                  <a:schemeClr val="bg1"/>
-                </a:solidFill>
-                <a:effectLst/>
-                <a:latin typeface="Arial" panose="020B0604020202020204" pitchFamily="34" charset="0"/>
-                <a:cs typeface="Arial" panose="020B0604020202020204" pitchFamily="34" charset="0"/>
-              </a:rPr>
-              <a:t>תרומה לפרויקט ולחברה: תרומות ספציפיות של הסטודנט והשפעתן</a:t>
-            </a:r>
-            <a:r>
-              <a:rPr kumimoji="0" lang="he-IL" altLang="he-IL" sz="1800" b="0" i="0" u="none" strike="noStrike" cap="none" normalizeH="0" baseline="0" dirty="0">
-                <a:ln>
-                  <a:noFill/>
-                </a:ln>
-                <a:solidFill>
-                  <a:schemeClr val="bg1"/>
-                </a:solidFill>
-                <a:effectLst/>
-                <a:latin typeface="Arial" panose="020B0604020202020204" pitchFamily="34" charset="0"/>
-              </a:rPr>
+            <a:endParaRPr lang="iw-IL" dirty="0"/>
+          </a:p>
+          <a:p>
+            <a:pPr marL="0" marR="0" lvl="0" indent="0" algn="r" rtl="1">
+              <a:lnSpc>
+                <a:spcPct val="100000"/>
+              </a:lnSpc>
+              <a:spcBef>
+                <a:spcPts val="0"/>
+              </a:spcBef>
+              <a:spcAft>
+                <a:spcPts val="0"/>
+              </a:spcAft>
+              <a:buClr>
+                <a:schemeClr val="lt1"/>
+              </a:buClr>
+              <a:buSzPts val="1800"/>
+              <a:buNone/>
+            </a:pPr>
+            <a:r>
+              <a:rPr lang="iw-IL" sz="2800" b="1" i="0" u="none" strike="noStrike" cap="none" dirty="0">
+                <a:latin typeface="Arial"/>
+                <a:ea typeface="Arial"/>
+                <a:cs typeface="Arial"/>
+                <a:sym typeface="Arial"/>
+              </a:rPr>
+              <a:t>מסקנות אישיות</a:t>
+            </a:r>
+            <a:r>
+              <a:rPr lang="he-IL" sz="2800" b="1" i="0" u="none" strike="noStrike" cap="none" dirty="0">
+                <a:latin typeface="Arial"/>
+                <a:ea typeface="Arial"/>
+                <a:cs typeface="Arial"/>
+                <a:sym typeface="Arial"/>
+              </a:rPr>
+              <a:t>:</a:t>
+            </a:r>
+          </a:p>
+          <a:p>
+            <a:pPr marL="0" marR="0" lvl="0" indent="0" algn="r" rtl="1">
+              <a:lnSpc>
+                <a:spcPct val="100000"/>
+              </a:lnSpc>
+              <a:spcBef>
+                <a:spcPts val="0"/>
+              </a:spcBef>
+              <a:spcAft>
+                <a:spcPts val="0"/>
+              </a:spcAft>
+              <a:buClr>
+                <a:schemeClr val="lt1"/>
+              </a:buClr>
+              <a:buSzPts val="1800"/>
+              <a:buNone/>
+            </a:pPr>
+            <a:r>
+              <a:rPr lang="he-IL" sz="2800" i="0" u="none" strike="noStrike" cap="none" dirty="0">
+                <a:latin typeface="Arial"/>
+                <a:ea typeface="Arial"/>
+                <a:cs typeface="Arial"/>
+                <a:sym typeface="Arial"/>
+              </a:rPr>
+              <a:t>כמפורט בפרק שמונה- צברתי ידע רב וחדש בטכנולוגיות חדשניות וחכמות, למדתי נהלי עבודה </a:t>
+            </a:r>
+            <a:r>
+              <a:rPr lang="he-IL" dirty="0"/>
+              <a:t>במתודולוגיית </a:t>
+            </a:r>
+            <a:r>
+              <a:rPr lang="he-IL" dirty="0" err="1"/>
+              <a:t>אדג'ייל</a:t>
+            </a:r>
+            <a:r>
+              <a:rPr lang="en-US" dirty="0"/>
+              <a:t>(Agile)</a:t>
+            </a:r>
+            <a:r>
+              <a:rPr lang="he-IL" dirty="0"/>
+              <a:t>,</a:t>
+            </a:r>
+            <a:r>
+              <a:rPr lang="en-US" dirty="0"/>
               <a:t> </a:t>
             </a:r>
+            <a:r>
+              <a:rPr lang="he-IL" sz="2800" i="0" u="none" strike="noStrike" cap="none" dirty="0">
+                <a:latin typeface="Arial"/>
+                <a:ea typeface="Arial"/>
+                <a:cs typeface="Arial"/>
+                <a:sym typeface="Arial"/>
+              </a:rPr>
+              <a:t>התמודדתי עם אתגרים בפיתוח ו</a:t>
+            </a:r>
+            <a:r>
+              <a:rPr lang="he-IL" sz="2800" b="0" i="0" u="none" strike="noStrike" cap="none" dirty="0">
+                <a:latin typeface="Arial"/>
+                <a:ea typeface="Arial"/>
+                <a:cs typeface="Arial"/>
+                <a:sym typeface="Arial"/>
+              </a:rPr>
+              <a:t>פתרתי באגים שונים במהלך הפיתוח.</a:t>
+            </a:r>
+          </a:p>
+          <a:p>
+            <a:pPr marL="0" marR="0" lvl="0" indent="0" algn="r" rtl="1">
+              <a:lnSpc>
+                <a:spcPct val="100000"/>
+              </a:lnSpc>
+              <a:spcBef>
+                <a:spcPts val="0"/>
+              </a:spcBef>
+              <a:spcAft>
+                <a:spcPts val="0"/>
+              </a:spcAft>
+              <a:buClr>
+                <a:schemeClr val="lt1"/>
+              </a:buClr>
+              <a:buSzPts val="1800"/>
+              <a:buNone/>
+            </a:pPr>
+            <a:endParaRPr lang="he-IL" sz="2800" b="0" i="0" u="none" strike="noStrike" cap="none" dirty="0">
+              <a:latin typeface="Arial"/>
+              <a:ea typeface="Arial"/>
+              <a:cs typeface="Arial"/>
+              <a:sym typeface="Arial"/>
+            </a:endParaRPr>
+          </a:p>
+          <a:p>
+            <a:pPr marL="0" marR="0" lvl="0" indent="0" algn="r" rtl="1">
+              <a:lnSpc>
+                <a:spcPct val="100000"/>
+              </a:lnSpc>
+              <a:spcBef>
+                <a:spcPts val="0"/>
+              </a:spcBef>
+              <a:spcAft>
+                <a:spcPts val="0"/>
+              </a:spcAft>
+              <a:buClr>
+                <a:schemeClr val="lt1"/>
+              </a:buClr>
+              <a:buSzPts val="1800"/>
+              <a:buNone/>
+            </a:pPr>
+            <a:r>
+              <a:rPr lang="iw-IL" sz="2800" b="1" i="0" u="none" strike="noStrike" cap="none" dirty="0">
+                <a:latin typeface="Arial"/>
+                <a:ea typeface="Arial"/>
+                <a:cs typeface="Arial"/>
+                <a:sym typeface="Arial"/>
+              </a:rPr>
+              <a:t>תרומה לפרויקט ולחברה:</a:t>
+            </a:r>
+            <a:endParaRPr lang="he-IL" sz="2800" b="1" i="0" u="none" strike="noStrike" cap="none" dirty="0">
+              <a:latin typeface="Arial"/>
+              <a:ea typeface="Arial"/>
+              <a:cs typeface="Arial"/>
+              <a:sym typeface="Arial"/>
+            </a:endParaRPr>
+          </a:p>
+          <a:p>
+            <a:pPr marL="0" marR="0" lvl="0" indent="0" algn="r" rtl="1">
+              <a:lnSpc>
+                <a:spcPct val="100000"/>
+              </a:lnSpc>
+              <a:spcBef>
+                <a:spcPts val="0"/>
+              </a:spcBef>
+              <a:spcAft>
+                <a:spcPts val="0"/>
+              </a:spcAft>
+              <a:buClr>
+                <a:schemeClr val="lt1"/>
+              </a:buClr>
+              <a:buSzPts val="1800"/>
+              <a:buNone/>
+            </a:pPr>
+            <a:r>
+              <a:rPr lang="he-IL" sz="2800" i="0" u="none" strike="noStrike" cap="none" dirty="0">
+                <a:latin typeface="Arial"/>
+                <a:ea typeface="Arial"/>
+                <a:cs typeface="Arial"/>
+                <a:sym typeface="Arial"/>
+              </a:rPr>
+              <a:t>מעבר למשימות שלי החשובות בפיתוח , הכוונתי את הצוות לנראות נכונה של האתר, בדגש להנפיק מערכת עם </a:t>
+            </a:r>
+            <a:r>
+              <a:rPr lang="he-IL" sz="2800" i="0" u="none" strike="noStrike" cap="none" dirty="0" err="1">
+                <a:latin typeface="Arial"/>
+                <a:ea typeface="Arial"/>
+                <a:cs typeface="Arial"/>
+                <a:sym typeface="Arial"/>
+              </a:rPr>
+              <a:t>חוית</a:t>
+            </a:r>
+            <a:r>
+              <a:rPr lang="he-IL" sz="2800" i="0" u="none" strike="noStrike" cap="none" dirty="0">
+                <a:latin typeface="Arial"/>
+                <a:ea typeface="Arial"/>
+                <a:cs typeface="Arial"/>
+                <a:sym typeface="Arial"/>
+              </a:rPr>
+              <a:t> משתמש גבוהה וידידותית יותר</a:t>
+            </a:r>
+            <a:endParaRPr lang="iw-IL" dirty="0"/>
           </a:p>
         </p:txBody>
       </p:sp>
-      <p:pic>
-        <p:nvPicPr>
-          <p:cNvPr id="5" name="תמונה 4" descr="תמונה שמכילה גרפיקה, עיצוב גרפי, גופן, לוגו&#10;&#10;התיאור נוצר באופן אוטומטי">
-            <a:extLst>
-              <a:ext uri="{FF2B5EF4-FFF2-40B4-BE49-F238E27FC236}">
-                <a16:creationId xmlns:a16="http://schemas.microsoft.com/office/drawing/2014/main" id="{1E87D677-058D-4921-8060-2C67286C20D0}"/>
-              </a:ext>
-            </a:extLst>
-          </p:cNvPr>
-          <p:cNvPicPr>
-            <a:picLocks noChangeAspect="1"/>
-          </p:cNvPicPr>
-          <p:nvPr/>
-        </p:nvPicPr>
-        <p:blipFill>
-          <a:blip r:embed="rId2">
-            <a:extLst>
-              <a:ext uri="{28A0092B-C50C-407E-A947-70E740481C1C}">
-                <a14:useLocalDpi xmlns:a14="http://schemas.microsoft.com/office/drawing/2010/main" val="0"/>
-              </a:ext>
-            </a:extLst>
-          </a:blip>
-          <a:stretch>
-            <a:fillRect/>
-          </a:stretch>
-        </p:blipFill>
-        <p:spPr>
-          <a:xfrm>
-            <a:off x="-738932" y="2973650"/>
-            <a:ext cx="4945656" cy="4945656"/>
-          </a:xfrm>
-          <a:prstGeom prst="rect">
-            <a:avLst/>
-          </a:prstGeom>
-        </p:spPr>
-      </p:pic>
-      <p:pic>
-        <p:nvPicPr>
-          <p:cNvPr id="10" name="תמונה 9" descr="תמונה שמכילה טקסט, לוגו, גופן, גרפיקה&#10;&#10;התיאור נוצר באופן אוטומטי">
-            <a:extLst>
-              <a:ext uri="{FF2B5EF4-FFF2-40B4-BE49-F238E27FC236}">
-                <a16:creationId xmlns:a16="http://schemas.microsoft.com/office/drawing/2014/main" id="{3D57B1C8-C8D6-4A6E-B291-2CDD58175F60}"/>
-              </a:ext>
-            </a:extLst>
-          </p:cNvPr>
-          <p:cNvPicPr>
-            <a:picLocks noChangeAspect="1"/>
-          </p:cNvPicPr>
-          <p:nvPr/>
-        </p:nvPicPr>
-        <p:blipFill>
-          <a:blip r:embed="rId3">
-            <a:extLst>
-              <a:ext uri="{28A0092B-C50C-407E-A947-70E740481C1C}">
-                <a14:useLocalDpi xmlns:a14="http://schemas.microsoft.com/office/drawing/2010/main" val="0"/>
-              </a:ext>
-            </a:extLst>
-          </a:blip>
-          <a:stretch>
-            <a:fillRect/>
-          </a:stretch>
-        </p:blipFill>
-        <p:spPr>
-          <a:xfrm>
-            <a:off x="8905875" y="4930966"/>
-            <a:ext cx="2957878" cy="1427177"/>
-          </a:xfrm>
-          <a:prstGeom prst="rect">
-            <a:avLst/>
-          </a:prstGeom>
-        </p:spPr>
-      </p:pic>
     </p:spTree>
     <p:extLst>
       <p:ext uri="{BB962C8B-B14F-4D97-AF65-F5344CB8AC3E}">
-        <p14:creationId xmlns:p14="http://schemas.microsoft.com/office/powerpoint/2010/main" val="1040738586"/>
+        <p14:creationId xmlns:p14="http://schemas.microsoft.com/office/powerpoint/2010/main" val="2151092369"/>
       </p:ext>
     </p:extLst>
   </p:cSld>
   <p:clrMapOvr>
-    <a:overrideClrMapping bg1="dk1" tx1="lt1" bg2="dk2" tx2="lt2" accent1="accent1" accent2="accent2" accent3="accent3" accent4="accent4" accent5="accent5" accent6="accent6" hlink="hlink" folHlink="folHlink"/>
+    <a:masterClrMapping/>
   </p:clrMapOvr>
 </p:sld>
 </file>
@@ -16054,7 +16909,7 @@
         </p:nvSpPr>
         <p:spPr>
           <a:xfrm>
-            <a:off x="3431922" y="1518921"/>
+            <a:off x="3611755" y="0"/>
             <a:ext cx="4968489" cy="1013800"/>
           </a:xfrm>
         </p:spPr>
@@ -16077,226 +16932,176 @@
           </a:p>
         </p:txBody>
       </p:sp>
-      <p:sp>
-        <p:nvSpPr>
-          <p:cNvPr id="3" name="Rectangle 1">
+      <p:graphicFrame>
+        <p:nvGraphicFramePr>
+          <p:cNvPr id="11" name="אובייקט 10">
             <a:extLst>
               <a:ext uri="{FF2B5EF4-FFF2-40B4-BE49-F238E27FC236}">
-                <a16:creationId xmlns:a16="http://schemas.microsoft.com/office/drawing/2014/main" id="{23F33924-8BF6-4DD5-848F-B505AF2B8E94}"/>
+                <a16:creationId xmlns:a16="http://schemas.microsoft.com/office/drawing/2014/main" id="{856A3477-CF48-E372-4A94-1749DBFE671C}"/>
               </a:ext>
             </a:extLst>
           </p:cNvPr>
-          <p:cNvSpPr>
-            <a:spLocks noGrp="1" noChangeArrowheads="1"/>
-          </p:cNvSpPr>
+          <p:cNvGraphicFramePr>
+            <a:graphicFrameLocks noChangeAspect="1"/>
+          </p:cNvGraphicFramePr>
           <p:nvPr>
-            <p:ph idx="1"/>
+            <p:extLst>
+              <p:ext uri="{D42A27DB-BD31-4B8C-83A1-F6EECF244321}">
+                <p14:modId xmlns:p14="http://schemas.microsoft.com/office/powerpoint/2010/main" val="3207206794"/>
+              </p:ext>
+            </p:extLst>
           </p:nvPr>
-        </p:nvSpPr>
-        <p:spPr bwMode="auto">
-          <a:xfrm>
-            <a:off x="2842436" y="2671220"/>
-            <a:ext cx="5628464" cy="923330"/>
-          </a:xfrm>
-          <a:prstGeom prst="rect">
-            <a:avLst/>
-          </a:prstGeom>
-          <a:noFill/>
-          <a:ln>
-            <a:noFill/>
-          </a:ln>
-          <a:effectLst/>
-          <a:extLst>
-            <a:ext uri="{909E8E84-426E-40DD-AFC4-6F175D3DCCD1}">
-              <a14:hiddenFill xmlns:a14="http://schemas.microsoft.com/office/drawing/2010/main">
-                <a:solidFill>
-                  <a:schemeClr val="accent1"/>
-                </a:solidFill>
-              </a14:hiddenFill>
-            </a:ext>
-            <a:ext uri="{91240B29-F687-4F45-9708-019B960494DF}">
-              <a14:hiddenLine xmlns:a14="http://schemas.microsoft.com/office/drawing/2010/main" w="9525">
-                <a:solidFill>
-                  <a:schemeClr val="tx1"/>
-                </a:solidFill>
-                <a:miter lim="800000"/>
-                <a:headEnd/>
-                <a:tailEnd/>
-              </a14:hiddenLine>
-            </a:ext>
-            <a:ext uri="{AF507438-7753-43E0-B8FC-AC1667EBCBE1}">
-              <a14:hiddenEffects xmlns:a14="http://schemas.microsoft.com/office/drawing/2010/main">
-                <a:effectLst>
-                  <a:outerShdw dist="35921" dir="2700000" algn="ctr" rotWithShape="0">
-                    <a:schemeClr val="bg2"/>
-                  </a:outerShdw>
-                </a:effectLst>
-              </a14:hiddenEffects>
-            </a:ext>
-          </a:extLst>
-        </p:spPr>
-        <p:txBody>
-          <a:bodyPr vert="horz" wrap="none" lIns="91440" tIns="45720" rIns="91440" bIns="45720" numCol="1" anchor="ctr" anchorCtr="0" compatLnSpc="1">
-            <a:prstTxWarp prst="textNoShape">
-              <a:avLst/>
-            </a:prstTxWarp>
-            <a:spAutoFit/>
-          </a:bodyPr>
-          <a:lstStyle/>
-          <a:p>
-            <a:pPr marL="0" marR="0" lvl="0" indent="0" algn="r" defTabSz="914400" eaLnBrk="0" fontAlgn="base" latinLnBrk="0" hangingPunct="0">
-              <a:lnSpc>
-                <a:spcPct val="100000"/>
-              </a:lnSpc>
-              <a:spcBef>
-                <a:spcPct val="0"/>
-              </a:spcBef>
-              <a:spcAft>
-                <a:spcPct val="0"/>
-              </a:spcAft>
-              <a:buClrTx/>
-              <a:buSzTx/>
-              <a:buNone/>
-              <a:tabLst/>
-            </a:pPr>
-            <a:r>
-              <a:rPr kumimoji="0" lang="he-IL" altLang="he-IL" sz="1800" b="0" i="0" u="none" strike="noStrike" cap="none" normalizeH="0" baseline="0" dirty="0">
-                <a:ln>
-                  <a:noFill/>
-                </a:ln>
-                <a:solidFill>
-                  <a:schemeClr val="bg1"/>
-                </a:solidFill>
-                <a:effectLst/>
-                <a:latin typeface="Arial" panose="020B0604020202020204" pitchFamily="34" charset="0"/>
-                <a:cs typeface="Arial" panose="020B0604020202020204" pitchFamily="34" charset="0"/>
-              </a:rPr>
-              <a:t>דיאגרמות: ארכיטקטורת מערכת, דיאגרמות זרימת נתונים </a:t>
-            </a:r>
-            <a:r>
-              <a:rPr kumimoji="0" lang="he-IL" altLang="he-IL" sz="1800" b="0" i="0" u="none" strike="noStrike" cap="none" normalizeH="0" baseline="0" dirty="0" err="1">
-                <a:ln>
-                  <a:noFill/>
-                </a:ln>
-                <a:solidFill>
-                  <a:schemeClr val="bg1"/>
-                </a:solidFill>
-                <a:effectLst/>
-                <a:latin typeface="Arial" panose="020B0604020202020204" pitchFamily="34" charset="0"/>
-                <a:cs typeface="Arial" panose="020B0604020202020204" pitchFamily="34" charset="0"/>
-              </a:rPr>
-              <a:t>וכו</a:t>
-            </a:r>
-            <a:r>
-              <a:rPr kumimoji="0" lang="he-IL" altLang="he-IL" sz="1800" b="0" i="0" u="none" strike="noStrike" cap="none" normalizeH="0" baseline="0" dirty="0">
-                <a:ln>
-                  <a:noFill/>
-                </a:ln>
-                <a:solidFill>
-                  <a:schemeClr val="bg1"/>
-                </a:solidFill>
-                <a:effectLst/>
-                <a:latin typeface="Arial" panose="020B0604020202020204" pitchFamily="34" charset="0"/>
-              </a:rPr>
-              <a:t>'.</a:t>
-            </a:r>
-          </a:p>
-          <a:p>
-            <a:pPr marL="0" marR="0" lvl="0" indent="0" algn="r" defTabSz="914400" eaLnBrk="0" fontAlgn="base" latinLnBrk="0" hangingPunct="0">
-              <a:lnSpc>
-                <a:spcPct val="100000"/>
-              </a:lnSpc>
-              <a:spcBef>
-                <a:spcPct val="0"/>
-              </a:spcBef>
-              <a:spcAft>
-                <a:spcPct val="0"/>
-              </a:spcAft>
-              <a:buClrTx/>
-              <a:buSzTx/>
-              <a:buNone/>
-              <a:tabLst/>
-            </a:pPr>
-            <a:r>
-              <a:rPr kumimoji="0" lang="he-IL" altLang="he-IL" sz="1800" b="0" i="0" u="none" strike="noStrike" cap="none" normalizeH="0" baseline="0" dirty="0">
-                <a:ln>
-                  <a:noFill/>
-                </a:ln>
-                <a:solidFill>
-                  <a:schemeClr val="bg1"/>
-                </a:solidFill>
-                <a:effectLst/>
-                <a:latin typeface="Arial" panose="020B0604020202020204" pitchFamily="34" charset="0"/>
-                <a:cs typeface="Arial" panose="020B0604020202020204" pitchFamily="34" charset="0"/>
-              </a:rPr>
-              <a:t>מסמכים טכניים: מפרטים טכניים מפורטים, קטעי קוד</a:t>
-            </a:r>
-            <a:r>
-              <a:rPr kumimoji="0" lang="he-IL" altLang="he-IL" sz="1800" b="0" i="0" u="none" strike="noStrike" cap="none" normalizeH="0" baseline="0" dirty="0">
-                <a:ln>
-                  <a:noFill/>
-                </a:ln>
-                <a:solidFill>
-                  <a:schemeClr val="bg1"/>
-                </a:solidFill>
-                <a:effectLst/>
-                <a:latin typeface="Arial" panose="020B0604020202020204" pitchFamily="34" charset="0"/>
-              </a:rPr>
-              <a:t>.</a:t>
-            </a:r>
-          </a:p>
-          <a:p>
-            <a:pPr marL="0" marR="0" lvl="0" indent="0" algn="r" defTabSz="914400" eaLnBrk="0" fontAlgn="base" latinLnBrk="0" hangingPunct="0">
-              <a:lnSpc>
-                <a:spcPct val="100000"/>
-              </a:lnSpc>
-              <a:spcBef>
-                <a:spcPct val="0"/>
-              </a:spcBef>
-              <a:spcAft>
-                <a:spcPct val="0"/>
-              </a:spcAft>
-              <a:buClrTx/>
-              <a:buSzTx/>
-              <a:buNone/>
-              <a:tabLst/>
-            </a:pPr>
-            <a:r>
-              <a:rPr kumimoji="0" lang="he-IL" altLang="he-IL" sz="1800" b="0" i="0" u="none" strike="noStrike" cap="none" normalizeH="0" baseline="0" dirty="0">
-                <a:ln>
-                  <a:noFill/>
-                </a:ln>
-                <a:solidFill>
-                  <a:schemeClr val="bg1"/>
-                </a:solidFill>
-                <a:effectLst/>
-                <a:latin typeface="Arial" panose="020B0604020202020204" pitchFamily="34" charset="0"/>
-                <a:cs typeface="Arial" panose="020B0604020202020204" pitchFamily="34" charset="0"/>
-              </a:rPr>
-              <a:t>תכתובת עם הלקוח: מיילים, סיכומי פגישות ומשוב</a:t>
-            </a:r>
-            <a:r>
-              <a:rPr kumimoji="0" lang="he-IL" altLang="he-IL" sz="1800" b="0" i="0" u="none" strike="noStrike" cap="none" normalizeH="0" baseline="0" dirty="0">
-                <a:ln>
-                  <a:noFill/>
-                </a:ln>
-                <a:solidFill>
-                  <a:schemeClr val="bg1"/>
-                </a:solidFill>
-                <a:effectLst/>
-                <a:latin typeface="Arial" panose="020B0604020202020204" pitchFamily="34" charset="0"/>
-              </a:rPr>
-              <a:t>. </a:t>
-            </a:r>
-          </a:p>
-        </p:txBody>
-      </p:sp>
+        </p:nvGraphicFramePr>
+        <p:xfrm>
+          <a:off x="7071584" y="124168"/>
+          <a:ext cx="4887535" cy="6249963"/>
+        </p:xfrm>
+        <a:graphic>
+          <a:graphicData uri="http://schemas.openxmlformats.org/presentationml/2006/ole">
+            <mc:AlternateContent xmlns:mc="http://schemas.openxmlformats.org/markup-compatibility/2006">
+              <mc:Choice xmlns:v="urn:schemas-microsoft-com:vml" Requires="v">
+                <p:oleObj name="Document" r:id="rId2" imgW="7685031" imgH="9826451" progId="Word.Document.8">
+                  <p:embed/>
+                </p:oleObj>
+              </mc:Choice>
+              <mc:Fallback>
+                <p:oleObj name="Document" r:id="rId2" imgW="7685031" imgH="9826451" progId="Word.Document.8">
+                  <p:embed/>
+                  <p:pic>
+                    <p:nvPicPr>
+                      <p:cNvPr id="0" name=""/>
+                      <p:cNvPicPr/>
+                      <p:nvPr/>
+                    </p:nvPicPr>
+                    <p:blipFill>
+                      <a:blip r:embed="rId3"/>
+                      <a:stretch>
+                        <a:fillRect/>
+                      </a:stretch>
+                    </p:blipFill>
+                    <p:spPr>
+                      <a:xfrm>
+                        <a:off x="7071584" y="124168"/>
+                        <a:ext cx="4887535" cy="6249963"/>
+                      </a:xfrm>
+                      <a:prstGeom prst="rect">
+                        <a:avLst/>
+                      </a:prstGeom>
+                    </p:spPr>
+                  </p:pic>
+                </p:oleObj>
+              </mc:Fallback>
+            </mc:AlternateContent>
+          </a:graphicData>
+        </a:graphic>
+      </p:graphicFrame>
+      <p:graphicFrame>
+        <p:nvGraphicFramePr>
+          <p:cNvPr id="13" name="אובייקט 12">
+            <a:extLst>
+              <a:ext uri="{FF2B5EF4-FFF2-40B4-BE49-F238E27FC236}">
+                <a16:creationId xmlns:a16="http://schemas.microsoft.com/office/drawing/2014/main" id="{9487BB13-D0E3-E359-E7E6-676CF32E21F8}"/>
+              </a:ext>
+            </a:extLst>
+          </p:cNvPr>
+          <p:cNvGraphicFramePr>
+            <a:graphicFrameLocks noChangeAspect="1"/>
+          </p:cNvGraphicFramePr>
+          <p:nvPr>
+            <p:extLst>
+              <p:ext uri="{D42A27DB-BD31-4B8C-83A1-F6EECF244321}">
+                <p14:modId xmlns:p14="http://schemas.microsoft.com/office/powerpoint/2010/main" val="1555943760"/>
+              </p:ext>
+            </p:extLst>
+          </p:nvPr>
+        </p:nvGraphicFramePr>
+        <p:xfrm>
+          <a:off x="3741898" y="955994"/>
+          <a:ext cx="3536950" cy="5418137"/>
+        </p:xfrm>
+        <a:graphic>
+          <a:graphicData uri="http://schemas.openxmlformats.org/presentationml/2006/ole">
+            <mc:AlternateContent xmlns:mc="http://schemas.openxmlformats.org/markup-compatibility/2006">
+              <mc:Choice xmlns:v="urn:schemas-microsoft-com:vml" Requires="v">
+                <p:oleObj name="Document" r:id="rId4" imgW="6328680" imgH="9694889" progId="Word.Document.8">
+                  <p:embed/>
+                </p:oleObj>
+              </mc:Choice>
+              <mc:Fallback>
+                <p:oleObj name="Document" r:id="rId4" imgW="6328680" imgH="9694889" progId="Word.Document.8">
+                  <p:embed/>
+                  <p:pic>
+                    <p:nvPicPr>
+                      <p:cNvPr id="0" name=""/>
+                      <p:cNvPicPr/>
+                      <p:nvPr/>
+                    </p:nvPicPr>
+                    <p:blipFill>
+                      <a:blip r:embed="rId5"/>
+                      <a:stretch>
+                        <a:fillRect/>
+                      </a:stretch>
+                    </p:blipFill>
+                    <p:spPr>
+                      <a:xfrm>
+                        <a:off x="3741898" y="955994"/>
+                        <a:ext cx="3536950" cy="5418137"/>
+                      </a:xfrm>
+                      <a:prstGeom prst="rect">
+                        <a:avLst/>
+                      </a:prstGeom>
+                    </p:spPr>
+                  </p:pic>
+                </p:oleObj>
+              </mc:Fallback>
+            </mc:AlternateContent>
+          </a:graphicData>
+        </a:graphic>
+      </p:graphicFrame>
+    </p:spTree>
+    <p:extLst>
+      <p:ext uri="{BB962C8B-B14F-4D97-AF65-F5344CB8AC3E}">
+        <p14:creationId xmlns:p14="http://schemas.microsoft.com/office/powerpoint/2010/main" val="930384146"/>
+      </p:ext>
+    </p:extLst>
+  </p:cSld>
+  <p:clrMapOvr>
+    <a:overrideClrMapping bg1="dk1" tx1="lt1" bg2="dk2" tx2="lt2" accent1="accent1" accent2="accent2" accent3="accent3" accent4="accent4" accent5="accent5" accent6="accent6" hlink="hlink" folHlink="folHlink"/>
+  </p:clrMapOvr>
+</p:sld>
+</file>
+
+<file path=ppt/slides/slide32.xml><?xml version="1.0" encoding="utf-8"?>
+<p:sld xmlns:a="http://schemas.openxmlformats.org/drawingml/2006/main" xmlns:r="http://schemas.openxmlformats.org/officeDocument/2006/relationships" xmlns:p="http://schemas.openxmlformats.org/presentationml/2006/main">
+  <p:cSld>
+    <p:bg>
+      <p:bgPr>
+        <a:solidFill>
+          <a:schemeClr val="tx1"/>
+        </a:solidFill>
+        <a:effectLst/>
+      </p:bgPr>
+    </p:bg>
+    <p:spTree>
+      <p:nvGrpSpPr>
+        <p:cNvPr id="1" name=""/>
+        <p:cNvGrpSpPr/>
+        <p:nvPr/>
+      </p:nvGrpSpPr>
+      <p:grpSpPr>
+        <a:xfrm>
+          <a:off x="0" y="0"/>
+          <a:ext cx="0" cy="0"/>
+          <a:chOff x="0" y="0"/>
+          <a:chExt cx="0" cy="0"/>
+        </a:xfrm>
+      </p:grpSpPr>
       <p:pic>
         <p:nvPicPr>
-          <p:cNvPr id="5" name="תמונה 4" descr="תמונה שמכילה גרפיקה, עיצוב גרפי, גופן, לוגו&#10;&#10;התיאור נוצר באופן אוטומטי">
+          <p:cNvPr id="8" name="תמונה 7">
             <a:extLst>
               <a:ext uri="{FF2B5EF4-FFF2-40B4-BE49-F238E27FC236}">
-                <a16:creationId xmlns:a16="http://schemas.microsoft.com/office/drawing/2014/main" id="{1E87D677-058D-4921-8060-2C67286C20D0}"/>
+                <a16:creationId xmlns:a16="http://schemas.microsoft.com/office/drawing/2014/main" id="{6CDD3BC3-78B3-DACC-BDE4-F999995C5989}"/>
               </a:ext>
             </a:extLst>
           </p:cNvPr>
@@ -16306,57 +17111,15 @@
           <p:nvPr/>
         </p:nvPicPr>
         <p:blipFill>
-          <a:blip r:embed="rId2">
-            <a:extLst>
-              <a:ext uri="{28A0092B-C50C-407E-A947-70E740481C1C}">
-                <a14:useLocalDpi xmlns:a14="http://schemas.microsoft.com/office/drawing/2010/main" val="0"/>
-              </a:ext>
-            </a:extLst>
-          </a:blip>
+          <a:blip r:embed="rId2"/>
           <a:stretch>
             <a:fillRect/>
           </a:stretch>
         </p:blipFill>
         <p:spPr>
           <a:xfrm>
-            <a:off x="-738932" y="2973650"/>
-            <a:ext cx="4945656" cy="4945656"/>
-          </a:xfrm>
-          <a:prstGeom prst="rect">
-            <a:avLst/>
-          </a:prstGeom>
-        </p:spPr>
-      </p:pic>
-      <p:pic>
-        <p:nvPicPr>
-          <p:cNvPr id="10" name="תמונה 9" descr="תמונה שמכילה טקסט, לוגו, גופן, גרפיקה&#10;&#10;התיאור נוצר באופן אוטומטי">
-            <a:extLst>
-              <a:ext uri="{FF2B5EF4-FFF2-40B4-BE49-F238E27FC236}">
-                <a16:creationId xmlns:a16="http://schemas.microsoft.com/office/drawing/2014/main" id="{3D57B1C8-C8D6-4A6E-B291-2CDD58175F60}"/>
-              </a:ext>
-            </a:extLst>
-          </p:cNvPr>
-          <p:cNvPicPr>
-            <a:picLocks noChangeAspect="1"/>
-          </p:cNvPicPr>
-          <p:nvPr/>
-        </p:nvPicPr>
-        <p:blipFill>
-          <a:blip r:embed="rId3">
-            <a:extLst>
-              <a:ext uri="{28A0092B-C50C-407E-A947-70E740481C1C}">
-                <a14:useLocalDpi xmlns:a14="http://schemas.microsoft.com/office/drawing/2010/main" val="0"/>
-              </a:ext>
-            </a:extLst>
-          </a:blip>
-          <a:stretch>
-            <a:fillRect/>
-          </a:stretch>
-        </p:blipFill>
-        <p:spPr>
-          <a:xfrm>
-            <a:off x="8905875" y="4930966"/>
-            <a:ext cx="2957878" cy="1427177"/>
+            <a:off x="3809238" y="93034"/>
+            <a:ext cx="5375705" cy="6662082"/>
           </a:xfrm>
           <a:prstGeom prst="rect">
             <a:avLst/>
@@ -16366,7 +17129,7 @@
     </p:spTree>
     <p:extLst>
       <p:ext uri="{BB962C8B-B14F-4D97-AF65-F5344CB8AC3E}">
-        <p14:creationId xmlns:p14="http://schemas.microsoft.com/office/powerpoint/2010/main" val="930384146"/>
+        <p14:creationId xmlns:p14="http://schemas.microsoft.com/office/powerpoint/2010/main" val="2697760604"/>
       </p:ext>
     </p:extLst>
   </p:cSld>
@@ -16409,11 +17172,17 @@
             <p:ph type="title"/>
           </p:nvPr>
         </p:nvSpPr>
-        <p:spPr/>
+        <p:spPr>
+          <a:xfrm>
+            <a:off x="1398036" y="0"/>
+            <a:ext cx="10058400" cy="1450757"/>
+          </a:xfrm>
+        </p:spPr>
         <p:txBody>
           <a:bodyPr/>
           <a:lstStyle/>
           <a:p>
+            <a:pPr algn="r"/>
             <a:r>
               <a:rPr lang="he-IL" dirty="0">
                 <a:solidFill>
@@ -17019,7 +17788,12 @@
             <p:ph type="title"/>
           </p:nvPr>
         </p:nvSpPr>
-        <p:spPr/>
+        <p:spPr>
+          <a:xfrm>
+            <a:off x="1173480" y="-221397"/>
+            <a:ext cx="10058400" cy="1450757"/>
+          </a:xfrm>
+        </p:spPr>
         <p:txBody>
           <a:bodyPr/>
           <a:lstStyle/>
@@ -19153,18 +19927,18 @@
               <a:buNone/>
             </a:pPr>
             <a:r>
-              <a:rPr lang="iw-IL" sz="1100" b="1" dirty="0"/>
+              <a:rPr lang="iw-IL" sz="2400" b="1" dirty="0"/>
               <a:t>שלב</a:t>
             </a:r>
             <a:r>
-              <a:rPr lang="he-IL" sz="1100" b="1" dirty="0"/>
+              <a:rPr lang="he-IL" sz="2400" b="1" dirty="0"/>
               <a:t> 1:</a:t>
             </a:r>
             <a:r>
-              <a:rPr lang="iw-IL" sz="1100" b="1" dirty="0"/>
+              <a:rPr lang="iw-IL" sz="2400" b="1" dirty="0"/>
               <a:t> היכרות עם החברה והפרויקט</a:t>
             </a:r>
-            <a:endParaRPr lang="iw-IL" sz="1100" dirty="0"/>
+            <a:endParaRPr lang="iw-IL" sz="2400" dirty="0"/>
           </a:p>
           <a:p>
             <a:pPr marL="0" lvl="0" indent="0" algn="r" rtl="1">
@@ -19181,18 +19955,18 @@
               <a:buNone/>
             </a:pPr>
             <a:r>
-              <a:rPr lang="iw-IL" sz="1100" b="1" dirty="0"/>
+              <a:rPr lang="iw-IL" sz="2400" b="1" dirty="0"/>
               <a:t>שלב</a:t>
             </a:r>
             <a:r>
-              <a:rPr lang="he-IL" sz="1100" b="1" dirty="0"/>
+              <a:rPr lang="he-IL" sz="2400" b="1" dirty="0"/>
               <a:t> 2: </a:t>
             </a:r>
             <a:r>
-              <a:rPr lang="iw-IL" sz="1100" b="1" dirty="0"/>
+              <a:rPr lang="iw-IL" sz="2400" b="1" dirty="0"/>
               <a:t>אפיון ודרישות</a:t>
             </a:r>
-            <a:endParaRPr lang="iw-IL" sz="1100" dirty="0"/>
+            <a:endParaRPr lang="iw-IL" sz="2400" dirty="0"/>
           </a:p>
           <a:p>
             <a:pPr marL="0" lvl="0" indent="0" algn="r" rtl="1">
@@ -19209,18 +19983,18 @@
               <a:buNone/>
             </a:pPr>
             <a:r>
-              <a:rPr lang="iw-IL" sz="1100" b="1" dirty="0"/>
+              <a:rPr lang="iw-IL" sz="2400" b="1" dirty="0"/>
               <a:t>שלב </a:t>
             </a:r>
             <a:r>
-              <a:rPr lang="he-IL" sz="1100" b="1" dirty="0"/>
+              <a:rPr lang="he-IL" sz="2400" b="1" dirty="0"/>
               <a:t>3: </a:t>
             </a:r>
             <a:r>
-              <a:rPr lang="iw-IL" sz="1100" b="1" dirty="0"/>
+              <a:rPr lang="iw-IL" sz="2400" b="1" dirty="0"/>
               <a:t>תכנון</a:t>
             </a:r>
-            <a:endParaRPr lang="iw-IL" sz="1100" dirty="0"/>
+            <a:endParaRPr lang="iw-IL" sz="2400" dirty="0"/>
           </a:p>
           <a:p>
             <a:pPr marL="0" lvl="0" indent="0" algn="r" rtl="1">
@@ -19237,18 +20011,18 @@
               <a:buNone/>
             </a:pPr>
             <a:r>
-              <a:rPr lang="iw-IL" sz="1100" b="1" dirty="0"/>
+              <a:rPr lang="iw-IL" sz="2400" b="1" dirty="0"/>
               <a:t>שלב </a:t>
             </a:r>
             <a:r>
-              <a:rPr lang="he-IL" sz="1100" b="1" dirty="0"/>
+              <a:rPr lang="he-IL" sz="2400" b="1" dirty="0"/>
               <a:t>4: </a:t>
             </a:r>
             <a:r>
-              <a:rPr lang="iw-IL" sz="1100" b="1" dirty="0"/>
+              <a:rPr lang="iw-IL" sz="2400" b="1" dirty="0"/>
               <a:t>ביצוע ופיתוח</a:t>
             </a:r>
-            <a:endParaRPr lang="iw-IL" sz="1100" dirty="0"/>
+            <a:endParaRPr lang="iw-IL" sz="2400" dirty="0"/>
           </a:p>
           <a:p>
             <a:pPr marL="0" lvl="0" indent="0" algn="r" rtl="1">
@@ -19265,18 +20039,18 @@
               <a:buNone/>
             </a:pPr>
             <a:r>
-              <a:rPr lang="iw-IL" sz="1100" b="1" dirty="0"/>
+              <a:rPr lang="iw-IL" sz="2400" b="1" dirty="0"/>
               <a:t>שלב </a:t>
             </a:r>
             <a:r>
-              <a:rPr lang="he-IL" sz="1100" b="1" dirty="0"/>
+              <a:rPr lang="he-IL" sz="2400" b="1" dirty="0"/>
               <a:t>5: </a:t>
             </a:r>
             <a:r>
-              <a:rPr lang="iw-IL" sz="1100" b="1" dirty="0"/>
+              <a:rPr lang="iw-IL" sz="2400" b="1" dirty="0"/>
               <a:t>בדיקות ואבטחת איכות</a:t>
             </a:r>
-            <a:endParaRPr lang="iw-IL" sz="1100" dirty="0"/>
+            <a:endParaRPr lang="iw-IL" sz="2400" dirty="0"/>
           </a:p>
           <a:p>
             <a:pPr marL="0" lvl="0" indent="0" algn="r" rtl="1">
@@ -19293,18 +20067,18 @@
               <a:buNone/>
             </a:pPr>
             <a:r>
-              <a:rPr lang="iw-IL" sz="1100" b="1" dirty="0"/>
+              <a:rPr lang="iw-IL" sz="2400" b="1" dirty="0"/>
               <a:t>שלב </a:t>
             </a:r>
             <a:r>
-              <a:rPr lang="he-IL" sz="1100" b="1" dirty="0"/>
+              <a:rPr lang="he-IL" sz="2400" b="1" dirty="0"/>
               <a:t>6:</a:t>
             </a:r>
             <a:r>
-              <a:rPr lang="iw-IL" sz="1100" b="1" dirty="0"/>
+              <a:rPr lang="iw-IL" sz="2400" b="1" dirty="0"/>
               <a:t> הטמעה ותמיכה</a:t>
             </a:r>
-            <a:endParaRPr lang="iw-IL" sz="1100" dirty="0"/>
+            <a:endParaRPr lang="iw-IL" sz="2400" dirty="0"/>
           </a:p>
         </p:txBody>
       </p:sp>
@@ -19602,4 +20376,319 @@
     </a:ext>
   </a:extLst>
 </a:theme>
+</file>
+
+<file path=ppt/theme/theme2.xml><?xml version="1.0" encoding="utf-8"?>
+<a:theme xmlns:a="http://schemas.openxmlformats.org/drawingml/2006/main" name="ערכת נושא Office">
+  <a:themeElements>
+    <a:clrScheme name="Office">
+      <a:dk1>
+        <a:sysClr val="windowText" lastClr="000000"/>
+      </a:dk1>
+      <a:lt1>
+        <a:sysClr val="window" lastClr="FFFFFF"/>
+      </a:lt1>
+      <a:dk2>
+        <a:srgbClr val="0E2841"/>
+      </a:dk2>
+      <a:lt2>
+        <a:srgbClr val="E8E8E8"/>
+      </a:lt2>
+      <a:accent1>
+        <a:srgbClr val="156082"/>
+      </a:accent1>
+      <a:accent2>
+        <a:srgbClr val="E97132"/>
+      </a:accent2>
+      <a:accent3>
+        <a:srgbClr val="196B24"/>
+      </a:accent3>
+      <a:accent4>
+        <a:srgbClr val="0F9ED5"/>
+      </a:accent4>
+      <a:accent5>
+        <a:srgbClr val="A02B93"/>
+      </a:accent5>
+      <a:accent6>
+        <a:srgbClr val="4EA72E"/>
+      </a:accent6>
+      <a:hlink>
+        <a:srgbClr val="467886"/>
+      </a:hlink>
+      <a:folHlink>
+        <a:srgbClr val="96607D"/>
+      </a:folHlink>
+    </a:clrScheme>
+    <a:fontScheme name="Office">
+      <a:majorFont>
+        <a:latin typeface="Aptos Display" panose="02110004020202020204"/>
+        <a:ea typeface=""/>
+        <a:cs typeface=""/>
+        <a:font script="Jpan" typeface="游ゴシック Light"/>
+        <a:font script="Hang" typeface="맑은 고딕"/>
+        <a:font script="Hans" typeface="等线 Light"/>
+        <a:font script="Hant" typeface="新細明體"/>
+        <a:font script="Arab" typeface="Times New Roman"/>
+        <a:font script="Hebr" typeface="Times New Roman"/>
+        <a:font script="Thai" typeface="Angsana New"/>
+        <a:font script="Ethi" typeface="Nyala"/>
+        <a:font script="Beng" typeface="Vrinda"/>
+        <a:font script="Gujr" typeface="Shruti"/>
+        <a:font script="Khmr" typeface="MoolBoran"/>
+        <a:font script="Knda" typeface="Tunga"/>
+        <a:font script="Guru" typeface="Raavi"/>
+        <a:font script="Cans" typeface="Euphemia"/>
+        <a:font script="Cher" typeface="Plantagenet Cherokee"/>
+        <a:font script="Yiii" typeface="Microsoft Yi Baiti"/>
+        <a:font script="Tibt" typeface="Microsoft Himalaya"/>
+        <a:font script="Thaa" typeface="MV Boli"/>
+        <a:font script="Deva" typeface="Mangal"/>
+        <a:font script="Telu" typeface="Gautami"/>
+        <a:font script="Taml" typeface="Latha"/>
+        <a:font script="Syrc" typeface="Estrangelo Edessa"/>
+        <a:font script="Orya" typeface="Kalinga"/>
+        <a:font script="Mlym" typeface="Kartika"/>
+        <a:font script="Laoo" typeface="DokChampa"/>
+        <a:font script="Sinh" typeface="Iskoola Pota"/>
+        <a:font script="Mong" typeface="Mongolian Baiti"/>
+        <a:font script="Viet" typeface="Times New Roman"/>
+        <a:font script="Uigh" typeface="Microsoft Uighur"/>
+        <a:font script="Geor" typeface="Sylfaen"/>
+        <a:font script="Armn" typeface="Arial"/>
+        <a:font script="Bugi" typeface="Leelawadee UI"/>
+        <a:font script="Bopo" typeface="Microsoft JhengHei"/>
+        <a:font script="Java" typeface="Javanese Text"/>
+        <a:font script="Lisu" typeface="Segoe UI"/>
+        <a:font script="Mymr" typeface="Myanmar Text"/>
+        <a:font script="Nkoo" typeface="Ebrima"/>
+        <a:font script="Olck" typeface="Nirmala UI"/>
+        <a:font script="Osma" typeface="Ebrima"/>
+        <a:font script="Phag" typeface="Phagspa"/>
+        <a:font script="Syrn" typeface="Estrangelo Edessa"/>
+        <a:font script="Syrj" typeface="Estrangelo Edessa"/>
+        <a:font script="Syre" typeface="Estrangelo Edessa"/>
+        <a:font script="Sora" typeface="Nirmala UI"/>
+        <a:font script="Tale" typeface="Microsoft Tai Le"/>
+        <a:font script="Talu" typeface="Microsoft New Tai Lue"/>
+        <a:font script="Tfng" typeface="Ebrima"/>
+      </a:majorFont>
+      <a:minorFont>
+        <a:latin typeface="Aptos" panose="02110004020202020204"/>
+        <a:ea typeface=""/>
+        <a:cs typeface=""/>
+        <a:font script="Jpan" typeface="游ゴシック"/>
+        <a:font script="Hang" typeface="맑은 고딕"/>
+        <a:font script="Hans" typeface="等线"/>
+        <a:font script="Hant" typeface="新細明體"/>
+        <a:font script="Arab" typeface="Arial"/>
+        <a:font script="Hebr" typeface="Arial"/>
+        <a:font script="Thai" typeface="Cordia New"/>
+        <a:font script="Ethi" typeface="Nyala"/>
+        <a:font script="Beng" typeface="Vrinda"/>
+        <a:font script="Gujr" typeface="Shruti"/>
+        <a:font script="Khmr" typeface="DaunPenh"/>
+        <a:font script="Knda" typeface="Tunga"/>
+        <a:font script="Guru" typeface="Raavi"/>
+        <a:font script="Cans" typeface="Euphemia"/>
+        <a:font script="Cher" typeface="Plantagenet Cherokee"/>
+        <a:font script="Yiii" typeface="Microsoft Yi Baiti"/>
+        <a:font script="Tibt" typeface="Microsoft Himalaya"/>
+        <a:font script="Thaa" typeface="MV Boli"/>
+        <a:font script="Deva" typeface="Mangal"/>
+        <a:font script="Telu" typeface="Gautami"/>
+        <a:font script="Taml" typeface="Latha"/>
+        <a:font script="Syrc" typeface="Estrangelo Edessa"/>
+        <a:font script="Orya" typeface="Kalinga"/>
+        <a:font script="Mlym" typeface="Kartika"/>
+        <a:font script="Laoo" typeface="DokChampa"/>
+        <a:font script="Sinh" typeface="Iskoola Pota"/>
+        <a:font script="Mong" typeface="Mongolian Baiti"/>
+        <a:font script="Viet" typeface="Arial"/>
+        <a:font script="Uigh" typeface="Microsoft Uighur"/>
+        <a:font script="Geor" typeface="Sylfaen"/>
+        <a:font script="Armn" typeface="Arial"/>
+        <a:font script="Bugi" typeface="Leelawadee UI"/>
+        <a:font script="Bopo" typeface="Microsoft JhengHei"/>
+        <a:font script="Java" typeface="Javanese Text"/>
+        <a:font script="Lisu" typeface="Segoe UI"/>
+        <a:font script="Mymr" typeface="Myanmar Text"/>
+        <a:font script="Nkoo" typeface="Ebrima"/>
+        <a:font script="Olck" typeface="Nirmala UI"/>
+        <a:font script="Osma" typeface="Ebrima"/>
+        <a:font script="Phag" typeface="Phagspa"/>
+        <a:font script="Syrn" typeface="Estrangelo Edessa"/>
+        <a:font script="Syrj" typeface="Estrangelo Edessa"/>
+        <a:font script="Syre" typeface="Estrangelo Edessa"/>
+        <a:font script="Sora" typeface="Nirmala UI"/>
+        <a:font script="Tale" typeface="Microsoft Tai Le"/>
+        <a:font script="Talu" typeface="Microsoft New Tai Lue"/>
+        <a:font script="Tfng" typeface="Ebrima"/>
+      </a:minorFont>
+    </a:fontScheme>
+    <a:fmtScheme name="Office">
+      <a:fillStyleLst>
+        <a:solidFill>
+          <a:schemeClr val="phClr"/>
+        </a:solidFill>
+        <a:gradFill rotWithShape="1">
+          <a:gsLst>
+            <a:gs pos="0">
+              <a:schemeClr val="phClr">
+                <a:lumMod val="110000"/>
+                <a:satMod val="105000"/>
+                <a:tint val="67000"/>
+              </a:schemeClr>
+            </a:gs>
+            <a:gs pos="50000">
+              <a:schemeClr val="phClr">
+                <a:lumMod val="105000"/>
+                <a:satMod val="103000"/>
+                <a:tint val="73000"/>
+              </a:schemeClr>
+            </a:gs>
+            <a:gs pos="100000">
+              <a:schemeClr val="phClr">
+                <a:lumMod val="105000"/>
+                <a:satMod val="109000"/>
+                <a:tint val="81000"/>
+              </a:schemeClr>
+            </a:gs>
+          </a:gsLst>
+          <a:lin ang="5400000" scaled="0"/>
+        </a:gradFill>
+        <a:gradFill rotWithShape="1">
+          <a:gsLst>
+            <a:gs pos="0">
+              <a:schemeClr val="phClr">
+                <a:satMod val="103000"/>
+                <a:lumMod val="102000"/>
+                <a:tint val="94000"/>
+              </a:schemeClr>
+            </a:gs>
+            <a:gs pos="50000">
+              <a:schemeClr val="phClr">
+                <a:satMod val="110000"/>
+                <a:lumMod val="100000"/>
+                <a:shade val="100000"/>
+              </a:schemeClr>
+            </a:gs>
+            <a:gs pos="100000">
+              <a:schemeClr val="phClr">
+                <a:lumMod val="99000"/>
+                <a:satMod val="120000"/>
+                <a:shade val="78000"/>
+              </a:schemeClr>
+            </a:gs>
+          </a:gsLst>
+          <a:lin ang="5400000" scaled="0"/>
+        </a:gradFill>
+      </a:fillStyleLst>
+      <a:lnStyleLst>
+        <a:ln w="12700" cap="flat" cmpd="sng" algn="ctr">
+          <a:solidFill>
+            <a:schemeClr val="phClr"/>
+          </a:solidFill>
+          <a:prstDash val="solid"/>
+          <a:miter lim="800000"/>
+        </a:ln>
+        <a:ln w="19050" cap="flat" cmpd="sng" algn="ctr">
+          <a:solidFill>
+            <a:schemeClr val="phClr"/>
+          </a:solidFill>
+          <a:prstDash val="solid"/>
+          <a:miter lim="800000"/>
+        </a:ln>
+        <a:ln w="25400" cap="flat" cmpd="sng" algn="ctr">
+          <a:solidFill>
+            <a:schemeClr val="phClr"/>
+          </a:solidFill>
+          <a:prstDash val="solid"/>
+          <a:miter lim="800000"/>
+        </a:ln>
+      </a:lnStyleLst>
+      <a:effectStyleLst>
+        <a:effectStyle>
+          <a:effectLst/>
+        </a:effectStyle>
+        <a:effectStyle>
+          <a:effectLst/>
+        </a:effectStyle>
+        <a:effectStyle>
+          <a:effectLst>
+            <a:outerShdw blurRad="57150" dist="19050" dir="5400000" algn="ctr" rotWithShape="0">
+              <a:srgbClr val="000000">
+                <a:alpha val="63000"/>
+              </a:srgbClr>
+            </a:outerShdw>
+          </a:effectLst>
+        </a:effectStyle>
+      </a:effectStyleLst>
+      <a:bgFillStyleLst>
+        <a:solidFill>
+          <a:schemeClr val="phClr"/>
+        </a:solidFill>
+        <a:solidFill>
+          <a:schemeClr val="phClr">
+            <a:tint val="95000"/>
+            <a:satMod val="170000"/>
+          </a:schemeClr>
+        </a:solidFill>
+        <a:gradFill rotWithShape="1">
+          <a:gsLst>
+            <a:gs pos="0">
+              <a:schemeClr val="phClr">
+                <a:tint val="93000"/>
+                <a:satMod val="150000"/>
+                <a:shade val="98000"/>
+                <a:lumMod val="102000"/>
+              </a:schemeClr>
+            </a:gs>
+            <a:gs pos="50000">
+              <a:schemeClr val="phClr">
+                <a:tint val="98000"/>
+                <a:satMod val="130000"/>
+                <a:shade val="90000"/>
+                <a:lumMod val="103000"/>
+              </a:schemeClr>
+            </a:gs>
+            <a:gs pos="100000">
+              <a:schemeClr val="phClr">
+                <a:shade val="63000"/>
+                <a:satMod val="120000"/>
+              </a:schemeClr>
+            </a:gs>
+          </a:gsLst>
+          <a:lin ang="5400000" scaled="0"/>
+        </a:gradFill>
+      </a:bgFillStyleLst>
+    </a:fmtScheme>
+  </a:themeElements>
+  <a:objectDefaults>
+    <a:lnDef>
+      <a:spPr/>
+      <a:bodyPr/>
+      <a:lstStyle/>
+      <a:style>
+        <a:lnRef idx="2">
+          <a:schemeClr val="accent1"/>
+        </a:lnRef>
+        <a:fillRef idx="0">
+          <a:schemeClr val="accent1"/>
+        </a:fillRef>
+        <a:effectRef idx="1">
+          <a:schemeClr val="accent1"/>
+        </a:effectRef>
+        <a:fontRef idx="minor">
+          <a:schemeClr val="tx1"/>
+        </a:fontRef>
+      </a:style>
+    </a:lnDef>
+  </a:objectDefaults>
+  <a:extraClrSchemeLst/>
+  <a:extLst>
+    <a:ext uri="{05A4C25C-085E-4340-85A3-A5531E510DB2}">
+      <thm15:themeFamily xmlns:thm15="http://schemas.microsoft.com/office/thememl/2012/main" name="Office Theme" id="{2E142A2C-CD16-42D6-873A-C26D2A0506FA}" vid="{1BDDFF52-6CD6-40A5-AB3C-68EB2F1E4D0A}"/>
+    </a:ext>
+  </a:extLst>
+</a:theme>
 </file>
--- a/נעמה גרשוני.pptx
+++ b/נעמה גרשוני.pptx
@@ -146,6 +146,141 @@
 </p:presentation>
 </file>
 
+<file path=ppt/ink/ink1.xml><?xml version="1.0" encoding="utf-8"?>
+<inkml:ink xmlns:inkml="http://www.w3.org/2003/InkML">
+  <inkml:definitions>
+    <inkml:context xml:id="ctx0">
+      <inkml:inkSource xml:id="inkSrc0">
+        <inkml:traceFormat>
+          <inkml:channel name="X" type="integer" min="-2.14748E9" max="2.14748E9" units="cm"/>
+          <inkml:channel name="Y" type="integer" min="-2.14748E9" max="2.14748E9" units="cm"/>
+          <inkml:channel name="F" type="integer" max="32767" units="dev"/>
+        </inkml:traceFormat>
+        <inkml:channelProperties>
+          <inkml:channelProperty channel="X" name="resolution" value="1000" units="1/cm"/>
+          <inkml:channelProperty channel="Y" name="resolution" value="1000" units="1/cm"/>
+          <inkml:channelProperty channel="F" name="resolution" value="0" units="1/dev"/>
+        </inkml:channelProperties>
+      </inkml:inkSource>
+      <inkml:timestamp xml:id="ts0" timeString="2024-08-08T08:08:28.057"/>
+    </inkml:context>
+    <inkml:brush xml:id="br0">
+      <inkml:brushProperty name="width" value="0.035" units="cm"/>
+      <inkml:brushProperty name="height" value="0.035" units="cm"/>
+    </inkml:brush>
+  </inkml:definitions>
+  <inkml:trace contextRef="#ctx0" brushRef="#br0">809 1 24575,'1'63'0,"0"-20"0,-4 53 0,1-83 0,0 1 0,0-1 0,-2 0 0,1 0 0,-2 0 0,0 0 0,0-1 0,-8 14 0,-8 7 0,-1-1 0,-2-1 0,-53 54 0,71-79 0,0-2 0,-1 1 0,0-1 0,0 0 0,0-1 0,0 1 0,0-1 0,-1-1 0,1 1 0,-1-1 0,0-1 0,1 1 0,-10-1 0,-14 1 0,0-2 0,-35-5 0,-6 1 0,56 4 0,1-1 0,-1 0 0,0-1 0,1-1 0,0 0 0,-1-1 0,2-1 0,-1 0 0,0-1 0,1-1 0,-14-8 0,-2-1 0,22 13 0,0 0 0,1-1 0,-1 0 0,1-1 0,0 0 0,0 0 0,0 0 0,0-1 0,1 0 0,-7-9 0,12 15 0,1-1 0,0 1 0,-1-1 0,1 1 0,0-1 0,0 1 0,-1-1 0,1 0 0,0 1 0,0-1 0,0 1 0,0-1 0,0 1 0,0-1 0,0 0 0,0 1 0,0-1 0,0 1 0,0-1 0,0 0 0,0 1 0,0-1 0,0 1 0,1-1 0,-1 1 0,0-1 0,0 1 0,1-1 0,-1 1 0,0-1 0,1 1 0,-1-1 0,0 1 0,1-1 0,-1 1 0,1 0 0,-1-1 0,1 1 0,-1 0 0,1-1 0,-1 1 0,1 0 0,-1 0 0,1-1 0,-1 1 0,1 0 0,0 0 0,-1 0 0,1 0 0,0 0 0,33-1 0,-9 5 0,0 1 0,-1 1 0,0 1 0,39 17 0,92 53 0,-133-66 0,156 87 0,-76-39 0,3-4 0,162 59 0,247 35 0,-494-145-455,0 0 0,30 0 0,-31-3-6371</inkml:trace>
+</inkml:ink>
+</file>
+
+<file path=ppt/ink/ink2.xml><?xml version="1.0" encoding="utf-8"?>
+<inkml:ink xmlns:inkml="http://www.w3.org/2003/InkML">
+  <inkml:definitions>
+    <inkml:context xml:id="ctx0">
+      <inkml:inkSource xml:id="inkSrc0">
+        <inkml:traceFormat>
+          <inkml:channel name="X" type="integer" min="-2.14748E9" max="2.14748E9" units="cm"/>
+          <inkml:channel name="Y" type="integer" min="-2.14748E9" max="2.14748E9" units="cm"/>
+          <inkml:channel name="F" type="integer" max="32767" units="dev"/>
+        </inkml:traceFormat>
+        <inkml:channelProperties>
+          <inkml:channelProperty channel="X" name="resolution" value="1000" units="1/cm"/>
+          <inkml:channelProperty channel="Y" name="resolution" value="1000" units="1/cm"/>
+          <inkml:channelProperty channel="F" name="resolution" value="0" units="1/dev"/>
+        </inkml:channelProperties>
+      </inkml:inkSource>
+      <inkml:timestamp xml:id="ts0" timeString="2024-08-08T08:08:37.190"/>
+    </inkml:context>
+    <inkml:brush xml:id="br0">
+      <inkml:brushProperty name="width" value="0.025" units="cm"/>
+      <inkml:brushProperty name="height" value="0.025" units="cm"/>
+    </inkml:brush>
+  </inkml:definitions>
+  <inkml:trace contextRef="#ctx0" brushRef="#br0">1095 1 24575,'-6'0'0,"0"1"0,-1 1 0,1-1 0,0 1 0,0 0 0,0 0 0,1 1 0,-1 0 0,0 0 0,1 0 0,0 1 0,0 0 0,0 0 0,0 0 0,0 0 0,1 1 0,-4 5 0,-11 14 0,1 0 0,-18 32 0,28-43 0,3-3 0,-1 1 0,2 1 0,0-1 0,0 0 0,1 1 0,0 0 0,1 0 0,0 0 0,0 17 0,2 12 0,7 57 0,-6-93 0,0 1 0,1-1 0,0 0 0,0 1 0,0-1 0,0 0 0,1 0 0,0-1 0,7 10 0,-10-14 0,-46-28 0,13 2 0,0 1 0,-56-31 0,83 52 0,0 0 0,0-1 0,1 1 0,-1-1 0,1-1 0,0 1 0,1-1 0,-1 0 0,-6-11 0,-12-15 0,23 32 0,0-1 0,-1 1 0,1 0 0,0 0 0,0-1 0,-1 1 0,1 0 0,0 0 0,-1-1 0,1 1 0,0 0 0,-1 0 0,1 0 0,0 0 0,-1-1 0,1 1 0,0 0 0,-1 0 0,1 0 0,-1 0 0,1 0 0,0 0 0,-1 0 0,1 0 0,0 0 0,-1 0 0,1 0 0,-1 1 0,1-1 0,0 0 0,-1 0 0,1 0 0,0 0 0,-1 0 0,1 1 0,0-1 0,-1 1 0,-12 15 0,-4 25 0,-3 25 0,16-49 0,-1-1 0,0 1 0,-1-2 0,0 1 0,-1-1 0,-1 0 0,-17 25 0,10-20 0,-24 29 0,36-46 0,1-1 0,0 1 0,0-1 0,-1 0 0,0 0 0,1-1 0,-1 1 0,0 0 0,0-1 0,0 1 0,0-1 0,0 0 0,0 0 0,0 0 0,-3 0 0,5-1 0,-1-1 0,1 1 0,0 0 0,0-1 0,0 1 0,0-1 0,-1 1 0,1-1 0,0 0 0,0 1 0,0-1 0,0 0 0,1 0 0,-1 1 0,0-1 0,0 0 0,0 0 0,1 0 0,-1 0 0,0 0 0,1 0 0,-1-1 0,1 1 0,-1 0 0,1 0 0,0 0 0,-1 0 0,1-1 0,0 1 0,0 0 0,0-2 0,-3-45 0,3 39 0,3-56 0,0-33 0,-3 90 0,-1 0 0,0 0 0,-1 0 0,1 0 0,-2 0 0,1 1 0,-1-1 0,0 1 0,-5-10 0,5 14 0,0-1 0,0 1 0,0 0 0,0 0 0,0 0 0,-1 1 0,1-1 0,-1 1 0,0 0 0,0 0 0,0 0 0,0 1 0,0-1 0,0 1 0,0 0 0,0 0 0,0 0 0,-9 0 0,-10 0 0,0 1 0,-33 3 0,11 0 0,-61-2-1365,83-1-5461</inkml:trace>
+</inkml:ink>
+</file>
+
+<file path=ppt/ink/ink3.xml><?xml version="1.0" encoding="utf-8"?>
+<inkml:ink xmlns:inkml="http://www.w3.org/2003/InkML">
+  <inkml:definitions>
+    <inkml:context xml:id="ctx0">
+      <inkml:inkSource xml:id="inkSrc0">
+        <inkml:traceFormat>
+          <inkml:channel name="X" type="integer" min="-2.14748E9" max="2.14748E9" units="cm"/>
+          <inkml:channel name="Y" type="integer" min="-2.14748E9" max="2.14748E9" units="cm"/>
+          <inkml:channel name="F" type="integer" max="32767" units="dev"/>
+        </inkml:traceFormat>
+        <inkml:channelProperties>
+          <inkml:channelProperty channel="X" name="resolution" value="1000" units="1/cm"/>
+          <inkml:channelProperty channel="Y" name="resolution" value="1000" units="1/cm"/>
+          <inkml:channelProperty channel="F" name="resolution" value="0" units="1/dev"/>
+        </inkml:channelProperties>
+      </inkml:inkSource>
+      <inkml:timestamp xml:id="ts0" timeString="2024-08-08T08:08:53.840"/>
+    </inkml:context>
+    <inkml:brush xml:id="br0">
+      <inkml:brushProperty name="width" value="0.025" units="cm"/>
+      <inkml:brushProperty name="height" value="0.025" units="cm"/>
+    </inkml:brush>
+  </inkml:definitions>
+  <inkml:trace contextRef="#ctx0" brushRef="#br0">1095 1 24575,'-6'0'0,"0"1"0,-1 1 0,1-1 0,0 1 0,0 0 0,0 0 0,1 1 0,-1 0 0,0 0 0,1 0 0,0 1 0,0 0 0,0 0 0,0 0 0,0 0 0,1 1 0,-4 5 0,-11 14 0,1 0 0,-18 32 0,28-43 0,3-3 0,-1 1 0,2 1 0,0-1 0,0 0 0,1 1 0,0 0 0,1 0 0,0 0 0,0 17 0,2 12 0,7 57 0,-6-93 0,0 1 0,1-1 0,0 0 0,0 1 0,0-1 0,0 0 0,1 0 0,0-1 0,7 10 0,-10-14 0,-46-28 0,13 2 0,0 1 0,-56-31 0,83 52 0,0 0 0,0-1 0,1 1 0,-1-1 0,1-1 0,0 1 0,1-1 0,-1 0 0,-6-11 0,-12-15 0,23 32 0,0-1 0,-1 1 0,1 0 0,0 0 0,0-1 0,-1 1 0,1 0 0,0 0 0,-1-1 0,1 1 0,0 0 0,-1 0 0,1 0 0,0 0 0,-1-1 0,1 1 0,0 0 0,-1 0 0,1 0 0,-1 0 0,1 0 0,0 0 0,-1 0 0,1 0 0,0 0 0,-1 0 0,1 0 0,-1 1 0,1-1 0,0 0 0,-1 0 0,1 0 0,0 0 0,-1 0 0,1 1 0,0-1 0,-1 1 0,-12 15 0,-4 25 0,-3 25 0,16-49 0,-1-1 0,0 1 0,-1-2 0,0 1 0,-1-1 0,-1 0 0,-17 25 0,10-20 0,-24 29 0,36-46 0,1-1 0,0 1 0,0-1 0,-1 0 0,0 0 0,1-1 0,-1 1 0,0 0 0,0-1 0,0 1 0,0-1 0,0 0 0,0 0 0,0 0 0,-3 0 0,5-1 0,-1-1 0,1 1 0,0 0 0,0-1 0,0 1 0,0-1 0,-1 1 0,1-1 0,0 0 0,0 1 0,0-1 0,0 0 0,1 0 0,-1 1 0,0-1 0,0 0 0,0 0 0,1 0 0,-1 0 0,0 0 0,1 0 0,-1-1 0,1 1 0,-1 0 0,1 0 0,0 0 0,-1 0 0,1-1 0,0 1 0,0 0 0,0-2 0,-3-45 0,3 39 0,3-56 0,0-33 0,-3 90 0,-1 0 0,0 0 0,-1 0 0,1 0 0,-2 0 0,1 1 0,-1-1 0,0 1 0,-5-10 0,5 14 0,0-1 0,0 1 0,0 0 0,0 0 0,0 0 0,-1 1 0,1-1 0,-1 1 0,0 0 0,0 0 0,0 0 0,0 1 0,0-1 0,0 1 0,0 0 0,0 0 0,0 0 0,-9 0 0,-10 0 0,0 1 0,-33 3 0,11 0 0,-61-2-1365,83-1-5461</inkml:trace>
+</inkml:ink>
+</file>
+
+<file path=ppt/ink/ink4.xml><?xml version="1.0" encoding="utf-8"?>
+<inkml:ink xmlns:inkml="http://www.w3.org/2003/InkML">
+  <inkml:definitions>
+    <inkml:context xml:id="ctx0">
+      <inkml:inkSource xml:id="inkSrc0">
+        <inkml:traceFormat>
+          <inkml:channel name="X" type="integer" min="-2.14748E9" max="2.14748E9" units="cm"/>
+          <inkml:channel name="Y" type="integer" min="-2.14748E9" max="2.14748E9" units="cm"/>
+          <inkml:channel name="F" type="integer" max="32767" units="dev"/>
+        </inkml:traceFormat>
+        <inkml:channelProperties>
+          <inkml:channelProperty channel="X" name="resolution" value="1000" units="1/cm"/>
+          <inkml:channelProperty channel="Y" name="resolution" value="1000" units="1/cm"/>
+          <inkml:channelProperty channel="F" name="resolution" value="0" units="1/dev"/>
+        </inkml:channelProperties>
+      </inkml:inkSource>
+      <inkml:timestamp xml:id="ts0" timeString="2024-08-08T08:09:22.801"/>
+    </inkml:context>
+    <inkml:brush xml:id="br0">
+      <inkml:brushProperty name="width" value="0.025" units="cm"/>
+      <inkml:brushProperty name="height" value="0.025" units="cm"/>
+    </inkml:brush>
+  </inkml:definitions>
+  <inkml:trace contextRef="#ctx0" brushRef="#br0">565 302 24575,'-1'-8'0,"-1"-1"0,-1 1 0,1 0 0,-1 1 0,-1-1 0,1 0 0,-1 1 0,-1 0 0,-6-10 0,-3-5 0,-6-12 0,0 0 0,-3 1 0,-28-33 0,49 64 0,0 0 0,0 0 0,0 0 0,0 0 0,0 0 0,0 1 0,0-1 0,-1 1 0,1-1 0,-1 1 0,1 0 0,-1 0 0,1 0 0,-1 0 0,0 0 0,1 1 0,-1-1 0,0 1 0,0 0 0,1-1 0,-1 1 0,0 1 0,0-1 0,1 0 0,-1 1 0,0-1 0,0 1 0,1 0 0,-1 0 0,1 0 0,-1 0 0,1 0 0,-1 1 0,-2 1 0,-5 5 0,-1 1 0,2 1 0,-1 0 0,1 0 0,-13 19 0,5-5 0,10-16-65,1-1 0,-1 0 0,-1 0 0,1-1 0,-1 0 0,0 0 0,0-1 0,-1 1 0,0-2 0,0 0 0,0 0 0,0 0 0,0-1 0,-1 0 0,0-1 0,1 0 0,-1-1 0,0 0 0,0-1 0,-16 0 0,4-1-6761</inkml:trace>
+</inkml:ink>
+</file>
+
+<file path=ppt/ink/ink5.xml><?xml version="1.0" encoding="utf-8"?>
+<inkml:ink xmlns:inkml="http://www.w3.org/2003/InkML">
+  <inkml:definitions>
+    <inkml:context xml:id="ctx0">
+      <inkml:inkSource xml:id="inkSrc0">
+        <inkml:traceFormat>
+          <inkml:channel name="X" type="integer" min="-2.14748E9" max="2.14748E9" units="cm"/>
+          <inkml:channel name="Y" type="integer" min="-2.14748E9" max="2.14748E9" units="cm"/>
+          <inkml:channel name="F" type="integer" max="32767" units="dev"/>
+        </inkml:traceFormat>
+        <inkml:channelProperties>
+          <inkml:channelProperty channel="X" name="resolution" value="1000" units="1/cm"/>
+          <inkml:channelProperty channel="Y" name="resolution" value="1000" units="1/cm"/>
+          <inkml:channelProperty channel="F" name="resolution" value="0" units="1/dev"/>
+        </inkml:channelProperties>
+      </inkml:inkSource>
+      <inkml:timestamp xml:id="ts0" timeString="2024-08-08T08:09:24.975"/>
+    </inkml:context>
+    <inkml:brush xml:id="br0">
+      <inkml:brushProperty name="width" value="0.025" units="cm"/>
+      <inkml:brushProperty name="height" value="0.025" units="cm"/>
+    </inkml:brush>
+  </inkml:definitions>
+  <inkml:trace contextRef="#ctx0" brushRef="#br0">723 896 24575,'-2'-7'0,"-1"1"0,1 0 0,-1 1 0,-1-1 0,1 0 0,-1 1 0,-7-9 0,13 26 0,0 0 0,1 0 0,7 22 0,1-13 0,-2 1 0,-1 0 0,0 0 0,-2 1 0,0 0 0,-2 0 0,0 0 0,-2 1 0,0 34 0,-2-51 0,-1 0 0,1 1 0,-1-1 0,0 0 0,-1 0 0,-4 13 0,6-19 0,-1 1 0,0-1 0,1 0 0,-1 0 0,0 0 0,0 0 0,0 1 0,0-1 0,0 0 0,0-1 0,0 1 0,0 0 0,-1 0 0,1 0 0,0-1 0,0 1 0,-1 0 0,1-1 0,0 0 0,-1 1 0,1-1 0,-1 0 0,1 1 0,0-1 0,-1 0 0,1 0 0,-1 0 0,1 0 0,-1 0 0,1-1 0,0 1 0,-1 0 0,1-1 0,-1 1 0,1-1 0,0 1 0,0-1 0,-1 0 0,1 0 0,0 1 0,-2-3 0,-3-1 0,0 0 0,0 0 0,0-1 0,1 0 0,0 0 0,0 0 0,-6-10 0,8 11 0,0 0 0,0 0 0,0 1 0,0-1 0,-1 1 0,1-1 0,-1 1 0,0 0 0,0 0 0,0 1 0,0-1 0,0 1 0,-1 0 0,1 0 0,-1 0 0,0 1 0,1 0 0,-8-2 0,-27 2 0,30 1 0,1 0 0,-1-1 0,1 1 0,-1-2 0,1 1 0,0-1 0,-9-3 0,14 3 0,1 1 0,-1-1 0,1 0 0,-1 1 0,1-1 0,0 0 0,0-1 0,0 1 0,0 0 0,0-1 0,1 1 0,-1-1 0,1 1 0,-1-1 0,1 0 0,0 1 0,0-1 0,0 0 0,0 0 0,1 0 0,-1 0 0,1 0 0,0 0 0,0-6 0,-5-42 0,3 37 0,0-1 0,1 1 0,1 0 0,0-1 0,1 1 0,5-29 0,16-17 0,2 1 0,2 1 0,68-108 0,-42 76 0,23-44 0,124-164 0,-198 297 0,0-1 0,0 0 0,0 1 0,0 0 0,0-1 0,0 1 0,1 0 0,-1-1 0,0 1 0,1 0 0,-1 0 0,1 0 0,0 0 0,-1 0 0,1 1 0,0-1 0,-1 0 0,4 0 0,-4 2 0,0-1 0,0 0 0,-1 1 0,1-1 0,0 1 0,0-1 0,0 1 0,-1-1 0,1 1 0,0 0 0,-1-1 0,1 1 0,-1 0 0,1-1 0,-1 1 0,1 0 0,-1 0 0,1 0 0,-1 0 0,0-1 0,1 1 0,-1 0 0,0 0 0,0 0 0,0 1 0,3 12 0,-2-1 0,0 1 0,-1 20 0,0-28 0,0 34 0,0 1 0,-8 60 0,6-87 0,-1 1 0,-1-1 0,0 0 0,-1-1 0,-1 1 0,0-1 0,-14 24 0,-4-2 0,-1-1 0,-1 0 0,-2-2 0,-1-2 0,-2 0 0,-1-2 0,-1-1 0,-1-2 0,-2-2 0,-54 29 0,83-49 0,-143 59 0,130-56 0,0-1 0,-1 0 0,0-2 0,0 0 0,-36-1 0,52-1 0,0-1 0,-1 0 0,1 0 0,0 0 0,0-1 0,0 0 0,0 0 0,0 0 0,0 0 0,0-1 0,0 0 0,1 0 0,-1 0 0,0-1 0,1 0 0,0 1 0,0-1 0,0-1 0,0 1 0,0-1 0,1 1 0,-1-1 0,1 0 0,0-1 0,0 1 0,0 0 0,-2-8 0,5 12 0,0 1 0,0-1 0,0 0 0,0 0 0,0 0 0,0 0 0,0 0 0,0 0 0,0 0 0,-1 0 0,1 0 0,0 1 0,0-1 0,0 0 0,0 0 0,0 0 0,0 0 0,0 0 0,0 0 0,0 0 0,0 0 0,0 0 0,0 0 0,0 0 0,-1 0 0,1 0 0,0 0 0,0 0 0,0 0 0,0 0 0,0 0 0,0 1 0,0-1 0,0 0 0,0 0 0,-1 0 0,1-1 0,0 1 0,0 0 0,0 0 0,0 0 0,0 0 0,0 0 0,0 0 0,0 0 0,0 0 0,-1 0 0,1 0 0,0 0 0,0 0 0,0 0 0,0 0 0,0 0 0,0 0 0,0 0 0,0 0 0,0 0 0,0-1 0,0 1 0,0 0 0,0 0 0,-3 16 0,1 21 0,14 164 0,0 19 0,-10-160 0,-1-34 0,0 0 0,-7 48 0,6-73 0,0 1 0,0-1 0,0 1 0,-1-1 0,1 0 0,0 1 0,-1-1 0,1 0 0,-1 1 0,0-1 0,1 0 0,-1 0 0,0 1 0,0-1 0,0 0 0,0 0 0,0 0 0,0 0 0,0 0 0,0 0 0,0-1 0,0 1 0,-1 0 0,1-1 0,0 1 0,0 0 0,-1-1 0,1 0 0,0 1 0,-1-1 0,-2 1 0,2-2 0,0 1 0,0 0 0,1-1 0,-1 1 0,0-1 0,0 0 0,0 1 0,1-1 0,-1 0 0,0 0 0,1 0 0,-1 0 0,1-1 0,-1 1 0,1 0 0,0-1 0,-1 1 0,1-1 0,0 1 0,0-1 0,0 0 0,0 1 0,-1-4 0,-2-4 0,1 0 0,0 0 0,1-1 0,0 1 0,0-1 0,1 0 0,0 0 0,1 1 0,1-20 0,17 45 0,11 16 0,2-1 0,1-2 0,1-1 0,53 33 0,157 78 0,-75-46 0,-72-38 7,170 69-1,-196-98-45,0-3-1,1-4 1,109 17 0,187-13-1905,-285-23-4159</inkml:trace>
+</inkml:ink>
+</file>
+
 <file path=ppt/notesMasters/notesMaster1.xml><?xml version="1.0" encoding="utf-8"?>
 <p:notesMaster xmlns:a="http://schemas.openxmlformats.org/drawingml/2006/main" xmlns:r="http://schemas.openxmlformats.org/officeDocument/2006/relationships" xmlns:p="http://schemas.openxmlformats.org/presentationml/2006/main">
   <p:cSld>
@@ -228,7 +363,7 @@
           <a:p>
             <a:fld id="{7DBF2AA2-66F5-4A09-8B8E-1D256BC1468B}" type="datetimeFigureOut">
               <a:rPr lang="he-IL" smtClean="0"/>
-              <a:t>ג'/אב/תשפ"ד</a:t>
+              <a:t>ד'/אב/תשפ"ד</a:t>
             </a:fld>
             <a:endParaRPr lang="he-IL"/>
           </a:p>
@@ -722,7 +857,7 @@
             <a:fld id="{B61BEF0D-F0BB-DE4B-95CE-6DB70DBA9567}" type="datetimeFigureOut">
               <a:rPr lang="en-US" smtClean="0"/>
               <a:pPr/>
-              <a:t>8/6/2024</a:t>
+              <a:t>8/8/2024</a:t>
             </a:fld>
             <a:endParaRPr lang="en-US" dirty="0"/>
           </a:p>
@@ -932,7 +1067,7 @@
             <a:fld id="{B61BEF0D-F0BB-DE4B-95CE-6DB70DBA9567}" type="datetimeFigureOut">
               <a:rPr lang="en-US" smtClean="0"/>
               <a:pPr/>
-              <a:t>8/6/2024</a:t>
+              <a:t>8/8/2024</a:t>
             </a:fld>
             <a:endParaRPr lang="en-US" dirty="0"/>
           </a:p>
@@ -1190,7 +1325,7 @@
             <a:fld id="{B61BEF0D-F0BB-DE4B-95CE-6DB70DBA9567}" type="datetimeFigureOut">
               <a:rPr lang="en-US" smtClean="0"/>
               <a:pPr/>
-              <a:t>8/6/2024</a:t>
+              <a:t>8/8/2024</a:t>
             </a:fld>
             <a:endParaRPr lang="en-US" dirty="0"/>
           </a:p>
@@ -1366,7 +1501,7 @@
             <a:fld id="{B61BEF0D-F0BB-DE4B-95CE-6DB70DBA9567}" type="datetimeFigureOut">
               <a:rPr lang="en-US" smtClean="0"/>
               <a:pPr/>
-              <a:t>8/6/2024</a:t>
+              <a:t>8/8/2024</a:t>
             </a:fld>
             <a:endParaRPr lang="en-US" dirty="0"/>
           </a:p>
@@ -1711,7 +1846,7 @@
             <a:fld id="{B61BEF0D-F0BB-DE4B-95CE-6DB70DBA9567}" type="datetimeFigureOut">
               <a:rPr lang="en-US" smtClean="0"/>
               <a:pPr/>
-              <a:t>8/6/2024</a:t>
+              <a:t>8/8/2024</a:t>
             </a:fld>
             <a:endParaRPr lang="en-US" dirty="0"/>
           </a:p>
@@ -1988,7 +2123,7 @@
             <a:fld id="{B61BEF0D-F0BB-DE4B-95CE-6DB70DBA9567}" type="datetimeFigureOut">
               <a:rPr lang="en-US" smtClean="0"/>
               <a:pPr/>
-              <a:t>8/6/2024</a:t>
+              <a:t>8/8/2024</a:t>
             </a:fld>
             <a:endParaRPr lang="en-US" dirty="0"/>
           </a:p>
@@ -2369,7 +2504,7 @@
             <a:fld id="{B61BEF0D-F0BB-DE4B-95CE-6DB70DBA9567}" type="datetimeFigureOut">
               <a:rPr lang="en-US" smtClean="0"/>
               <a:pPr/>
-              <a:t>8/6/2024</a:t>
+              <a:t>8/8/2024</a:t>
             </a:fld>
             <a:endParaRPr lang="en-US" dirty="0"/>
           </a:p>
@@ -2489,7 +2624,7 @@
             <a:fld id="{B61BEF0D-F0BB-DE4B-95CE-6DB70DBA9567}" type="datetimeFigureOut">
               <a:rPr lang="en-US" smtClean="0"/>
               <a:pPr/>
-              <a:t>8/6/2024</a:t>
+              <a:t>8/8/2024</a:t>
             </a:fld>
             <a:endParaRPr lang="en-US" dirty="0"/>
           </a:p>
@@ -2662,7 +2797,7 @@
             <a:fld id="{B61BEF0D-F0BB-DE4B-95CE-6DB70DBA9567}" type="datetimeFigureOut">
               <a:rPr lang="en-US" smtClean="0"/>
               <a:pPr/>
-              <a:t>8/6/2024</a:t>
+              <a:t>8/8/2024</a:t>
             </a:fld>
             <a:endParaRPr lang="en-US" dirty="0"/>
           </a:p>
@@ -3018,7 +3153,7 @@
             <a:fld id="{B61BEF0D-F0BB-DE4B-95CE-6DB70DBA9567}" type="datetimeFigureOut">
               <a:rPr lang="en-US" smtClean="0"/>
               <a:pPr/>
-              <a:t>8/6/2024</a:t>
+              <a:t>8/8/2024</a:t>
             </a:fld>
             <a:endParaRPr lang="en-US" dirty="0"/>
           </a:p>
@@ -3402,7 +3537,7 @@
             <a:fld id="{B61BEF0D-F0BB-DE4B-95CE-6DB70DBA9567}" type="datetimeFigureOut">
               <a:rPr lang="en-US" smtClean="0"/>
               <a:pPr/>
-              <a:t>8/6/2024</a:t>
+              <a:t>8/8/2024</a:t>
             </a:fld>
             <a:endParaRPr lang="en-US" dirty="0"/>
           </a:p>
@@ -3691,7 +3826,7 @@
             <a:fld id="{B61BEF0D-F0BB-DE4B-95CE-6DB70DBA9567}" type="datetimeFigureOut">
               <a:rPr lang="en-US" smtClean="0"/>
               <a:pPr/>
-              <a:t>8/6/2024</a:t>
+              <a:t>8/8/2024</a:t>
             </a:fld>
             <a:endParaRPr lang="en-US" dirty="0"/>
           </a:p>
@@ -17058,6 +17193,282 @@
           </a:graphicData>
         </a:graphic>
       </p:graphicFrame>
+      <mc:AlternateContent xmlns:mc="http://schemas.openxmlformats.org/markup-compatibility/2006">
+        <mc:Choice xmlns:p14="http://schemas.microsoft.com/office/powerpoint/2010/main" Requires="p14">
+          <p:contentPart p14:bwMode="auto" r:id="rId6">
+            <p14:nvContentPartPr>
+              <p14:cNvPr id="4" name="דיו 3">
+                <a:extLst>
+                  <a:ext uri="{FF2B5EF4-FFF2-40B4-BE49-F238E27FC236}">
+                    <a16:creationId xmlns:a16="http://schemas.microsoft.com/office/drawing/2014/main" id="{3D85EE0F-B92B-D299-3CB2-A2F5A9F73508}"/>
+                  </a:ext>
+                </a:extLst>
+              </p14:cNvPr>
+              <p14:cNvContentPartPr/>
+              <p14:nvPr/>
+            </p14:nvContentPartPr>
+            <p14:xfrm>
+              <a:off x="6528720" y="4335660"/>
+              <a:ext cx="598320" cy="367560"/>
+            </p14:xfrm>
+          </p:contentPart>
+        </mc:Choice>
+        <mc:Fallback>
+          <p:pic>
+            <p:nvPicPr>
+              <p:cNvPr id="4" name="דיו 3">
+                <a:extLst>
+                  <a:ext uri="{FF2B5EF4-FFF2-40B4-BE49-F238E27FC236}">
+                    <a16:creationId xmlns:a16="http://schemas.microsoft.com/office/drawing/2014/main" id="{3D85EE0F-B92B-D299-3CB2-A2F5A9F73508}"/>
+                  </a:ext>
+                </a:extLst>
+              </p:cNvPr>
+              <p:cNvPicPr/>
+              <p:nvPr/>
+            </p:nvPicPr>
+            <p:blipFill>
+              <a:blip r:embed="rId7"/>
+              <a:stretch>
+                <a:fillRect/>
+              </a:stretch>
+            </p:blipFill>
+            <p:spPr>
+              <a:xfrm>
+                <a:off x="6522600" y="4329540"/>
+                <a:ext cx="610560" cy="379800"/>
+              </a:xfrm>
+              <a:prstGeom prst="rect">
+                <a:avLst/>
+              </a:prstGeom>
+            </p:spPr>
+          </p:pic>
+        </mc:Fallback>
+      </mc:AlternateContent>
+      <mc:AlternateContent xmlns:mc="http://schemas.openxmlformats.org/markup-compatibility/2006">
+        <mc:Choice xmlns:p14="http://schemas.microsoft.com/office/powerpoint/2010/main" Requires="p14">
+          <p:contentPart p14:bwMode="auto" r:id="rId8">
+            <p14:nvContentPartPr>
+              <p14:cNvPr id="5" name="דיו 4">
+                <a:extLst>
+                  <a:ext uri="{FF2B5EF4-FFF2-40B4-BE49-F238E27FC236}">
+                    <a16:creationId xmlns:a16="http://schemas.microsoft.com/office/drawing/2014/main" id="{816D1897-9973-0598-497D-13F33EDF9BDE}"/>
+                  </a:ext>
+                </a:extLst>
+              </p14:cNvPr>
+              <p14:cNvContentPartPr/>
+              <p14:nvPr/>
+            </p14:nvContentPartPr>
+            <p14:xfrm>
+              <a:off x="4474920" y="4388940"/>
+              <a:ext cx="394560" cy="232560"/>
+            </p14:xfrm>
+          </p:contentPart>
+        </mc:Choice>
+        <mc:Fallback>
+          <p:pic>
+            <p:nvPicPr>
+              <p:cNvPr id="5" name="דיו 4">
+                <a:extLst>
+                  <a:ext uri="{FF2B5EF4-FFF2-40B4-BE49-F238E27FC236}">
+                    <a16:creationId xmlns:a16="http://schemas.microsoft.com/office/drawing/2014/main" id="{816D1897-9973-0598-497D-13F33EDF9BDE}"/>
+                  </a:ext>
+                </a:extLst>
+              </p:cNvPr>
+              <p:cNvPicPr/>
+              <p:nvPr/>
+            </p:nvPicPr>
+            <p:blipFill>
+              <a:blip r:embed="rId9"/>
+              <a:stretch>
+                <a:fillRect/>
+              </a:stretch>
+            </p:blipFill>
+            <p:spPr>
+              <a:xfrm>
+                <a:off x="4470600" y="4384620"/>
+                <a:ext cx="403200" cy="241200"/>
+              </a:xfrm>
+              <a:prstGeom prst="rect">
+                <a:avLst/>
+              </a:prstGeom>
+            </p:spPr>
+          </p:pic>
+        </mc:Fallback>
+      </mc:AlternateContent>
+      <mc:AlternateContent xmlns:mc="http://schemas.openxmlformats.org/markup-compatibility/2006">
+        <mc:Choice xmlns:p14="http://schemas.microsoft.com/office/powerpoint/2010/main" Requires="p14">
+          <p:contentPart p14:bwMode="auto" r:id="rId10">
+            <p14:nvContentPartPr>
+              <p14:cNvPr id="6" name="דיו 5">
+                <a:extLst>
+                  <a:ext uri="{FF2B5EF4-FFF2-40B4-BE49-F238E27FC236}">
+                    <a16:creationId xmlns:a16="http://schemas.microsoft.com/office/drawing/2014/main" id="{421E2109-B06D-FF34-D339-8963B0C8F238}"/>
+                  </a:ext>
+                </a:extLst>
+              </p14:cNvPr>
+              <p14:cNvContentPartPr/>
+              <p14:nvPr/>
+            </p14:nvContentPartPr>
+            <p14:xfrm>
+              <a:off x="5898719" y="6257851"/>
+              <a:ext cx="394560" cy="232560"/>
+            </p14:xfrm>
+          </p:contentPart>
+        </mc:Choice>
+        <mc:Fallback>
+          <p:pic>
+            <p:nvPicPr>
+              <p:cNvPr id="6" name="דיו 5">
+                <a:extLst>
+                  <a:ext uri="{FF2B5EF4-FFF2-40B4-BE49-F238E27FC236}">
+                    <a16:creationId xmlns:a16="http://schemas.microsoft.com/office/drawing/2014/main" id="{421E2109-B06D-FF34-D339-8963B0C8F238}"/>
+                  </a:ext>
+                </a:extLst>
+              </p:cNvPr>
+              <p:cNvPicPr/>
+              <p:nvPr/>
+            </p:nvPicPr>
+            <p:blipFill>
+              <a:blip r:embed="rId9"/>
+              <a:stretch>
+                <a:fillRect/>
+              </a:stretch>
+            </p:blipFill>
+            <p:spPr>
+              <a:xfrm>
+                <a:off x="5894399" y="6253531"/>
+                <a:ext cx="403200" cy="241200"/>
+              </a:xfrm>
+              <a:prstGeom prst="rect">
+                <a:avLst/>
+              </a:prstGeom>
+            </p:spPr>
+          </p:pic>
+        </mc:Fallback>
+      </mc:AlternateContent>
+      <p:grpSp>
+        <p:nvGrpSpPr>
+          <p:cNvPr id="9" name="קבוצה 8">
+            <a:extLst>
+              <a:ext uri="{FF2B5EF4-FFF2-40B4-BE49-F238E27FC236}">
+                <a16:creationId xmlns:a16="http://schemas.microsoft.com/office/drawing/2014/main" id="{ACB17D03-42B6-D617-2F7E-737A84C32E94}"/>
+              </a:ext>
+            </a:extLst>
+          </p:cNvPr>
+          <p:cNvGrpSpPr/>
+          <p:nvPr/>
+        </p:nvGrpSpPr>
+        <p:grpSpPr>
+          <a:xfrm>
+            <a:off x="5561400" y="4143060"/>
+            <a:ext cx="663840" cy="745560"/>
+            <a:chOff x="5561400" y="4143060"/>
+            <a:chExt cx="663840" cy="745560"/>
+          </a:xfrm>
+        </p:grpSpPr>
+        <mc:AlternateContent xmlns:mc="http://schemas.openxmlformats.org/markup-compatibility/2006">
+          <mc:Choice xmlns:p14="http://schemas.microsoft.com/office/powerpoint/2010/main" Requires="p14">
+            <p:contentPart p14:bwMode="auto" r:id="rId11">
+              <p14:nvContentPartPr>
+                <p14:cNvPr id="7" name="דיו 6">
+                  <a:extLst>
+                    <a:ext uri="{FF2B5EF4-FFF2-40B4-BE49-F238E27FC236}">
+                      <a16:creationId xmlns:a16="http://schemas.microsoft.com/office/drawing/2014/main" id="{BB2740DB-9B99-5718-4334-B95B9B9B58F1}"/>
+                    </a:ext>
+                  </a:extLst>
+                </p14:cNvPr>
+                <p14:cNvContentPartPr/>
+                <p14:nvPr/>
+              </p14:nvContentPartPr>
+              <p14:xfrm>
+                <a:off x="5862000" y="4425300"/>
+                <a:ext cx="203760" cy="108720"/>
+              </p14:xfrm>
+            </p:contentPart>
+          </mc:Choice>
+          <mc:Fallback>
+            <p:pic>
+              <p:nvPicPr>
+                <p:cNvPr id="7" name="דיו 6">
+                  <a:extLst>
+                    <a:ext uri="{FF2B5EF4-FFF2-40B4-BE49-F238E27FC236}">
+                      <a16:creationId xmlns:a16="http://schemas.microsoft.com/office/drawing/2014/main" id="{BB2740DB-9B99-5718-4334-B95B9B9B58F1}"/>
+                    </a:ext>
+                  </a:extLst>
+                </p:cNvPr>
+                <p:cNvPicPr/>
+                <p:nvPr/>
+              </p:nvPicPr>
+              <p:blipFill>
+                <a:blip r:embed="rId12"/>
+                <a:stretch>
+                  <a:fillRect/>
+                </a:stretch>
+              </p:blipFill>
+              <p:spPr>
+                <a:xfrm>
+                  <a:off x="5857680" y="4420980"/>
+                  <a:ext cx="212400" cy="117360"/>
+                </a:xfrm>
+                <a:prstGeom prst="rect">
+                  <a:avLst/>
+                </a:prstGeom>
+              </p:spPr>
+            </p:pic>
+          </mc:Fallback>
+        </mc:AlternateContent>
+        <mc:AlternateContent xmlns:mc="http://schemas.openxmlformats.org/markup-compatibility/2006">
+          <mc:Choice xmlns:p14="http://schemas.microsoft.com/office/powerpoint/2010/main" Requires="p14">
+            <p:contentPart p14:bwMode="auto" r:id="rId13">
+              <p14:nvContentPartPr>
+                <p14:cNvPr id="8" name="דיו 7">
+                  <a:extLst>
+                    <a:ext uri="{FF2B5EF4-FFF2-40B4-BE49-F238E27FC236}">
+                      <a16:creationId xmlns:a16="http://schemas.microsoft.com/office/drawing/2014/main" id="{8B3DF8D2-E2FD-0A0C-425E-2F6D58C64D75}"/>
+                    </a:ext>
+                  </a:extLst>
+                </p14:cNvPr>
+                <p14:cNvContentPartPr/>
+                <p14:nvPr/>
+              </p14:nvContentPartPr>
+              <p14:xfrm>
+                <a:off x="5561400" y="4143060"/>
+                <a:ext cx="663840" cy="745560"/>
+              </p14:xfrm>
+            </p:contentPart>
+          </mc:Choice>
+          <mc:Fallback>
+            <p:pic>
+              <p:nvPicPr>
+                <p:cNvPr id="8" name="דיו 7">
+                  <a:extLst>
+                    <a:ext uri="{FF2B5EF4-FFF2-40B4-BE49-F238E27FC236}">
+                      <a16:creationId xmlns:a16="http://schemas.microsoft.com/office/drawing/2014/main" id="{8B3DF8D2-E2FD-0A0C-425E-2F6D58C64D75}"/>
+                    </a:ext>
+                  </a:extLst>
+                </p:cNvPr>
+                <p:cNvPicPr/>
+                <p:nvPr/>
+              </p:nvPicPr>
+              <p:blipFill>
+                <a:blip r:embed="rId14"/>
+                <a:stretch>
+                  <a:fillRect/>
+                </a:stretch>
+              </p:blipFill>
+              <p:spPr>
+                <a:xfrm>
+                  <a:off x="5557080" y="4138740"/>
+                  <a:ext cx="672480" cy="754200"/>
+                </a:xfrm>
+                <a:prstGeom prst="rect">
+                  <a:avLst/>
+                </a:prstGeom>
+              </p:spPr>
+            </p:pic>
+          </mc:Fallback>
+        </mc:AlternateContent>
+      </p:grpSp>
     </p:spTree>
     <p:extLst>
       <p:ext uri="{BB962C8B-B14F-4D97-AF65-F5344CB8AC3E}">
